--- a/Lecture_3/A Taste of Fisheries Science_presentation_3.pptx
+++ b/Lecture_3/A Taste of Fisheries Science_presentation_3.pptx
@@ -221,7 +221,7 @@
           <a:p>
             <a:fld id="{2398E56C-5B4E-4C10-84AF-04B7AE478ABE}" type="datetimeFigureOut">
               <a:rPr lang="en-US" smtClean="0"/>
-              <a:t>2/4/2023</a:t>
+              <a:t>2/13/2023</a:t>
             </a:fld>
             <a:endParaRPr lang="en-US"/>
           </a:p>
@@ -1959,7 +1959,7 @@
           <a:p>
             <a:fld id="{5D8BE0D3-E4A9-48BC-9171-F8D206744B4D}" type="datetimeFigureOut">
               <a:rPr lang="en-US" smtClean="0"/>
-              <a:t>2/4/2023</a:t>
+              <a:t>2/13/2023</a:t>
             </a:fld>
             <a:endParaRPr lang="en-US"/>
           </a:p>
@@ -2167,7 +2167,7 @@
           <a:p>
             <a:fld id="{5D8BE0D3-E4A9-48BC-9171-F8D206744B4D}" type="datetimeFigureOut">
               <a:rPr lang="en-US" smtClean="0"/>
-              <a:t>2/4/2023</a:t>
+              <a:t>2/13/2023</a:t>
             </a:fld>
             <a:endParaRPr lang="en-US"/>
           </a:p>
@@ -2423,7 +2423,7 @@
           <a:p>
             <a:fld id="{5D8BE0D3-E4A9-48BC-9171-F8D206744B4D}" type="datetimeFigureOut">
               <a:rPr lang="en-US" smtClean="0"/>
-              <a:t>2/4/2023</a:t>
+              <a:t>2/13/2023</a:t>
             </a:fld>
             <a:endParaRPr lang="en-US"/>
           </a:p>
@@ -2593,7 +2593,7 @@
           <a:p>
             <a:fld id="{5D8BE0D3-E4A9-48BC-9171-F8D206744B4D}" type="datetimeFigureOut">
               <a:rPr lang="en-US" smtClean="0"/>
-              <a:t>2/4/2023</a:t>
+              <a:t>2/13/2023</a:t>
             </a:fld>
             <a:endParaRPr lang="en-US"/>
           </a:p>
@@ -2936,7 +2936,7 @@
           <a:p>
             <a:fld id="{5D8BE0D3-E4A9-48BC-9171-F8D206744B4D}" type="datetimeFigureOut">
               <a:rPr lang="en-US" smtClean="0"/>
-              <a:t>2/4/2023</a:t>
+              <a:t>2/13/2023</a:t>
             </a:fld>
             <a:endParaRPr lang="en-US"/>
           </a:p>
@@ -3211,7 +3211,7 @@
           <a:p>
             <a:fld id="{5D8BE0D3-E4A9-48BC-9171-F8D206744B4D}" type="datetimeFigureOut">
               <a:rPr lang="en-US" smtClean="0"/>
-              <a:t>2/4/2023</a:t>
+              <a:t>2/13/2023</a:t>
             </a:fld>
             <a:endParaRPr lang="en-US"/>
           </a:p>
@@ -3589,7 +3589,7 @@
           <a:p>
             <a:fld id="{5D8BE0D3-E4A9-48BC-9171-F8D206744B4D}" type="datetimeFigureOut">
               <a:rPr lang="en-US" smtClean="0"/>
-              <a:t>2/4/2023</a:t>
+              <a:t>2/13/2023</a:t>
             </a:fld>
             <a:endParaRPr lang="en-US"/>
           </a:p>
@@ -3707,7 +3707,7 @@
           <a:p>
             <a:fld id="{5D8BE0D3-E4A9-48BC-9171-F8D206744B4D}" type="datetimeFigureOut">
               <a:rPr lang="en-US" smtClean="0"/>
-              <a:t>2/4/2023</a:t>
+              <a:t>2/13/2023</a:t>
             </a:fld>
             <a:endParaRPr lang="en-US"/>
           </a:p>
@@ -3878,7 +3878,7 @@
           <a:p>
             <a:fld id="{5D8BE0D3-E4A9-48BC-9171-F8D206744B4D}" type="datetimeFigureOut">
               <a:rPr lang="en-US" smtClean="0"/>
-              <a:t>2/4/2023</a:t>
+              <a:t>2/13/2023</a:t>
             </a:fld>
             <a:endParaRPr lang="en-US"/>
           </a:p>
@@ -4232,7 +4232,7 @@
           <a:p>
             <a:fld id="{5D8BE0D3-E4A9-48BC-9171-F8D206744B4D}" type="datetimeFigureOut">
               <a:rPr lang="en-US" smtClean="0"/>
-              <a:t>2/4/2023</a:t>
+              <a:t>2/13/2023</a:t>
             </a:fld>
             <a:endParaRPr lang="en-US"/>
           </a:p>
@@ -4609,7 +4609,7 @@
           <a:p>
             <a:fld id="{5D8BE0D3-E4A9-48BC-9171-F8D206744B4D}" type="datetimeFigureOut">
               <a:rPr lang="en-US" smtClean="0"/>
-              <a:t>2/4/2023</a:t>
+              <a:t>2/13/2023</a:t>
             </a:fld>
             <a:endParaRPr lang="en-US"/>
           </a:p>
@@ -4894,7 +4894,7 @@
           <a:p>
             <a:fld id="{5D8BE0D3-E4A9-48BC-9171-F8D206744B4D}" type="datetimeFigureOut">
               <a:rPr lang="en-US" smtClean="0"/>
-              <a:t>2/4/2023</a:t>
+              <a:t>2/13/2023</a:t>
             </a:fld>
             <a:endParaRPr lang="en-US"/>
           </a:p>
@@ -5835,6 +5835,396 @@
   <p:clrMapOvr>
     <a:masterClrMapping/>
   </p:clrMapOvr>
+  <p:timing>
+    <p:tnLst>
+      <p:par>
+        <p:cTn id="1" dur="indefinite" restart="never" nodeType="tmRoot">
+          <p:childTnLst>
+            <p:seq concurrent="1" nextAc="seek">
+              <p:cTn id="2" dur="indefinite" nodeType="mainSeq">
+                <p:childTnLst>
+                  <p:par>
+                    <p:cTn id="3" fill="hold">
+                      <p:stCondLst>
+                        <p:cond delay="indefinite"/>
+                      </p:stCondLst>
+                      <p:childTnLst>
+                        <p:par>
+                          <p:cTn id="4" fill="hold">
+                            <p:stCondLst>
+                              <p:cond delay="0"/>
+                            </p:stCondLst>
+                            <p:childTnLst>
+                              <p:par>
+                                <p:cTn id="5" presetID="1" presetClass="entr" presetSubtype="0" fill="hold" nodeType="clickEffect">
+                                  <p:stCondLst>
+                                    <p:cond delay="0"/>
+                                  </p:stCondLst>
+                                  <p:childTnLst>
+                                    <p:set>
+                                      <p:cBhvr>
+                                        <p:cTn id="6" dur="1" fill="hold">
+                                          <p:stCondLst>
+                                            <p:cond delay="0"/>
+                                          </p:stCondLst>
+                                        </p:cTn>
+                                        <p:tgtEl>
+                                          <p:spTgt spid="6">
+                                            <p:txEl>
+                                              <p:pRg st="2" end="2"/>
+                                            </p:txEl>
+                                          </p:spTgt>
+                                        </p:tgtEl>
+                                        <p:attrNameLst>
+                                          <p:attrName>style.visibility</p:attrName>
+                                        </p:attrNameLst>
+                                      </p:cBhvr>
+                                      <p:to>
+                                        <p:strVal val="visible"/>
+                                      </p:to>
+                                    </p:set>
+                                  </p:childTnLst>
+                                </p:cTn>
+                              </p:par>
+                              <p:par>
+                                <p:cTn id="7" presetID="1" presetClass="entr" presetSubtype="0" fill="hold" nodeType="withEffect">
+                                  <p:stCondLst>
+                                    <p:cond delay="0"/>
+                                  </p:stCondLst>
+                                  <p:childTnLst>
+                                    <p:set>
+                                      <p:cBhvr>
+                                        <p:cTn id="8" dur="1" fill="hold">
+                                          <p:stCondLst>
+                                            <p:cond delay="0"/>
+                                          </p:stCondLst>
+                                        </p:cTn>
+                                        <p:tgtEl>
+                                          <p:spTgt spid="6">
+                                            <p:txEl>
+                                              <p:pRg st="3" end="3"/>
+                                            </p:txEl>
+                                          </p:spTgt>
+                                        </p:tgtEl>
+                                        <p:attrNameLst>
+                                          <p:attrName>style.visibility</p:attrName>
+                                        </p:attrNameLst>
+                                      </p:cBhvr>
+                                      <p:to>
+                                        <p:strVal val="visible"/>
+                                      </p:to>
+                                    </p:set>
+                                  </p:childTnLst>
+                                </p:cTn>
+                              </p:par>
+                            </p:childTnLst>
+                          </p:cTn>
+                        </p:par>
+                      </p:childTnLst>
+                    </p:cTn>
+                  </p:par>
+                  <p:par>
+                    <p:cTn id="9" fill="hold">
+                      <p:stCondLst>
+                        <p:cond delay="indefinite"/>
+                      </p:stCondLst>
+                      <p:childTnLst>
+                        <p:par>
+                          <p:cTn id="10" fill="hold">
+                            <p:stCondLst>
+                              <p:cond delay="0"/>
+                            </p:stCondLst>
+                            <p:childTnLst>
+                              <p:par>
+                                <p:cTn id="11" presetID="1" presetClass="entr" presetSubtype="0" fill="hold" nodeType="clickEffect">
+                                  <p:stCondLst>
+                                    <p:cond delay="0"/>
+                                  </p:stCondLst>
+                                  <p:childTnLst>
+                                    <p:set>
+                                      <p:cBhvr>
+                                        <p:cTn id="12" dur="1" fill="hold">
+                                          <p:stCondLst>
+                                            <p:cond delay="0"/>
+                                          </p:stCondLst>
+                                        </p:cTn>
+                                        <p:tgtEl>
+                                          <p:spTgt spid="6">
+                                            <p:txEl>
+                                              <p:pRg st="5" end="5"/>
+                                            </p:txEl>
+                                          </p:spTgt>
+                                        </p:tgtEl>
+                                        <p:attrNameLst>
+                                          <p:attrName>style.visibility</p:attrName>
+                                        </p:attrNameLst>
+                                      </p:cBhvr>
+                                      <p:to>
+                                        <p:strVal val="visible"/>
+                                      </p:to>
+                                    </p:set>
+                                  </p:childTnLst>
+                                </p:cTn>
+                              </p:par>
+                              <p:par>
+                                <p:cTn id="13" presetID="1" presetClass="entr" presetSubtype="0" fill="hold" nodeType="withEffect">
+                                  <p:stCondLst>
+                                    <p:cond delay="0"/>
+                                  </p:stCondLst>
+                                  <p:childTnLst>
+                                    <p:set>
+                                      <p:cBhvr>
+                                        <p:cTn id="14" dur="1" fill="hold">
+                                          <p:stCondLst>
+                                            <p:cond delay="0"/>
+                                          </p:stCondLst>
+                                        </p:cTn>
+                                        <p:tgtEl>
+                                          <p:spTgt spid="7"/>
+                                        </p:tgtEl>
+                                        <p:attrNameLst>
+                                          <p:attrName>style.visibility</p:attrName>
+                                        </p:attrNameLst>
+                                      </p:cBhvr>
+                                      <p:to>
+                                        <p:strVal val="visible"/>
+                                      </p:to>
+                                    </p:set>
+                                  </p:childTnLst>
+                                </p:cTn>
+                              </p:par>
+                              <p:par>
+                                <p:cTn id="15" presetID="1" presetClass="entr" presetSubtype="0" fill="hold" nodeType="withEffect">
+                                  <p:stCondLst>
+                                    <p:cond delay="0"/>
+                                  </p:stCondLst>
+                                  <p:childTnLst>
+                                    <p:set>
+                                      <p:cBhvr>
+                                        <p:cTn id="16" dur="1" fill="hold">
+                                          <p:stCondLst>
+                                            <p:cond delay="0"/>
+                                          </p:stCondLst>
+                                        </p:cTn>
+                                        <p:tgtEl>
+                                          <p:spTgt spid="6">
+                                            <p:txEl>
+                                              <p:pRg st="4" end="4"/>
+                                            </p:txEl>
+                                          </p:spTgt>
+                                        </p:tgtEl>
+                                        <p:attrNameLst>
+                                          <p:attrName>style.visibility</p:attrName>
+                                        </p:attrNameLst>
+                                      </p:cBhvr>
+                                      <p:to>
+                                        <p:strVal val="visible"/>
+                                      </p:to>
+                                    </p:set>
+                                  </p:childTnLst>
+                                </p:cTn>
+                              </p:par>
+                              <p:par>
+                                <p:cTn id="17" presetID="1" presetClass="entr" presetSubtype="0" fill="hold" nodeType="withEffect">
+                                  <p:stCondLst>
+                                    <p:cond delay="0"/>
+                                  </p:stCondLst>
+                                  <p:childTnLst>
+                                    <p:set>
+                                      <p:cBhvr>
+                                        <p:cTn id="18" dur="1" fill="hold">
+                                          <p:stCondLst>
+                                            <p:cond delay="0"/>
+                                          </p:stCondLst>
+                                        </p:cTn>
+                                        <p:tgtEl>
+                                          <p:spTgt spid="6">
+                                            <p:txEl>
+                                              <p:pRg st="6" end="6"/>
+                                            </p:txEl>
+                                          </p:spTgt>
+                                        </p:tgtEl>
+                                        <p:attrNameLst>
+                                          <p:attrName>style.visibility</p:attrName>
+                                        </p:attrNameLst>
+                                      </p:cBhvr>
+                                      <p:to>
+                                        <p:strVal val="visible"/>
+                                      </p:to>
+                                    </p:set>
+                                  </p:childTnLst>
+                                </p:cTn>
+                              </p:par>
+                              <p:par>
+                                <p:cTn id="19" presetID="1" presetClass="entr" presetSubtype="0" fill="hold" nodeType="withEffect">
+                                  <p:stCondLst>
+                                    <p:cond delay="0"/>
+                                  </p:stCondLst>
+                                  <p:childTnLst>
+                                    <p:set>
+                                      <p:cBhvr>
+                                        <p:cTn id="20" dur="1" fill="hold">
+                                          <p:stCondLst>
+                                            <p:cond delay="0"/>
+                                          </p:stCondLst>
+                                        </p:cTn>
+                                        <p:tgtEl>
+                                          <p:spTgt spid="6">
+                                            <p:txEl>
+                                              <p:pRg st="7" end="7"/>
+                                            </p:txEl>
+                                          </p:spTgt>
+                                        </p:tgtEl>
+                                        <p:attrNameLst>
+                                          <p:attrName>style.visibility</p:attrName>
+                                        </p:attrNameLst>
+                                      </p:cBhvr>
+                                      <p:to>
+                                        <p:strVal val="visible"/>
+                                      </p:to>
+                                    </p:set>
+                                  </p:childTnLst>
+                                </p:cTn>
+                              </p:par>
+                            </p:childTnLst>
+                          </p:cTn>
+                        </p:par>
+                      </p:childTnLst>
+                    </p:cTn>
+                  </p:par>
+                  <p:par>
+                    <p:cTn id="21" fill="hold">
+                      <p:stCondLst>
+                        <p:cond delay="indefinite"/>
+                      </p:stCondLst>
+                      <p:childTnLst>
+                        <p:par>
+                          <p:cTn id="22" fill="hold">
+                            <p:stCondLst>
+                              <p:cond delay="0"/>
+                            </p:stCondLst>
+                            <p:childTnLst>
+                              <p:par>
+                                <p:cTn id="23" presetID="1" presetClass="entr" presetSubtype="0" fill="hold" nodeType="clickEffect">
+                                  <p:stCondLst>
+                                    <p:cond delay="0"/>
+                                  </p:stCondLst>
+                                  <p:childTnLst>
+                                    <p:set>
+                                      <p:cBhvr>
+                                        <p:cTn id="24" dur="1" fill="hold">
+                                          <p:stCondLst>
+                                            <p:cond delay="0"/>
+                                          </p:stCondLst>
+                                        </p:cTn>
+                                        <p:tgtEl>
+                                          <p:spTgt spid="6">
+                                            <p:txEl>
+                                              <p:pRg st="8" end="8"/>
+                                            </p:txEl>
+                                          </p:spTgt>
+                                        </p:tgtEl>
+                                        <p:attrNameLst>
+                                          <p:attrName>style.visibility</p:attrName>
+                                        </p:attrNameLst>
+                                      </p:cBhvr>
+                                      <p:to>
+                                        <p:strVal val="visible"/>
+                                      </p:to>
+                                    </p:set>
+                                  </p:childTnLst>
+                                </p:cTn>
+                              </p:par>
+                              <p:par>
+                                <p:cTn id="25" presetID="1" presetClass="entr" presetSubtype="0" fill="hold" nodeType="withEffect">
+                                  <p:stCondLst>
+                                    <p:cond delay="0"/>
+                                  </p:stCondLst>
+                                  <p:childTnLst>
+                                    <p:set>
+                                      <p:cBhvr>
+                                        <p:cTn id="26" dur="1" fill="hold">
+                                          <p:stCondLst>
+                                            <p:cond delay="0"/>
+                                          </p:stCondLst>
+                                        </p:cTn>
+                                        <p:tgtEl>
+                                          <p:spTgt spid="6">
+                                            <p:txEl>
+                                              <p:pRg st="9" end="9"/>
+                                            </p:txEl>
+                                          </p:spTgt>
+                                        </p:tgtEl>
+                                        <p:attrNameLst>
+                                          <p:attrName>style.visibility</p:attrName>
+                                        </p:attrNameLst>
+                                      </p:cBhvr>
+                                      <p:to>
+                                        <p:strVal val="visible"/>
+                                      </p:to>
+                                    </p:set>
+                                  </p:childTnLst>
+                                </p:cTn>
+                              </p:par>
+                              <p:par>
+                                <p:cTn id="27" presetID="1" presetClass="entr" presetSubtype="0" fill="hold" nodeType="withEffect">
+                                  <p:stCondLst>
+                                    <p:cond delay="0"/>
+                                  </p:stCondLst>
+                                  <p:childTnLst>
+                                    <p:set>
+                                      <p:cBhvr>
+                                        <p:cTn id="28" dur="1" fill="hold">
+                                          <p:stCondLst>
+                                            <p:cond delay="0"/>
+                                          </p:stCondLst>
+                                        </p:cTn>
+                                        <p:tgtEl>
+                                          <p:spTgt spid="6">
+                                            <p:txEl>
+                                              <p:pRg st="10" end="10"/>
+                                            </p:txEl>
+                                          </p:spTgt>
+                                        </p:tgtEl>
+                                        <p:attrNameLst>
+                                          <p:attrName>style.visibility</p:attrName>
+                                        </p:attrNameLst>
+                                      </p:cBhvr>
+                                      <p:to>
+                                        <p:strVal val="visible"/>
+                                      </p:to>
+                                    </p:set>
+                                  </p:childTnLst>
+                                </p:cTn>
+                              </p:par>
+                            </p:childTnLst>
+                          </p:cTn>
+                        </p:par>
+                      </p:childTnLst>
+                    </p:cTn>
+                  </p:par>
+                </p:childTnLst>
+              </p:cTn>
+              <p:prevCondLst>
+                <p:cond evt="onPrev" delay="0">
+                  <p:tgtEl>
+                    <p:sldTgt/>
+                  </p:tgtEl>
+                </p:cond>
+              </p:prevCondLst>
+              <p:nextCondLst>
+                <p:cond evt="onNext" delay="0">
+                  <p:tgtEl>
+                    <p:sldTgt/>
+                  </p:tgtEl>
+                </p:cond>
+              </p:nextCondLst>
+            </p:seq>
+          </p:childTnLst>
+        </p:cTn>
+      </p:par>
+    </p:tnLst>
+  </p:timing>
 </p:sld>
 </file>
 
@@ -11591,6 +11981,334 @@
   <p:clrMapOvr>
     <a:masterClrMapping/>
   </p:clrMapOvr>
+  <p:timing>
+    <p:tnLst>
+      <p:par>
+        <p:cTn id="1" dur="indefinite" restart="never" nodeType="tmRoot">
+          <p:childTnLst>
+            <p:seq concurrent="1" nextAc="seek">
+              <p:cTn id="2" dur="indefinite" nodeType="mainSeq">
+                <p:childTnLst>
+                  <p:par>
+                    <p:cTn id="3" fill="hold">
+                      <p:stCondLst>
+                        <p:cond delay="indefinite"/>
+                      </p:stCondLst>
+                      <p:childTnLst>
+                        <p:par>
+                          <p:cTn id="4" fill="hold">
+                            <p:stCondLst>
+                              <p:cond delay="0"/>
+                            </p:stCondLst>
+                            <p:childTnLst>
+                              <p:par>
+                                <p:cTn id="5" presetID="1" presetClass="entr" presetSubtype="0" fill="hold" nodeType="clickEffect">
+                                  <p:stCondLst>
+                                    <p:cond delay="0"/>
+                                  </p:stCondLst>
+                                  <p:childTnLst>
+                                    <p:set>
+                                      <p:cBhvr>
+                                        <p:cTn id="6" dur="1" fill="hold">
+                                          <p:stCondLst>
+                                            <p:cond delay="0"/>
+                                          </p:stCondLst>
+                                        </p:cTn>
+                                        <p:tgtEl>
+                                          <p:spTgt spid="6">
+                                            <p:txEl>
+                                              <p:pRg st="4" end="4"/>
+                                            </p:txEl>
+                                          </p:spTgt>
+                                        </p:tgtEl>
+                                        <p:attrNameLst>
+                                          <p:attrName>style.visibility</p:attrName>
+                                        </p:attrNameLst>
+                                      </p:cBhvr>
+                                      <p:to>
+                                        <p:strVal val="visible"/>
+                                      </p:to>
+                                    </p:set>
+                                  </p:childTnLst>
+                                </p:cTn>
+                              </p:par>
+                              <p:par>
+                                <p:cTn id="7" presetID="1" presetClass="entr" presetSubtype="0" fill="hold" nodeType="withEffect">
+                                  <p:stCondLst>
+                                    <p:cond delay="0"/>
+                                  </p:stCondLst>
+                                  <p:childTnLst>
+                                    <p:set>
+                                      <p:cBhvr>
+                                        <p:cTn id="8" dur="1" fill="hold">
+                                          <p:stCondLst>
+                                            <p:cond delay="0"/>
+                                          </p:stCondLst>
+                                        </p:cTn>
+                                        <p:tgtEl>
+                                          <p:spTgt spid="237"/>
+                                        </p:tgtEl>
+                                        <p:attrNameLst>
+                                          <p:attrName>style.visibility</p:attrName>
+                                        </p:attrNameLst>
+                                      </p:cBhvr>
+                                      <p:to>
+                                        <p:strVal val="visible"/>
+                                      </p:to>
+                                    </p:set>
+                                  </p:childTnLst>
+                                </p:cTn>
+                              </p:par>
+                            </p:childTnLst>
+                          </p:cTn>
+                        </p:par>
+                      </p:childTnLst>
+                    </p:cTn>
+                  </p:par>
+                  <p:par>
+                    <p:cTn id="9" fill="hold">
+                      <p:stCondLst>
+                        <p:cond delay="indefinite"/>
+                      </p:stCondLst>
+                      <p:childTnLst>
+                        <p:par>
+                          <p:cTn id="10" fill="hold">
+                            <p:stCondLst>
+                              <p:cond delay="0"/>
+                            </p:stCondLst>
+                            <p:childTnLst>
+                              <p:par>
+                                <p:cTn id="11" presetID="1" presetClass="entr" presetSubtype="0" fill="hold" nodeType="clickEffect">
+                                  <p:stCondLst>
+                                    <p:cond delay="0"/>
+                                  </p:stCondLst>
+                                  <p:childTnLst>
+                                    <p:set>
+                                      <p:cBhvr>
+                                        <p:cTn id="12" dur="1" fill="hold">
+                                          <p:stCondLst>
+                                            <p:cond delay="0"/>
+                                          </p:stCondLst>
+                                        </p:cTn>
+                                        <p:tgtEl>
+                                          <p:spTgt spid="6">
+                                            <p:txEl>
+                                              <p:pRg st="5" end="5"/>
+                                            </p:txEl>
+                                          </p:spTgt>
+                                        </p:tgtEl>
+                                        <p:attrNameLst>
+                                          <p:attrName>style.visibility</p:attrName>
+                                        </p:attrNameLst>
+                                      </p:cBhvr>
+                                      <p:to>
+                                        <p:strVal val="visible"/>
+                                      </p:to>
+                                    </p:set>
+                                  </p:childTnLst>
+                                </p:cTn>
+                              </p:par>
+                              <p:par>
+                                <p:cTn id="13" presetID="1" presetClass="entr" presetSubtype="0" fill="hold" nodeType="withEffect">
+                                  <p:stCondLst>
+                                    <p:cond delay="0"/>
+                                  </p:stCondLst>
+                                  <p:childTnLst>
+                                    <p:set>
+                                      <p:cBhvr>
+                                        <p:cTn id="14" dur="1" fill="hold">
+                                          <p:stCondLst>
+                                            <p:cond delay="0"/>
+                                          </p:stCondLst>
+                                        </p:cTn>
+                                        <p:tgtEl>
+                                          <p:spTgt spid="6">
+                                            <p:txEl>
+                                              <p:pRg st="6" end="6"/>
+                                            </p:txEl>
+                                          </p:spTgt>
+                                        </p:tgtEl>
+                                        <p:attrNameLst>
+                                          <p:attrName>style.visibility</p:attrName>
+                                        </p:attrNameLst>
+                                      </p:cBhvr>
+                                      <p:to>
+                                        <p:strVal val="visible"/>
+                                      </p:to>
+                                    </p:set>
+                                  </p:childTnLst>
+                                </p:cTn>
+                              </p:par>
+                              <p:par>
+                                <p:cTn id="15" presetID="1" presetClass="entr" presetSubtype="0" fill="hold" nodeType="withEffect">
+                                  <p:stCondLst>
+                                    <p:cond delay="0"/>
+                                  </p:stCondLst>
+                                  <p:childTnLst>
+                                    <p:set>
+                                      <p:cBhvr>
+                                        <p:cTn id="16" dur="1" fill="hold">
+                                          <p:stCondLst>
+                                            <p:cond delay="0"/>
+                                          </p:stCondLst>
+                                        </p:cTn>
+                                        <p:tgtEl>
+                                          <p:spTgt spid="6">
+                                            <p:txEl>
+                                              <p:pRg st="7" end="7"/>
+                                            </p:txEl>
+                                          </p:spTgt>
+                                        </p:tgtEl>
+                                        <p:attrNameLst>
+                                          <p:attrName>style.visibility</p:attrName>
+                                        </p:attrNameLst>
+                                      </p:cBhvr>
+                                      <p:to>
+                                        <p:strVal val="visible"/>
+                                      </p:to>
+                                    </p:set>
+                                  </p:childTnLst>
+                                </p:cTn>
+                              </p:par>
+                            </p:childTnLst>
+                          </p:cTn>
+                        </p:par>
+                      </p:childTnLst>
+                    </p:cTn>
+                  </p:par>
+                  <p:par>
+                    <p:cTn id="17" fill="hold">
+                      <p:stCondLst>
+                        <p:cond delay="indefinite"/>
+                      </p:stCondLst>
+                      <p:childTnLst>
+                        <p:par>
+                          <p:cTn id="18" fill="hold">
+                            <p:stCondLst>
+                              <p:cond delay="0"/>
+                            </p:stCondLst>
+                            <p:childTnLst>
+                              <p:par>
+                                <p:cTn id="19" presetID="1" presetClass="entr" presetSubtype="0" fill="hold" nodeType="clickEffect">
+                                  <p:stCondLst>
+                                    <p:cond delay="0"/>
+                                  </p:stCondLst>
+                                  <p:childTnLst>
+                                    <p:set>
+                                      <p:cBhvr>
+                                        <p:cTn id="20" dur="1" fill="hold">
+                                          <p:stCondLst>
+                                            <p:cond delay="0"/>
+                                          </p:stCondLst>
+                                        </p:cTn>
+                                        <p:tgtEl>
+                                          <p:spTgt spid="6">
+                                            <p:txEl>
+                                              <p:pRg st="8" end="8"/>
+                                            </p:txEl>
+                                          </p:spTgt>
+                                        </p:tgtEl>
+                                        <p:attrNameLst>
+                                          <p:attrName>style.visibility</p:attrName>
+                                        </p:attrNameLst>
+                                      </p:cBhvr>
+                                      <p:to>
+                                        <p:strVal val="visible"/>
+                                      </p:to>
+                                    </p:set>
+                                  </p:childTnLst>
+                                </p:cTn>
+                              </p:par>
+                              <p:par>
+                                <p:cTn id="21" presetID="1" presetClass="entr" presetSubtype="0" fill="hold" nodeType="withEffect">
+                                  <p:stCondLst>
+                                    <p:cond delay="0"/>
+                                  </p:stCondLst>
+                                  <p:childTnLst>
+                                    <p:set>
+                                      <p:cBhvr>
+                                        <p:cTn id="22" dur="1" fill="hold">
+                                          <p:stCondLst>
+                                            <p:cond delay="0"/>
+                                          </p:stCondLst>
+                                        </p:cTn>
+                                        <p:tgtEl>
+                                          <p:spTgt spid="6">
+                                            <p:txEl>
+                                              <p:pRg st="9" end="9"/>
+                                            </p:txEl>
+                                          </p:spTgt>
+                                        </p:tgtEl>
+                                        <p:attrNameLst>
+                                          <p:attrName>style.visibility</p:attrName>
+                                        </p:attrNameLst>
+                                      </p:cBhvr>
+                                      <p:to>
+                                        <p:strVal val="visible"/>
+                                      </p:to>
+                                    </p:set>
+                                  </p:childTnLst>
+                                </p:cTn>
+                              </p:par>
+                              <p:par>
+                                <p:cTn id="23" presetID="1" presetClass="entr" presetSubtype="0" fill="hold" nodeType="withEffect">
+                                  <p:stCondLst>
+                                    <p:cond delay="0"/>
+                                  </p:stCondLst>
+                                  <p:childTnLst>
+                                    <p:set>
+                                      <p:cBhvr>
+                                        <p:cTn id="24" dur="1" fill="hold">
+                                          <p:stCondLst>
+                                            <p:cond delay="0"/>
+                                          </p:stCondLst>
+                                        </p:cTn>
+                                        <p:tgtEl>
+                                          <p:spTgt spid="6">
+                                            <p:txEl>
+                                              <p:pRg st="10" end="10"/>
+                                            </p:txEl>
+                                          </p:spTgt>
+                                        </p:tgtEl>
+                                        <p:attrNameLst>
+                                          <p:attrName>style.visibility</p:attrName>
+                                        </p:attrNameLst>
+                                      </p:cBhvr>
+                                      <p:to>
+                                        <p:strVal val="visible"/>
+                                      </p:to>
+                                    </p:set>
+                                  </p:childTnLst>
+                                </p:cTn>
+                              </p:par>
+                            </p:childTnLst>
+                          </p:cTn>
+                        </p:par>
+                      </p:childTnLst>
+                    </p:cTn>
+                  </p:par>
+                </p:childTnLst>
+              </p:cTn>
+              <p:prevCondLst>
+                <p:cond evt="onPrev" delay="0">
+                  <p:tgtEl>
+                    <p:sldTgt/>
+                  </p:tgtEl>
+                </p:cond>
+              </p:prevCondLst>
+              <p:nextCondLst>
+                <p:cond evt="onNext" delay="0">
+                  <p:tgtEl>
+                    <p:sldTgt/>
+                  </p:tgtEl>
+                </p:cond>
+              </p:nextCondLst>
+            </p:seq>
+          </p:childTnLst>
+        </p:cTn>
+      </p:par>
+    </p:tnLst>
+  </p:timing>
 </p:sld>
 </file>
 
@@ -11611,74 +12329,6 @@
           <a:chExt cx="0" cy="0"/>
         </a:xfrm>
       </p:grpSpPr>
-      <p:pic>
-        <p:nvPicPr>
-          <p:cNvPr id="239" name="Picture" descr="Figure 3: The Depth stratification polygons used for stratification.">
-            <a:extLst>
-              <a:ext uri="{FF2B5EF4-FFF2-40B4-BE49-F238E27FC236}">
-                <a16:creationId xmlns:a16="http://schemas.microsoft.com/office/drawing/2014/main" id="{A680B25E-E0AE-425F-979E-43B90735CFAE}"/>
-              </a:ext>
-            </a:extLst>
-          </p:cNvPr>
-          <p:cNvPicPr/>
-          <p:nvPr/>
-        </p:nvPicPr>
-        <p:blipFill>
-          <a:blip r:embed="rId3"/>
-          <a:stretch>
-            <a:fillRect/>
-          </a:stretch>
-        </p:blipFill>
-        <p:spPr bwMode="auto">
-          <a:xfrm>
-            <a:off x="7082492" y="3548814"/>
-            <a:ext cx="2597217" cy="2784254"/>
-          </a:xfrm>
-          <a:prstGeom prst="rect">
-            <a:avLst/>
-          </a:prstGeom>
-          <a:noFill/>
-          <a:ln w="9525">
-            <a:noFill/>
-            <a:headEnd/>
-            <a:tailEnd/>
-          </a:ln>
-        </p:spPr>
-      </p:pic>
-      <p:pic>
-        <p:nvPicPr>
-          <p:cNvPr id="238" name="Picture" descr="Figure 2: The NAFO stratification polygons used for stratification.">
-            <a:extLst>
-              <a:ext uri="{FF2B5EF4-FFF2-40B4-BE49-F238E27FC236}">
-                <a16:creationId xmlns:a16="http://schemas.microsoft.com/office/drawing/2014/main" id="{E8B247BD-563E-4906-AC3B-5F3DFF8D2E90}"/>
-              </a:ext>
-            </a:extLst>
-          </p:cNvPr>
-          <p:cNvPicPr/>
-          <p:nvPr/>
-        </p:nvPicPr>
-        <p:blipFill>
-          <a:blip r:embed="rId4"/>
-          <a:stretch>
-            <a:fillRect/>
-          </a:stretch>
-        </p:blipFill>
-        <p:spPr bwMode="auto">
-          <a:xfrm>
-            <a:off x="9062156" y="1601327"/>
-            <a:ext cx="3129844" cy="2647244"/>
-          </a:xfrm>
-          <a:prstGeom prst="rect">
-            <a:avLst/>
-          </a:prstGeom>
-          <a:noFill/>
-          <a:ln w="9525">
-            <a:noFill/>
-            <a:headEnd/>
-            <a:tailEnd/>
-          </a:ln>
-        </p:spPr>
-      </p:pic>
       <p:sp>
         <p:nvSpPr>
           <p:cNvPr id="6" name="Content Placeholder 5">
@@ -11955,6 +12605,95 @@
           </a:p>
         </p:txBody>
       </p:sp>
+      <p:grpSp>
+        <p:nvGrpSpPr>
+          <p:cNvPr id="3" name="Group 2">
+            <a:extLst>
+              <a:ext uri="{FF2B5EF4-FFF2-40B4-BE49-F238E27FC236}">
+                <a16:creationId xmlns:a16="http://schemas.microsoft.com/office/drawing/2014/main" id="{B9F727E0-4FBF-4DF4-8261-B337C78C839D}"/>
+              </a:ext>
+            </a:extLst>
+          </p:cNvPr>
+          <p:cNvGrpSpPr/>
+          <p:nvPr/>
+        </p:nvGrpSpPr>
+        <p:grpSpPr>
+          <a:xfrm>
+            <a:off x="7082492" y="1601327"/>
+            <a:ext cx="5109508" cy="4731741"/>
+            <a:chOff x="7082492" y="1601327"/>
+            <a:chExt cx="5109508" cy="4731741"/>
+          </a:xfrm>
+        </p:grpSpPr>
+        <p:pic>
+          <p:nvPicPr>
+            <p:cNvPr id="238" name="Picture" descr="Figure 2: The NAFO stratification polygons used for stratification.">
+              <a:extLst>
+                <a:ext uri="{FF2B5EF4-FFF2-40B4-BE49-F238E27FC236}">
+                  <a16:creationId xmlns:a16="http://schemas.microsoft.com/office/drawing/2014/main" id="{E8B247BD-563E-4906-AC3B-5F3DFF8D2E90}"/>
+                </a:ext>
+              </a:extLst>
+            </p:cNvPr>
+            <p:cNvPicPr/>
+            <p:nvPr/>
+          </p:nvPicPr>
+          <p:blipFill>
+            <a:blip r:embed="rId3"/>
+            <a:stretch>
+              <a:fillRect/>
+            </a:stretch>
+          </p:blipFill>
+          <p:spPr bwMode="auto">
+            <a:xfrm>
+              <a:off x="9062156" y="1601327"/>
+              <a:ext cx="3129844" cy="2647244"/>
+            </a:xfrm>
+            <a:prstGeom prst="rect">
+              <a:avLst/>
+            </a:prstGeom>
+            <a:noFill/>
+            <a:ln w="9525">
+              <a:noFill/>
+              <a:headEnd/>
+              <a:tailEnd/>
+            </a:ln>
+          </p:spPr>
+        </p:pic>
+        <p:pic>
+          <p:nvPicPr>
+            <p:cNvPr id="239" name="Picture" descr="Figure 3: The Depth stratification polygons used for stratification.">
+              <a:extLst>
+                <a:ext uri="{FF2B5EF4-FFF2-40B4-BE49-F238E27FC236}">
+                  <a16:creationId xmlns:a16="http://schemas.microsoft.com/office/drawing/2014/main" id="{A680B25E-E0AE-425F-979E-43B90735CFAE}"/>
+                </a:ext>
+              </a:extLst>
+            </p:cNvPr>
+            <p:cNvPicPr/>
+            <p:nvPr/>
+          </p:nvPicPr>
+          <p:blipFill>
+            <a:blip r:embed="rId4"/>
+            <a:stretch>
+              <a:fillRect/>
+            </a:stretch>
+          </p:blipFill>
+          <p:spPr bwMode="auto">
+            <a:xfrm>
+              <a:off x="7082492" y="3548814"/>
+              <a:ext cx="2597217" cy="2784254"/>
+            </a:xfrm>
+            <a:prstGeom prst="rect">
+              <a:avLst/>
+            </a:prstGeom>
+            <a:noFill/>
+            <a:ln w="9525">
+              <a:noFill/>
+              <a:headEnd/>
+              <a:tailEnd/>
+            </a:ln>
+          </p:spPr>
+        </p:pic>
+      </p:grpSp>
     </p:spTree>
     <p:extLst>
       <p:ext uri="{BB962C8B-B14F-4D97-AF65-F5344CB8AC3E}">
@@ -11965,6 +12704,476 @@
   <p:clrMapOvr>
     <a:masterClrMapping/>
   </p:clrMapOvr>
+  <p:timing>
+    <p:tnLst>
+      <p:par>
+        <p:cTn id="1" dur="indefinite" restart="never" nodeType="tmRoot">
+          <p:childTnLst>
+            <p:seq concurrent="1" nextAc="seek">
+              <p:cTn id="2" dur="indefinite" nodeType="mainSeq">
+                <p:childTnLst>
+                  <p:par>
+                    <p:cTn id="3" fill="hold">
+                      <p:stCondLst>
+                        <p:cond delay="indefinite"/>
+                      </p:stCondLst>
+                      <p:childTnLst>
+                        <p:par>
+                          <p:cTn id="4" fill="hold">
+                            <p:stCondLst>
+                              <p:cond delay="0"/>
+                            </p:stCondLst>
+                            <p:childTnLst>
+                              <p:par>
+                                <p:cTn id="5" presetID="1" presetClass="entr" presetSubtype="0" fill="hold" nodeType="clickEffect">
+                                  <p:stCondLst>
+                                    <p:cond delay="0"/>
+                                  </p:stCondLst>
+                                  <p:childTnLst>
+                                    <p:set>
+                                      <p:cBhvr>
+                                        <p:cTn id="6" dur="1" fill="hold">
+                                          <p:stCondLst>
+                                            <p:cond delay="0"/>
+                                          </p:stCondLst>
+                                        </p:cTn>
+                                        <p:tgtEl>
+                                          <p:spTgt spid="6">
+                                            <p:txEl>
+                                              <p:pRg st="4" end="4"/>
+                                            </p:txEl>
+                                          </p:spTgt>
+                                        </p:tgtEl>
+                                        <p:attrNameLst>
+                                          <p:attrName>style.visibility</p:attrName>
+                                        </p:attrNameLst>
+                                      </p:cBhvr>
+                                      <p:to>
+                                        <p:strVal val="visible"/>
+                                      </p:to>
+                                    </p:set>
+                                  </p:childTnLst>
+                                </p:cTn>
+                              </p:par>
+                              <p:par>
+                                <p:cTn id="7" presetID="1" presetClass="entr" presetSubtype="0" fill="hold" nodeType="withEffect">
+                                  <p:stCondLst>
+                                    <p:cond delay="0"/>
+                                  </p:stCondLst>
+                                  <p:childTnLst>
+                                    <p:set>
+                                      <p:cBhvr>
+                                        <p:cTn id="8" dur="1" fill="hold">
+                                          <p:stCondLst>
+                                            <p:cond delay="0"/>
+                                          </p:stCondLst>
+                                        </p:cTn>
+                                        <p:tgtEl>
+                                          <p:spTgt spid="3"/>
+                                        </p:tgtEl>
+                                        <p:attrNameLst>
+                                          <p:attrName>style.visibility</p:attrName>
+                                        </p:attrNameLst>
+                                      </p:cBhvr>
+                                      <p:to>
+                                        <p:strVal val="visible"/>
+                                      </p:to>
+                                    </p:set>
+                                  </p:childTnLst>
+                                </p:cTn>
+                              </p:par>
+                            </p:childTnLst>
+                          </p:cTn>
+                        </p:par>
+                      </p:childTnLst>
+                    </p:cTn>
+                  </p:par>
+                  <p:par>
+                    <p:cTn id="9" fill="hold">
+                      <p:stCondLst>
+                        <p:cond delay="indefinite"/>
+                      </p:stCondLst>
+                      <p:childTnLst>
+                        <p:par>
+                          <p:cTn id="10" fill="hold">
+                            <p:stCondLst>
+                              <p:cond delay="0"/>
+                            </p:stCondLst>
+                            <p:childTnLst>
+                              <p:par>
+                                <p:cTn id="11" presetID="1" presetClass="entr" presetSubtype="0" fill="hold" nodeType="clickEffect">
+                                  <p:stCondLst>
+                                    <p:cond delay="0"/>
+                                  </p:stCondLst>
+                                  <p:childTnLst>
+                                    <p:set>
+                                      <p:cBhvr>
+                                        <p:cTn id="12" dur="1" fill="hold">
+                                          <p:stCondLst>
+                                            <p:cond delay="0"/>
+                                          </p:stCondLst>
+                                        </p:cTn>
+                                        <p:tgtEl>
+                                          <p:spTgt spid="6">
+                                            <p:txEl>
+                                              <p:pRg st="5" end="5"/>
+                                            </p:txEl>
+                                          </p:spTgt>
+                                        </p:tgtEl>
+                                        <p:attrNameLst>
+                                          <p:attrName>style.visibility</p:attrName>
+                                        </p:attrNameLst>
+                                      </p:cBhvr>
+                                      <p:to>
+                                        <p:strVal val="visible"/>
+                                      </p:to>
+                                    </p:set>
+                                  </p:childTnLst>
+                                </p:cTn>
+                              </p:par>
+                              <p:par>
+                                <p:cTn id="13" presetID="1" presetClass="entr" presetSubtype="0" fill="hold" nodeType="withEffect">
+                                  <p:stCondLst>
+                                    <p:cond delay="0"/>
+                                  </p:stCondLst>
+                                  <p:childTnLst>
+                                    <p:set>
+                                      <p:cBhvr>
+                                        <p:cTn id="14" dur="1" fill="hold">
+                                          <p:stCondLst>
+                                            <p:cond delay="0"/>
+                                          </p:stCondLst>
+                                        </p:cTn>
+                                        <p:tgtEl>
+                                          <p:spTgt spid="6">
+                                            <p:txEl>
+                                              <p:pRg st="6" end="6"/>
+                                            </p:txEl>
+                                          </p:spTgt>
+                                        </p:tgtEl>
+                                        <p:attrNameLst>
+                                          <p:attrName>style.visibility</p:attrName>
+                                        </p:attrNameLst>
+                                      </p:cBhvr>
+                                      <p:to>
+                                        <p:strVal val="visible"/>
+                                      </p:to>
+                                    </p:set>
+                                  </p:childTnLst>
+                                </p:cTn>
+                              </p:par>
+                            </p:childTnLst>
+                          </p:cTn>
+                        </p:par>
+                      </p:childTnLst>
+                    </p:cTn>
+                  </p:par>
+                  <p:par>
+                    <p:cTn id="15" fill="hold">
+                      <p:stCondLst>
+                        <p:cond delay="indefinite"/>
+                      </p:stCondLst>
+                      <p:childTnLst>
+                        <p:par>
+                          <p:cTn id="16" fill="hold">
+                            <p:stCondLst>
+                              <p:cond delay="0"/>
+                            </p:stCondLst>
+                            <p:childTnLst>
+                              <p:par>
+                                <p:cTn id="17" presetID="1" presetClass="entr" presetSubtype="0" fill="hold" nodeType="clickEffect">
+                                  <p:stCondLst>
+                                    <p:cond delay="0"/>
+                                  </p:stCondLst>
+                                  <p:childTnLst>
+                                    <p:set>
+                                      <p:cBhvr>
+                                        <p:cTn id="18" dur="1" fill="hold">
+                                          <p:stCondLst>
+                                            <p:cond delay="0"/>
+                                          </p:stCondLst>
+                                        </p:cTn>
+                                        <p:tgtEl>
+                                          <p:spTgt spid="6">
+                                            <p:txEl>
+                                              <p:pRg st="7" end="7"/>
+                                            </p:txEl>
+                                          </p:spTgt>
+                                        </p:tgtEl>
+                                        <p:attrNameLst>
+                                          <p:attrName>style.visibility</p:attrName>
+                                        </p:attrNameLst>
+                                      </p:cBhvr>
+                                      <p:to>
+                                        <p:strVal val="visible"/>
+                                      </p:to>
+                                    </p:set>
+                                  </p:childTnLst>
+                                </p:cTn>
+                              </p:par>
+                              <p:par>
+                                <p:cTn id="19" presetID="1" presetClass="entr" presetSubtype="0" fill="hold" nodeType="withEffect">
+                                  <p:stCondLst>
+                                    <p:cond delay="0"/>
+                                  </p:stCondLst>
+                                  <p:childTnLst>
+                                    <p:set>
+                                      <p:cBhvr>
+                                        <p:cTn id="20" dur="1" fill="hold">
+                                          <p:stCondLst>
+                                            <p:cond delay="0"/>
+                                          </p:stCondLst>
+                                        </p:cTn>
+                                        <p:tgtEl>
+                                          <p:spTgt spid="6">
+                                            <p:txEl>
+                                              <p:pRg st="8" end="8"/>
+                                            </p:txEl>
+                                          </p:spTgt>
+                                        </p:tgtEl>
+                                        <p:attrNameLst>
+                                          <p:attrName>style.visibility</p:attrName>
+                                        </p:attrNameLst>
+                                      </p:cBhvr>
+                                      <p:to>
+                                        <p:strVal val="visible"/>
+                                      </p:to>
+                                    </p:set>
+                                  </p:childTnLst>
+                                </p:cTn>
+                              </p:par>
+                              <p:par>
+                                <p:cTn id="21" presetID="1" presetClass="entr" presetSubtype="0" fill="hold" nodeType="withEffect">
+                                  <p:stCondLst>
+                                    <p:cond delay="0"/>
+                                  </p:stCondLst>
+                                  <p:childTnLst>
+                                    <p:set>
+                                      <p:cBhvr>
+                                        <p:cTn id="22" dur="1" fill="hold">
+                                          <p:stCondLst>
+                                            <p:cond delay="0"/>
+                                          </p:stCondLst>
+                                        </p:cTn>
+                                        <p:tgtEl>
+                                          <p:spTgt spid="6">
+                                            <p:txEl>
+                                              <p:pRg st="9" end="9"/>
+                                            </p:txEl>
+                                          </p:spTgt>
+                                        </p:tgtEl>
+                                        <p:attrNameLst>
+                                          <p:attrName>style.visibility</p:attrName>
+                                        </p:attrNameLst>
+                                      </p:cBhvr>
+                                      <p:to>
+                                        <p:strVal val="visible"/>
+                                      </p:to>
+                                    </p:set>
+                                  </p:childTnLst>
+                                </p:cTn>
+                              </p:par>
+                            </p:childTnLst>
+                          </p:cTn>
+                        </p:par>
+                      </p:childTnLst>
+                    </p:cTn>
+                  </p:par>
+                  <p:par>
+                    <p:cTn id="23" fill="hold">
+                      <p:stCondLst>
+                        <p:cond delay="indefinite"/>
+                      </p:stCondLst>
+                      <p:childTnLst>
+                        <p:par>
+                          <p:cTn id="24" fill="hold">
+                            <p:stCondLst>
+                              <p:cond delay="0"/>
+                            </p:stCondLst>
+                            <p:childTnLst>
+                              <p:par>
+                                <p:cTn id="25" presetID="1" presetClass="entr" presetSubtype="0" fill="hold" nodeType="clickEffect">
+                                  <p:stCondLst>
+                                    <p:cond delay="0"/>
+                                  </p:stCondLst>
+                                  <p:childTnLst>
+                                    <p:set>
+                                      <p:cBhvr>
+                                        <p:cTn id="26" dur="1" fill="hold">
+                                          <p:stCondLst>
+                                            <p:cond delay="0"/>
+                                          </p:stCondLst>
+                                        </p:cTn>
+                                        <p:tgtEl>
+                                          <p:spTgt spid="6">
+                                            <p:txEl>
+                                              <p:pRg st="10" end="10"/>
+                                            </p:txEl>
+                                          </p:spTgt>
+                                        </p:tgtEl>
+                                        <p:attrNameLst>
+                                          <p:attrName>style.visibility</p:attrName>
+                                        </p:attrNameLst>
+                                      </p:cBhvr>
+                                      <p:to>
+                                        <p:strVal val="visible"/>
+                                      </p:to>
+                                    </p:set>
+                                  </p:childTnLst>
+                                </p:cTn>
+                              </p:par>
+                              <p:par>
+                                <p:cTn id="27" presetID="1" presetClass="entr" presetSubtype="0" fill="hold" nodeType="withEffect">
+                                  <p:stCondLst>
+                                    <p:cond delay="0"/>
+                                  </p:stCondLst>
+                                  <p:childTnLst>
+                                    <p:set>
+                                      <p:cBhvr>
+                                        <p:cTn id="28" dur="1" fill="hold">
+                                          <p:stCondLst>
+                                            <p:cond delay="0"/>
+                                          </p:stCondLst>
+                                        </p:cTn>
+                                        <p:tgtEl>
+                                          <p:spTgt spid="6">
+                                            <p:txEl>
+                                              <p:pRg st="11" end="11"/>
+                                            </p:txEl>
+                                          </p:spTgt>
+                                        </p:tgtEl>
+                                        <p:attrNameLst>
+                                          <p:attrName>style.visibility</p:attrName>
+                                        </p:attrNameLst>
+                                      </p:cBhvr>
+                                      <p:to>
+                                        <p:strVal val="visible"/>
+                                      </p:to>
+                                    </p:set>
+                                  </p:childTnLst>
+                                </p:cTn>
+                              </p:par>
+                              <p:par>
+                                <p:cTn id="29" presetID="1" presetClass="entr" presetSubtype="0" fill="hold" nodeType="withEffect">
+                                  <p:stCondLst>
+                                    <p:cond delay="0"/>
+                                  </p:stCondLst>
+                                  <p:childTnLst>
+                                    <p:set>
+                                      <p:cBhvr>
+                                        <p:cTn id="30" dur="1" fill="hold">
+                                          <p:stCondLst>
+                                            <p:cond delay="0"/>
+                                          </p:stCondLst>
+                                        </p:cTn>
+                                        <p:tgtEl>
+                                          <p:spTgt spid="6">
+                                            <p:txEl>
+                                              <p:pRg st="12" end="12"/>
+                                            </p:txEl>
+                                          </p:spTgt>
+                                        </p:tgtEl>
+                                        <p:attrNameLst>
+                                          <p:attrName>style.visibility</p:attrName>
+                                        </p:attrNameLst>
+                                      </p:cBhvr>
+                                      <p:to>
+                                        <p:strVal val="visible"/>
+                                      </p:to>
+                                    </p:set>
+                                  </p:childTnLst>
+                                </p:cTn>
+                              </p:par>
+                              <p:par>
+                                <p:cTn id="31" presetID="1" presetClass="entr" presetSubtype="0" fill="hold" nodeType="withEffect">
+                                  <p:stCondLst>
+                                    <p:cond delay="0"/>
+                                  </p:stCondLst>
+                                  <p:childTnLst>
+                                    <p:set>
+                                      <p:cBhvr>
+                                        <p:cTn id="32" dur="1" fill="hold">
+                                          <p:stCondLst>
+                                            <p:cond delay="0"/>
+                                          </p:stCondLst>
+                                        </p:cTn>
+                                        <p:tgtEl>
+                                          <p:spTgt spid="6">
+                                            <p:txEl>
+                                              <p:pRg st="13" end="13"/>
+                                            </p:txEl>
+                                          </p:spTgt>
+                                        </p:tgtEl>
+                                        <p:attrNameLst>
+                                          <p:attrName>style.visibility</p:attrName>
+                                        </p:attrNameLst>
+                                      </p:cBhvr>
+                                      <p:to>
+                                        <p:strVal val="visible"/>
+                                      </p:to>
+                                    </p:set>
+                                  </p:childTnLst>
+                                </p:cTn>
+                              </p:par>
+                              <p:par>
+                                <p:cTn id="33" presetID="1" presetClass="entr" presetSubtype="0" fill="hold" nodeType="withEffect">
+                                  <p:stCondLst>
+                                    <p:cond delay="0"/>
+                                  </p:stCondLst>
+                                  <p:childTnLst>
+                                    <p:set>
+                                      <p:cBhvr>
+                                        <p:cTn id="34" dur="1" fill="hold">
+                                          <p:stCondLst>
+                                            <p:cond delay="0"/>
+                                          </p:stCondLst>
+                                        </p:cTn>
+                                        <p:tgtEl>
+                                          <p:spTgt spid="6">
+                                            <p:txEl>
+                                              <p:pRg st="14" end="14"/>
+                                            </p:txEl>
+                                          </p:spTgt>
+                                        </p:tgtEl>
+                                        <p:attrNameLst>
+                                          <p:attrName>style.visibility</p:attrName>
+                                        </p:attrNameLst>
+                                      </p:cBhvr>
+                                      <p:to>
+                                        <p:strVal val="visible"/>
+                                      </p:to>
+                                    </p:set>
+                                  </p:childTnLst>
+                                </p:cTn>
+                              </p:par>
+                            </p:childTnLst>
+                          </p:cTn>
+                        </p:par>
+                      </p:childTnLst>
+                    </p:cTn>
+                  </p:par>
+                </p:childTnLst>
+              </p:cTn>
+              <p:prevCondLst>
+                <p:cond evt="onPrev" delay="0">
+                  <p:tgtEl>
+                    <p:sldTgt/>
+                  </p:tgtEl>
+                </p:cond>
+              </p:prevCondLst>
+              <p:nextCondLst>
+                <p:cond evt="onNext" delay="0">
+                  <p:tgtEl>
+                    <p:sldTgt/>
+                  </p:tgtEl>
+                </p:cond>
+              </p:nextCondLst>
+            </p:seq>
+          </p:childTnLst>
+        </p:cTn>
+      </p:par>
+    </p:tnLst>
+  </p:timing>
 </p:sld>
 </file>
 
@@ -12212,6 +13421,289 @@
   <p:clrMapOvr>
     <a:masterClrMapping/>
   </p:clrMapOvr>
+  <p:timing>
+    <p:tnLst>
+      <p:par>
+        <p:cTn id="1" dur="indefinite" restart="never" nodeType="tmRoot">
+          <p:childTnLst>
+            <p:seq concurrent="1" nextAc="seek">
+              <p:cTn id="2" dur="indefinite" nodeType="mainSeq">
+                <p:childTnLst>
+                  <p:par>
+                    <p:cTn id="3" fill="hold">
+                      <p:stCondLst>
+                        <p:cond delay="indefinite"/>
+                      </p:stCondLst>
+                      <p:childTnLst>
+                        <p:par>
+                          <p:cTn id="4" fill="hold">
+                            <p:stCondLst>
+                              <p:cond delay="0"/>
+                            </p:stCondLst>
+                            <p:childTnLst>
+                              <p:par>
+                                <p:cTn id="5" presetID="1" presetClass="entr" presetSubtype="0" fill="hold" nodeType="clickEffect">
+                                  <p:stCondLst>
+                                    <p:cond delay="0"/>
+                                  </p:stCondLst>
+                                  <p:childTnLst>
+                                    <p:set>
+                                      <p:cBhvr>
+                                        <p:cTn id="6" dur="1" fill="hold">
+                                          <p:stCondLst>
+                                            <p:cond delay="0"/>
+                                          </p:stCondLst>
+                                        </p:cTn>
+                                        <p:tgtEl>
+                                          <p:spTgt spid="6">
+                                            <p:txEl>
+                                              <p:pRg st="1" end="1"/>
+                                            </p:txEl>
+                                          </p:spTgt>
+                                        </p:tgtEl>
+                                        <p:attrNameLst>
+                                          <p:attrName>style.visibility</p:attrName>
+                                        </p:attrNameLst>
+                                      </p:cBhvr>
+                                      <p:to>
+                                        <p:strVal val="visible"/>
+                                      </p:to>
+                                    </p:set>
+                                  </p:childTnLst>
+                                </p:cTn>
+                              </p:par>
+                              <p:par>
+                                <p:cTn id="7" presetID="1" presetClass="entr" presetSubtype="0" fill="hold" nodeType="withEffect">
+                                  <p:stCondLst>
+                                    <p:cond delay="0"/>
+                                  </p:stCondLst>
+                                  <p:childTnLst>
+                                    <p:set>
+                                      <p:cBhvr>
+                                        <p:cTn id="8" dur="1" fill="hold">
+                                          <p:stCondLst>
+                                            <p:cond delay="0"/>
+                                          </p:stCondLst>
+                                        </p:cTn>
+                                        <p:tgtEl>
+                                          <p:spTgt spid="6">
+                                            <p:txEl>
+                                              <p:pRg st="2" end="2"/>
+                                            </p:txEl>
+                                          </p:spTgt>
+                                        </p:tgtEl>
+                                        <p:attrNameLst>
+                                          <p:attrName>style.visibility</p:attrName>
+                                        </p:attrNameLst>
+                                      </p:cBhvr>
+                                      <p:to>
+                                        <p:strVal val="visible"/>
+                                      </p:to>
+                                    </p:set>
+                                  </p:childTnLst>
+                                </p:cTn>
+                              </p:par>
+                              <p:par>
+                                <p:cTn id="9" presetID="1" presetClass="entr" presetSubtype="0" fill="hold" nodeType="withEffect">
+                                  <p:stCondLst>
+                                    <p:cond delay="0"/>
+                                  </p:stCondLst>
+                                  <p:childTnLst>
+                                    <p:set>
+                                      <p:cBhvr>
+                                        <p:cTn id="10" dur="1" fill="hold">
+                                          <p:stCondLst>
+                                            <p:cond delay="0"/>
+                                          </p:stCondLst>
+                                        </p:cTn>
+                                        <p:tgtEl>
+                                          <p:spTgt spid="6">
+                                            <p:txEl>
+                                              <p:pRg st="3" end="3"/>
+                                            </p:txEl>
+                                          </p:spTgt>
+                                        </p:tgtEl>
+                                        <p:attrNameLst>
+                                          <p:attrName>style.visibility</p:attrName>
+                                        </p:attrNameLst>
+                                      </p:cBhvr>
+                                      <p:to>
+                                        <p:strVal val="visible"/>
+                                      </p:to>
+                                    </p:set>
+                                  </p:childTnLst>
+                                </p:cTn>
+                              </p:par>
+                            </p:childTnLst>
+                          </p:cTn>
+                        </p:par>
+                      </p:childTnLst>
+                    </p:cTn>
+                  </p:par>
+                  <p:par>
+                    <p:cTn id="11" fill="hold">
+                      <p:stCondLst>
+                        <p:cond delay="indefinite"/>
+                      </p:stCondLst>
+                      <p:childTnLst>
+                        <p:par>
+                          <p:cTn id="12" fill="hold">
+                            <p:stCondLst>
+                              <p:cond delay="0"/>
+                            </p:stCondLst>
+                            <p:childTnLst>
+                              <p:par>
+                                <p:cTn id="13" presetID="1" presetClass="entr" presetSubtype="0" fill="hold" nodeType="clickEffect">
+                                  <p:stCondLst>
+                                    <p:cond delay="0"/>
+                                  </p:stCondLst>
+                                  <p:childTnLst>
+                                    <p:set>
+                                      <p:cBhvr>
+                                        <p:cTn id="14" dur="1" fill="hold">
+                                          <p:stCondLst>
+                                            <p:cond delay="0"/>
+                                          </p:stCondLst>
+                                        </p:cTn>
+                                        <p:tgtEl>
+                                          <p:spTgt spid="6">
+                                            <p:txEl>
+                                              <p:pRg st="4" end="4"/>
+                                            </p:txEl>
+                                          </p:spTgt>
+                                        </p:tgtEl>
+                                        <p:attrNameLst>
+                                          <p:attrName>style.visibility</p:attrName>
+                                        </p:attrNameLst>
+                                      </p:cBhvr>
+                                      <p:to>
+                                        <p:strVal val="visible"/>
+                                      </p:to>
+                                    </p:set>
+                                  </p:childTnLst>
+                                </p:cTn>
+                              </p:par>
+                              <p:par>
+                                <p:cTn id="15" presetID="1" presetClass="entr" presetSubtype="0" fill="hold" nodeType="withEffect">
+                                  <p:stCondLst>
+                                    <p:cond delay="0"/>
+                                  </p:stCondLst>
+                                  <p:childTnLst>
+                                    <p:set>
+                                      <p:cBhvr>
+                                        <p:cTn id="16" dur="1" fill="hold">
+                                          <p:stCondLst>
+                                            <p:cond delay="0"/>
+                                          </p:stCondLst>
+                                        </p:cTn>
+                                        <p:tgtEl>
+                                          <p:spTgt spid="6">
+                                            <p:txEl>
+                                              <p:pRg st="5" end="5"/>
+                                            </p:txEl>
+                                          </p:spTgt>
+                                        </p:tgtEl>
+                                        <p:attrNameLst>
+                                          <p:attrName>style.visibility</p:attrName>
+                                        </p:attrNameLst>
+                                      </p:cBhvr>
+                                      <p:to>
+                                        <p:strVal val="visible"/>
+                                      </p:to>
+                                    </p:set>
+                                  </p:childTnLst>
+                                </p:cTn>
+                              </p:par>
+                              <p:par>
+                                <p:cTn id="17" presetID="1" presetClass="entr" presetSubtype="0" fill="hold" nodeType="withEffect">
+                                  <p:stCondLst>
+                                    <p:cond delay="0"/>
+                                  </p:stCondLst>
+                                  <p:childTnLst>
+                                    <p:set>
+                                      <p:cBhvr>
+                                        <p:cTn id="18" dur="1" fill="hold">
+                                          <p:stCondLst>
+                                            <p:cond delay="0"/>
+                                          </p:stCondLst>
+                                        </p:cTn>
+                                        <p:tgtEl>
+                                          <p:spTgt spid="6">
+                                            <p:txEl>
+                                              <p:pRg st="6" end="6"/>
+                                            </p:txEl>
+                                          </p:spTgt>
+                                        </p:tgtEl>
+                                        <p:attrNameLst>
+                                          <p:attrName>style.visibility</p:attrName>
+                                        </p:attrNameLst>
+                                      </p:cBhvr>
+                                      <p:to>
+                                        <p:strVal val="visible"/>
+                                      </p:to>
+                                    </p:set>
+                                  </p:childTnLst>
+                                </p:cTn>
+                              </p:par>
+                              <p:par>
+                                <p:cTn id="19" presetID="1" presetClass="entr" presetSubtype="0" fill="hold" nodeType="withEffect">
+                                  <p:stCondLst>
+                                    <p:cond delay="0"/>
+                                  </p:stCondLst>
+                                  <p:childTnLst>
+                                    <p:set>
+                                      <p:cBhvr>
+                                        <p:cTn id="20" dur="1" fill="hold">
+                                          <p:stCondLst>
+                                            <p:cond delay="0"/>
+                                          </p:stCondLst>
+                                        </p:cTn>
+                                        <p:tgtEl>
+                                          <p:spTgt spid="6">
+                                            <p:txEl>
+                                              <p:pRg st="7" end="7"/>
+                                            </p:txEl>
+                                          </p:spTgt>
+                                        </p:tgtEl>
+                                        <p:attrNameLst>
+                                          <p:attrName>style.visibility</p:attrName>
+                                        </p:attrNameLst>
+                                      </p:cBhvr>
+                                      <p:to>
+                                        <p:strVal val="visible"/>
+                                      </p:to>
+                                    </p:set>
+                                  </p:childTnLst>
+                                </p:cTn>
+                              </p:par>
+                            </p:childTnLst>
+                          </p:cTn>
+                        </p:par>
+                      </p:childTnLst>
+                    </p:cTn>
+                  </p:par>
+                </p:childTnLst>
+              </p:cTn>
+              <p:prevCondLst>
+                <p:cond evt="onPrev" delay="0">
+                  <p:tgtEl>
+                    <p:sldTgt/>
+                  </p:tgtEl>
+                </p:cond>
+              </p:prevCondLst>
+              <p:nextCondLst>
+                <p:cond evt="onNext" delay="0">
+                  <p:tgtEl>
+                    <p:sldTgt/>
+                  </p:tgtEl>
+                </p:cond>
+              </p:nextCondLst>
+            </p:seq>
+          </p:childTnLst>
+        </p:cTn>
+      </p:par>
+    </p:tnLst>
+  </p:timing>
 </p:sld>
 </file>
 
@@ -12617,7 +14109,7 @@
             </a:pPr>
             <a:r>
               <a:rPr lang="en-US" sz="2200" b="1" dirty="0"/>
-              <a:t>Go out and count your species in the area of interest (Survey – Fishery Independent data).</a:t>
+              <a:t>Go out and count your species in the area of interest (Survey – Fishery Independent data)</a:t>
             </a:r>
           </a:p>
           <a:p>
@@ -12637,7 +14129,7 @@
             </a:pPr>
             <a:r>
               <a:rPr lang="en-US" sz="2200" dirty="0"/>
-              <a:t>Plug (1) and (2) into a (sometimes) fancy statistical model (Stock Assessment Model).</a:t>
+              <a:t>Plug (1) and (2) into a (sometimes) fancy statistical model (Stock Assessment Model)</a:t>
             </a:r>
           </a:p>
           <a:p>
@@ -12695,6 +14187,423 @@
   <p:clrMapOvr>
     <a:masterClrMapping/>
   </p:clrMapOvr>
+  <p:timing>
+    <p:tnLst>
+      <p:par>
+        <p:cTn id="1" dur="indefinite" restart="never" nodeType="tmRoot">
+          <p:childTnLst>
+            <p:seq concurrent="1" nextAc="seek">
+              <p:cTn id="2" dur="indefinite" nodeType="mainSeq">
+                <p:childTnLst>
+                  <p:par>
+                    <p:cTn id="3" fill="hold">
+                      <p:stCondLst>
+                        <p:cond delay="indefinite"/>
+                      </p:stCondLst>
+                      <p:childTnLst>
+                        <p:par>
+                          <p:cTn id="4" fill="hold">
+                            <p:stCondLst>
+                              <p:cond delay="0"/>
+                            </p:stCondLst>
+                            <p:childTnLst>
+                              <p:par>
+                                <p:cTn id="5" presetID="1" presetClass="entr" presetSubtype="0" fill="hold" nodeType="clickEffect">
+                                  <p:stCondLst>
+                                    <p:cond delay="0"/>
+                                  </p:stCondLst>
+                                  <p:childTnLst>
+                                    <p:set>
+                                      <p:cBhvr>
+                                        <p:cTn id="6" dur="1" fill="hold">
+                                          <p:stCondLst>
+                                            <p:cond delay="0"/>
+                                          </p:stCondLst>
+                                        </p:cTn>
+                                        <p:tgtEl>
+                                          <p:spTgt spid="6">
+                                            <p:txEl>
+                                              <p:pRg st="1" end="1"/>
+                                            </p:txEl>
+                                          </p:spTgt>
+                                        </p:tgtEl>
+                                        <p:attrNameLst>
+                                          <p:attrName>style.visibility</p:attrName>
+                                        </p:attrNameLst>
+                                      </p:cBhvr>
+                                      <p:to>
+                                        <p:strVal val="visible"/>
+                                      </p:to>
+                                    </p:set>
+                                  </p:childTnLst>
+                                </p:cTn>
+                              </p:par>
+                            </p:childTnLst>
+                          </p:cTn>
+                        </p:par>
+                      </p:childTnLst>
+                    </p:cTn>
+                  </p:par>
+                  <p:par>
+                    <p:cTn id="7" fill="hold">
+                      <p:stCondLst>
+                        <p:cond delay="indefinite"/>
+                      </p:stCondLst>
+                      <p:childTnLst>
+                        <p:par>
+                          <p:cTn id="8" fill="hold">
+                            <p:stCondLst>
+                              <p:cond delay="0"/>
+                            </p:stCondLst>
+                            <p:childTnLst>
+                              <p:par>
+                                <p:cTn id="9" presetID="1" presetClass="entr" presetSubtype="0" fill="hold" nodeType="clickEffect">
+                                  <p:stCondLst>
+                                    <p:cond delay="0"/>
+                                  </p:stCondLst>
+                                  <p:childTnLst>
+                                    <p:set>
+                                      <p:cBhvr>
+                                        <p:cTn id="10" dur="1" fill="hold">
+                                          <p:stCondLst>
+                                            <p:cond delay="0"/>
+                                          </p:stCondLst>
+                                        </p:cTn>
+                                        <p:tgtEl>
+                                          <p:spTgt spid="6">
+                                            <p:txEl>
+                                              <p:pRg st="2" end="2"/>
+                                            </p:txEl>
+                                          </p:spTgt>
+                                        </p:tgtEl>
+                                        <p:attrNameLst>
+                                          <p:attrName>style.visibility</p:attrName>
+                                        </p:attrNameLst>
+                                      </p:cBhvr>
+                                      <p:to>
+                                        <p:strVal val="visible"/>
+                                      </p:to>
+                                    </p:set>
+                                  </p:childTnLst>
+                                </p:cTn>
+                              </p:par>
+                              <p:par>
+                                <p:cTn id="11" presetID="1" presetClass="entr" presetSubtype="0" fill="hold" nodeType="withEffect">
+                                  <p:stCondLst>
+                                    <p:cond delay="0"/>
+                                  </p:stCondLst>
+                                  <p:childTnLst>
+                                    <p:set>
+                                      <p:cBhvr>
+                                        <p:cTn id="12" dur="1" fill="hold">
+                                          <p:stCondLst>
+                                            <p:cond delay="0"/>
+                                          </p:stCondLst>
+                                        </p:cTn>
+                                        <p:tgtEl>
+                                          <p:spTgt spid="6">
+                                            <p:txEl>
+                                              <p:pRg st="3" end="3"/>
+                                            </p:txEl>
+                                          </p:spTgt>
+                                        </p:tgtEl>
+                                        <p:attrNameLst>
+                                          <p:attrName>style.visibility</p:attrName>
+                                        </p:attrNameLst>
+                                      </p:cBhvr>
+                                      <p:to>
+                                        <p:strVal val="visible"/>
+                                      </p:to>
+                                    </p:set>
+                                  </p:childTnLst>
+                                </p:cTn>
+                              </p:par>
+                            </p:childTnLst>
+                          </p:cTn>
+                        </p:par>
+                      </p:childTnLst>
+                    </p:cTn>
+                  </p:par>
+                  <p:par>
+                    <p:cTn id="13" fill="hold">
+                      <p:stCondLst>
+                        <p:cond delay="indefinite"/>
+                      </p:stCondLst>
+                      <p:childTnLst>
+                        <p:par>
+                          <p:cTn id="14" fill="hold">
+                            <p:stCondLst>
+                              <p:cond delay="0"/>
+                            </p:stCondLst>
+                            <p:childTnLst>
+                              <p:par>
+                                <p:cTn id="15" presetID="1" presetClass="entr" presetSubtype="0" fill="hold" nodeType="clickEffect">
+                                  <p:stCondLst>
+                                    <p:cond delay="0"/>
+                                  </p:stCondLst>
+                                  <p:childTnLst>
+                                    <p:set>
+                                      <p:cBhvr>
+                                        <p:cTn id="16" dur="1" fill="hold">
+                                          <p:stCondLst>
+                                            <p:cond delay="0"/>
+                                          </p:stCondLst>
+                                        </p:cTn>
+                                        <p:tgtEl>
+                                          <p:spTgt spid="6">
+                                            <p:txEl>
+                                              <p:pRg st="4" end="4"/>
+                                            </p:txEl>
+                                          </p:spTgt>
+                                        </p:tgtEl>
+                                        <p:attrNameLst>
+                                          <p:attrName>style.visibility</p:attrName>
+                                        </p:attrNameLst>
+                                      </p:cBhvr>
+                                      <p:to>
+                                        <p:strVal val="visible"/>
+                                      </p:to>
+                                    </p:set>
+                                  </p:childTnLst>
+                                </p:cTn>
+                              </p:par>
+                              <p:par>
+                                <p:cTn id="17" presetID="1" presetClass="entr" presetSubtype="0" fill="hold" nodeType="withEffect">
+                                  <p:stCondLst>
+                                    <p:cond delay="0"/>
+                                  </p:stCondLst>
+                                  <p:childTnLst>
+                                    <p:set>
+                                      <p:cBhvr>
+                                        <p:cTn id="18" dur="1" fill="hold">
+                                          <p:stCondLst>
+                                            <p:cond delay="0"/>
+                                          </p:stCondLst>
+                                        </p:cTn>
+                                        <p:tgtEl>
+                                          <p:spTgt spid="6">
+                                            <p:txEl>
+                                              <p:pRg st="5" end="5"/>
+                                            </p:txEl>
+                                          </p:spTgt>
+                                        </p:tgtEl>
+                                        <p:attrNameLst>
+                                          <p:attrName>style.visibility</p:attrName>
+                                        </p:attrNameLst>
+                                      </p:cBhvr>
+                                      <p:to>
+                                        <p:strVal val="visible"/>
+                                      </p:to>
+                                    </p:set>
+                                  </p:childTnLst>
+                                </p:cTn>
+                              </p:par>
+                            </p:childTnLst>
+                          </p:cTn>
+                        </p:par>
+                      </p:childTnLst>
+                    </p:cTn>
+                  </p:par>
+                  <p:par>
+                    <p:cTn id="19" fill="hold">
+                      <p:stCondLst>
+                        <p:cond delay="indefinite"/>
+                      </p:stCondLst>
+                      <p:childTnLst>
+                        <p:par>
+                          <p:cTn id="20" fill="hold">
+                            <p:stCondLst>
+                              <p:cond delay="0"/>
+                            </p:stCondLst>
+                            <p:childTnLst>
+                              <p:par>
+                                <p:cTn id="21" presetID="1" presetClass="entr" presetSubtype="0" fill="hold" nodeType="clickEffect">
+                                  <p:stCondLst>
+                                    <p:cond delay="0"/>
+                                  </p:stCondLst>
+                                  <p:childTnLst>
+                                    <p:set>
+                                      <p:cBhvr>
+                                        <p:cTn id="22" dur="1" fill="hold">
+                                          <p:stCondLst>
+                                            <p:cond delay="0"/>
+                                          </p:stCondLst>
+                                        </p:cTn>
+                                        <p:tgtEl>
+                                          <p:spTgt spid="6">
+                                            <p:txEl>
+                                              <p:pRg st="6" end="6"/>
+                                            </p:txEl>
+                                          </p:spTgt>
+                                        </p:tgtEl>
+                                        <p:attrNameLst>
+                                          <p:attrName>style.visibility</p:attrName>
+                                        </p:attrNameLst>
+                                      </p:cBhvr>
+                                      <p:to>
+                                        <p:strVal val="visible"/>
+                                      </p:to>
+                                    </p:set>
+                                  </p:childTnLst>
+                                </p:cTn>
+                              </p:par>
+                            </p:childTnLst>
+                          </p:cTn>
+                        </p:par>
+                      </p:childTnLst>
+                    </p:cTn>
+                  </p:par>
+                  <p:par>
+                    <p:cTn id="23" fill="hold">
+                      <p:stCondLst>
+                        <p:cond delay="indefinite"/>
+                      </p:stCondLst>
+                      <p:childTnLst>
+                        <p:par>
+                          <p:cTn id="24" fill="hold">
+                            <p:stCondLst>
+                              <p:cond delay="0"/>
+                            </p:stCondLst>
+                            <p:childTnLst>
+                              <p:par>
+                                <p:cTn id="25" presetID="1" presetClass="entr" presetSubtype="0" fill="hold" nodeType="clickEffect">
+                                  <p:stCondLst>
+                                    <p:cond delay="0"/>
+                                  </p:stCondLst>
+                                  <p:childTnLst>
+                                    <p:set>
+                                      <p:cBhvr>
+                                        <p:cTn id="26" dur="1" fill="hold">
+                                          <p:stCondLst>
+                                            <p:cond delay="0"/>
+                                          </p:stCondLst>
+                                        </p:cTn>
+                                        <p:tgtEl>
+                                          <p:spTgt spid="6">
+                                            <p:txEl>
+                                              <p:pRg st="7" end="7"/>
+                                            </p:txEl>
+                                          </p:spTgt>
+                                        </p:tgtEl>
+                                        <p:attrNameLst>
+                                          <p:attrName>style.visibility</p:attrName>
+                                        </p:attrNameLst>
+                                      </p:cBhvr>
+                                      <p:to>
+                                        <p:strVal val="visible"/>
+                                      </p:to>
+                                    </p:set>
+                                  </p:childTnLst>
+                                </p:cTn>
+                              </p:par>
+                            </p:childTnLst>
+                          </p:cTn>
+                        </p:par>
+                      </p:childTnLst>
+                    </p:cTn>
+                  </p:par>
+                  <p:par>
+                    <p:cTn id="27" fill="hold">
+                      <p:stCondLst>
+                        <p:cond delay="indefinite"/>
+                      </p:stCondLst>
+                      <p:childTnLst>
+                        <p:par>
+                          <p:cTn id="28" fill="hold">
+                            <p:stCondLst>
+                              <p:cond delay="0"/>
+                            </p:stCondLst>
+                            <p:childTnLst>
+                              <p:par>
+                                <p:cTn id="29" presetID="1" presetClass="entr" presetSubtype="0" fill="hold" nodeType="clickEffect">
+                                  <p:stCondLst>
+                                    <p:cond delay="0"/>
+                                  </p:stCondLst>
+                                  <p:childTnLst>
+                                    <p:set>
+                                      <p:cBhvr>
+                                        <p:cTn id="30" dur="1" fill="hold">
+                                          <p:stCondLst>
+                                            <p:cond delay="0"/>
+                                          </p:stCondLst>
+                                        </p:cTn>
+                                        <p:tgtEl>
+                                          <p:spTgt spid="6">
+                                            <p:txEl>
+                                              <p:pRg st="8" end="8"/>
+                                            </p:txEl>
+                                          </p:spTgt>
+                                        </p:tgtEl>
+                                        <p:attrNameLst>
+                                          <p:attrName>style.visibility</p:attrName>
+                                        </p:attrNameLst>
+                                      </p:cBhvr>
+                                      <p:to>
+                                        <p:strVal val="visible"/>
+                                      </p:to>
+                                    </p:set>
+                                  </p:childTnLst>
+                                </p:cTn>
+                              </p:par>
+                              <p:par>
+                                <p:cTn id="31" presetID="1" presetClass="entr" presetSubtype="0" fill="hold" nodeType="withEffect">
+                                  <p:stCondLst>
+                                    <p:cond delay="0"/>
+                                  </p:stCondLst>
+                                  <p:childTnLst>
+                                    <p:set>
+                                      <p:cBhvr>
+                                        <p:cTn id="32" dur="1" fill="hold">
+                                          <p:stCondLst>
+                                            <p:cond delay="0"/>
+                                          </p:stCondLst>
+                                        </p:cTn>
+                                        <p:tgtEl>
+                                          <p:spTgt spid="6">
+                                            <p:txEl>
+                                              <p:pRg st="9" end="9"/>
+                                            </p:txEl>
+                                          </p:spTgt>
+                                        </p:tgtEl>
+                                        <p:attrNameLst>
+                                          <p:attrName>style.visibility</p:attrName>
+                                        </p:attrNameLst>
+                                      </p:cBhvr>
+                                      <p:to>
+                                        <p:strVal val="visible"/>
+                                      </p:to>
+                                    </p:set>
+                                  </p:childTnLst>
+                                </p:cTn>
+                              </p:par>
+                            </p:childTnLst>
+                          </p:cTn>
+                        </p:par>
+                      </p:childTnLst>
+                    </p:cTn>
+                  </p:par>
+                </p:childTnLst>
+              </p:cTn>
+              <p:prevCondLst>
+                <p:cond evt="onPrev" delay="0">
+                  <p:tgtEl>
+                    <p:sldTgt/>
+                  </p:tgtEl>
+                </p:cond>
+              </p:prevCondLst>
+              <p:nextCondLst>
+                <p:cond evt="onNext" delay="0">
+                  <p:tgtEl>
+                    <p:sldTgt/>
+                  </p:tgtEl>
+                </p:cond>
+              </p:nextCondLst>
+            </p:seq>
+          </p:childTnLst>
+        </p:cTn>
+      </p:par>
+    </p:tnLst>
+  </p:timing>
 </p:sld>
 </file>
 
@@ -12795,6 +14704,17 @@
 <file path=ppt/slides/slide4.xml><?xml version="1.0" encoding="utf-8"?>
 <p:sld xmlns:a="http://schemas.openxmlformats.org/drawingml/2006/main" xmlns:r="http://schemas.openxmlformats.org/officeDocument/2006/relationships" xmlns:p="http://schemas.openxmlformats.org/presentationml/2006/main">
   <p:cSld>
+    <p:bg>
+      <p:bgPr>
+        <a:solidFill>
+          <a:schemeClr val="bg1">
+            <a:lumMod val="85000"/>
+            <a:alpha val="25000"/>
+          </a:schemeClr>
+        </a:solidFill>
+        <a:effectLst/>
+      </p:bgPr>
+    </p:bg>
     <p:spTree>
       <p:nvGrpSpPr>
         <p:cNvPr id="1" name=""/>
@@ -12937,6 +14857,590 @@
           </a:p>
         </p:txBody>
       </p:sp>
+      <p:grpSp>
+        <p:nvGrpSpPr>
+          <p:cNvPr id="8" name="Group 7">
+            <a:extLst>
+              <a:ext uri="{FF2B5EF4-FFF2-40B4-BE49-F238E27FC236}">
+                <a16:creationId xmlns:a16="http://schemas.microsoft.com/office/drawing/2014/main" id="{C4F5F84D-8E0A-4815-AC8F-80B2E94086E1}"/>
+              </a:ext>
+            </a:extLst>
+          </p:cNvPr>
+          <p:cNvGrpSpPr/>
+          <p:nvPr/>
+        </p:nvGrpSpPr>
+        <p:grpSpPr>
+          <a:xfrm>
+            <a:off x="6096001" y="1489119"/>
+            <a:ext cx="6098173" cy="4857535"/>
+            <a:chOff x="6096001" y="1489119"/>
+            <a:chExt cx="6098173" cy="4857535"/>
+          </a:xfrm>
+        </p:grpSpPr>
+        <p:grpSp>
+          <p:nvGrpSpPr>
+            <p:cNvPr id="7" name="Group 6">
+              <a:extLst>
+                <a:ext uri="{FF2B5EF4-FFF2-40B4-BE49-F238E27FC236}">
+                  <a16:creationId xmlns:a16="http://schemas.microsoft.com/office/drawing/2014/main" id="{ACF3919F-999B-4C7E-BD2A-AC7045CF7BFA}"/>
+                </a:ext>
+              </a:extLst>
+            </p:cNvPr>
+            <p:cNvGrpSpPr/>
+            <p:nvPr/>
+          </p:nvGrpSpPr>
+          <p:grpSpPr>
+            <a:xfrm>
+              <a:off x="6133892" y="4514818"/>
+              <a:ext cx="6020274" cy="1831836"/>
+              <a:chOff x="6171254" y="4514818"/>
+              <a:chExt cx="5982911" cy="1831836"/>
+            </a:xfrm>
+          </p:grpSpPr>
+          <p:pic>
+            <p:nvPicPr>
+              <p:cNvPr id="2058" name="Picture 10" descr="Super Mushroom - Super Mario Wiki, the Mario encyclopedia">
+                <a:extLst>
+                  <a:ext uri="{FF2B5EF4-FFF2-40B4-BE49-F238E27FC236}">
+                    <a16:creationId xmlns:a16="http://schemas.microsoft.com/office/drawing/2014/main" id="{5D2363D9-8C83-4561-8D6F-A52C58D0FA2E}"/>
+                  </a:ext>
+                </a:extLst>
+              </p:cNvPr>
+              <p:cNvPicPr>
+                <a:picLocks noChangeAspect="1" noChangeArrowheads="1"/>
+              </p:cNvPicPr>
+              <p:nvPr/>
+            </p:nvPicPr>
+            <p:blipFill>
+              <a:blip r:embed="rId3">
+                <a:extLst>
+                  <a:ext uri="{28A0092B-C50C-407E-A947-70E740481C1C}">
+                    <a14:useLocalDpi xmlns:a14="http://schemas.microsoft.com/office/drawing/2010/main" val="0"/>
+                  </a:ext>
+                </a:extLst>
+              </a:blip>
+              <a:srcRect/>
+              <a:stretch>
+                <a:fillRect/>
+              </a:stretch>
+            </p:blipFill>
+            <p:spPr bwMode="auto">
+              <a:xfrm>
+                <a:off x="9490878" y="5807084"/>
+                <a:ext cx="463197" cy="462769"/>
+              </a:xfrm>
+              <a:prstGeom prst="rect">
+                <a:avLst/>
+              </a:prstGeom>
+              <a:noFill/>
+              <a:extLst>
+                <a:ext uri="{909E8E84-426E-40DD-AFC4-6F175D3DCCD1}">
+                  <a14:hiddenFill xmlns:a14="http://schemas.microsoft.com/office/drawing/2010/main">
+                    <a:solidFill>
+                      <a:srgbClr val="FFFFFF"/>
+                    </a:solidFill>
+                  </a14:hiddenFill>
+                </a:ext>
+              </a:extLst>
+            </p:spPr>
+          </p:pic>
+          <p:pic>
+            <p:nvPicPr>
+              <p:cNvPr id="34" name="Picture 10" descr="Super Mushroom - Super Mario Wiki, the Mario encyclopedia">
+                <a:extLst>
+                  <a:ext uri="{FF2B5EF4-FFF2-40B4-BE49-F238E27FC236}">
+                    <a16:creationId xmlns:a16="http://schemas.microsoft.com/office/drawing/2014/main" id="{7F22C948-7525-41EC-85C4-A9904E550361}"/>
+                  </a:ext>
+                </a:extLst>
+              </p:cNvPr>
+              <p:cNvPicPr>
+                <a:picLocks noChangeAspect="1" noChangeArrowheads="1"/>
+              </p:cNvPicPr>
+              <p:nvPr/>
+            </p:nvPicPr>
+            <p:blipFill>
+              <a:blip r:embed="rId3">
+                <a:extLst>
+                  <a:ext uri="{28A0092B-C50C-407E-A947-70E740481C1C}">
+                    <a14:useLocalDpi xmlns:a14="http://schemas.microsoft.com/office/drawing/2010/main" val="0"/>
+                  </a:ext>
+                </a:extLst>
+              </a:blip>
+              <a:srcRect/>
+              <a:stretch>
+                <a:fillRect/>
+              </a:stretch>
+            </p:blipFill>
+            <p:spPr bwMode="auto">
+              <a:xfrm>
+                <a:off x="7932855" y="5842514"/>
+                <a:ext cx="463197" cy="462769"/>
+              </a:xfrm>
+              <a:prstGeom prst="rect">
+                <a:avLst/>
+              </a:prstGeom>
+              <a:noFill/>
+              <a:extLst>
+                <a:ext uri="{909E8E84-426E-40DD-AFC4-6F175D3DCCD1}">
+                  <a14:hiddenFill xmlns:a14="http://schemas.microsoft.com/office/drawing/2010/main">
+                    <a:solidFill>
+                      <a:srgbClr val="FFFFFF"/>
+                    </a:solidFill>
+                  </a14:hiddenFill>
+                </a:ext>
+              </a:extLst>
+            </p:spPr>
+          </p:pic>
+          <p:pic>
+            <p:nvPicPr>
+              <p:cNvPr id="35" name="Picture 10" descr="Super Mushroom - Super Mario Wiki, the Mario encyclopedia">
+                <a:extLst>
+                  <a:ext uri="{FF2B5EF4-FFF2-40B4-BE49-F238E27FC236}">
+                    <a16:creationId xmlns:a16="http://schemas.microsoft.com/office/drawing/2014/main" id="{2CA8F50D-F3AC-4673-9564-8DDAA1E4144E}"/>
+                  </a:ext>
+                </a:extLst>
+              </p:cNvPr>
+              <p:cNvPicPr>
+                <a:picLocks noChangeAspect="1" noChangeArrowheads="1"/>
+              </p:cNvPicPr>
+              <p:nvPr/>
+            </p:nvPicPr>
+            <p:blipFill>
+              <a:blip r:embed="rId3">
+                <a:extLst>
+                  <a:ext uri="{28A0092B-C50C-407E-A947-70E740481C1C}">
+                    <a14:useLocalDpi xmlns:a14="http://schemas.microsoft.com/office/drawing/2010/main" val="0"/>
+                  </a:ext>
+                </a:extLst>
+              </a:blip>
+              <a:srcRect/>
+              <a:stretch>
+                <a:fillRect/>
+              </a:stretch>
+            </p:blipFill>
+            <p:spPr bwMode="auto">
+              <a:xfrm>
+                <a:off x="11076967" y="5825221"/>
+                <a:ext cx="463197" cy="462769"/>
+              </a:xfrm>
+              <a:prstGeom prst="rect">
+                <a:avLst/>
+              </a:prstGeom>
+              <a:noFill/>
+              <a:extLst>
+                <a:ext uri="{909E8E84-426E-40DD-AFC4-6F175D3DCCD1}">
+                  <a14:hiddenFill xmlns:a14="http://schemas.microsoft.com/office/drawing/2010/main">
+                    <a:solidFill>
+                      <a:srgbClr val="FFFFFF"/>
+                    </a:solidFill>
+                  </a14:hiddenFill>
+                </a:ext>
+              </a:extLst>
+            </p:spPr>
+          </p:pic>
+          <p:pic>
+            <p:nvPicPr>
+              <p:cNvPr id="2060" name="Picture 12" descr="Tree Flower | Fantendo - Game Ideas &amp;amp; More | Fandom">
+                <a:extLst>
+                  <a:ext uri="{FF2B5EF4-FFF2-40B4-BE49-F238E27FC236}">
+                    <a16:creationId xmlns:a16="http://schemas.microsoft.com/office/drawing/2014/main" id="{4CEFF03D-FFEE-4E14-BB17-6C5B1C90FF17}"/>
+                  </a:ext>
+                </a:extLst>
+              </p:cNvPr>
+              <p:cNvPicPr>
+                <a:picLocks noChangeAspect="1" noChangeArrowheads="1"/>
+              </p:cNvPicPr>
+              <p:nvPr/>
+            </p:nvPicPr>
+            <p:blipFill>
+              <a:blip r:embed="rId4">
+                <a:extLst>
+                  <a:ext uri="{28A0092B-C50C-407E-A947-70E740481C1C}">
+                    <a14:useLocalDpi xmlns:a14="http://schemas.microsoft.com/office/drawing/2010/main" val="0"/>
+                  </a:ext>
+                </a:extLst>
+              </a:blip>
+              <a:srcRect/>
+              <a:stretch>
+                <a:fillRect/>
+              </a:stretch>
+            </p:blipFill>
+            <p:spPr bwMode="auto">
+              <a:xfrm>
+                <a:off x="8758251" y="5432429"/>
+                <a:ext cx="538862" cy="914225"/>
+              </a:xfrm>
+              <a:prstGeom prst="rect">
+                <a:avLst/>
+              </a:prstGeom>
+              <a:noFill/>
+              <a:extLst>
+                <a:ext uri="{909E8E84-426E-40DD-AFC4-6F175D3DCCD1}">
+                  <a14:hiddenFill xmlns:a14="http://schemas.microsoft.com/office/drawing/2010/main">
+                    <a:solidFill>
+                      <a:srgbClr val="FFFFFF"/>
+                    </a:solidFill>
+                  </a14:hiddenFill>
+                </a:ext>
+              </a:extLst>
+            </p:spPr>
+          </p:pic>
+          <p:pic>
+            <p:nvPicPr>
+              <p:cNvPr id="37" name="Picture 12" descr="Tree Flower | Fantendo - Game Ideas &amp;amp; More | Fandom">
+                <a:extLst>
+                  <a:ext uri="{FF2B5EF4-FFF2-40B4-BE49-F238E27FC236}">
+                    <a16:creationId xmlns:a16="http://schemas.microsoft.com/office/drawing/2014/main" id="{1875EAF9-CFDC-4F3A-91C2-5F036F39473E}"/>
+                  </a:ext>
+                </a:extLst>
+              </p:cNvPr>
+              <p:cNvPicPr>
+                <a:picLocks noChangeAspect="1" noChangeArrowheads="1"/>
+              </p:cNvPicPr>
+              <p:nvPr/>
+            </p:nvPicPr>
+            <p:blipFill>
+              <a:blip r:embed="rId4">
+                <a:extLst>
+                  <a:ext uri="{28A0092B-C50C-407E-A947-70E740481C1C}">
+                    <a14:useLocalDpi xmlns:a14="http://schemas.microsoft.com/office/drawing/2010/main" val="0"/>
+                  </a:ext>
+                </a:extLst>
+              </a:blip>
+              <a:srcRect/>
+              <a:stretch>
+                <a:fillRect/>
+              </a:stretch>
+            </p:blipFill>
+            <p:spPr bwMode="auto">
+              <a:xfrm>
+                <a:off x="11615303" y="5379248"/>
+                <a:ext cx="538862" cy="914225"/>
+              </a:xfrm>
+              <a:prstGeom prst="rect">
+                <a:avLst/>
+              </a:prstGeom>
+              <a:noFill/>
+              <a:extLst>
+                <a:ext uri="{909E8E84-426E-40DD-AFC4-6F175D3DCCD1}">
+                  <a14:hiddenFill xmlns:a14="http://schemas.microsoft.com/office/drawing/2010/main">
+                    <a:solidFill>
+                      <a:srgbClr val="FFFFFF"/>
+                    </a:solidFill>
+                  </a14:hiddenFill>
+                </a:ext>
+              </a:extLst>
+            </p:spPr>
+          </p:pic>
+          <p:pic>
+            <p:nvPicPr>
+              <p:cNvPr id="38" name="Picture 12" descr="Tree Flower | Fantendo - Game Ideas &amp;amp; More | Fandom">
+                <a:extLst>
+                  <a:ext uri="{FF2B5EF4-FFF2-40B4-BE49-F238E27FC236}">
+                    <a16:creationId xmlns:a16="http://schemas.microsoft.com/office/drawing/2014/main" id="{840C8C70-53C5-4FA8-AEE4-AEC824E0EC7E}"/>
+                  </a:ext>
+                </a:extLst>
+              </p:cNvPr>
+              <p:cNvPicPr>
+                <a:picLocks noChangeAspect="1" noChangeArrowheads="1"/>
+              </p:cNvPicPr>
+              <p:nvPr/>
+            </p:nvPicPr>
+            <p:blipFill>
+              <a:blip r:embed="rId4">
+                <a:extLst>
+                  <a:ext uri="{28A0092B-C50C-407E-A947-70E740481C1C}">
+                    <a14:useLocalDpi xmlns:a14="http://schemas.microsoft.com/office/drawing/2010/main" val="0"/>
+                  </a:ext>
+                </a:extLst>
+              </a:blip>
+              <a:srcRect/>
+              <a:stretch>
+                <a:fillRect/>
+              </a:stretch>
+            </p:blipFill>
+            <p:spPr bwMode="auto">
+              <a:xfrm>
+                <a:off x="10302576" y="5425636"/>
+                <a:ext cx="538862" cy="914225"/>
+              </a:xfrm>
+              <a:prstGeom prst="rect">
+                <a:avLst/>
+              </a:prstGeom>
+              <a:noFill/>
+              <a:extLst>
+                <a:ext uri="{909E8E84-426E-40DD-AFC4-6F175D3DCCD1}">
+                  <a14:hiddenFill xmlns:a14="http://schemas.microsoft.com/office/drawing/2010/main">
+                    <a:solidFill>
+                      <a:srgbClr val="FFFFFF"/>
+                    </a:solidFill>
+                  </a14:hiddenFill>
+                </a:ext>
+              </a:extLst>
+            </p:spPr>
+          </p:pic>
+          <p:pic>
+            <p:nvPicPr>
+              <p:cNvPr id="2066" name="Picture 18" descr="Bowser - Super Mario Wiki, the Mario encyclopedia">
+                <a:extLst>
+                  <a:ext uri="{FF2B5EF4-FFF2-40B4-BE49-F238E27FC236}">
+                    <a16:creationId xmlns:a16="http://schemas.microsoft.com/office/drawing/2014/main" id="{2CBD1E73-632E-41A6-96F1-C7626BB6AC90}"/>
+                  </a:ext>
+                </a:extLst>
+              </p:cNvPr>
+              <p:cNvPicPr>
+                <a:picLocks noChangeAspect="1" noChangeArrowheads="1"/>
+              </p:cNvPicPr>
+              <p:nvPr/>
+            </p:nvPicPr>
+            <p:blipFill>
+              <a:blip r:embed="rId5">
+                <a:extLst>
+                  <a:ext uri="{28A0092B-C50C-407E-A947-70E740481C1C}">
+                    <a14:useLocalDpi xmlns:a14="http://schemas.microsoft.com/office/drawing/2010/main" val="0"/>
+                  </a:ext>
+                </a:extLst>
+              </a:blip>
+              <a:srcRect/>
+              <a:stretch>
+                <a:fillRect/>
+              </a:stretch>
+            </p:blipFill>
+            <p:spPr bwMode="auto">
+              <a:xfrm>
+                <a:off x="6171254" y="4514818"/>
+                <a:ext cx="1413099" cy="1755036"/>
+              </a:xfrm>
+              <a:prstGeom prst="rect">
+                <a:avLst/>
+              </a:prstGeom>
+              <a:noFill/>
+              <a:extLst>
+                <a:ext uri="{909E8E84-426E-40DD-AFC4-6F175D3DCCD1}">
+                  <a14:hiddenFill xmlns:a14="http://schemas.microsoft.com/office/drawing/2010/main">
+                    <a:solidFill>
+                      <a:srgbClr val="FFFFFF"/>
+                    </a:solidFill>
+                  </a14:hiddenFill>
+                </a:ext>
+              </a:extLst>
+            </p:spPr>
+          </p:pic>
+        </p:grpSp>
+        <p:grpSp>
+          <p:nvGrpSpPr>
+            <p:cNvPr id="4" name="Group 3">
+              <a:extLst>
+                <a:ext uri="{FF2B5EF4-FFF2-40B4-BE49-F238E27FC236}">
+                  <a16:creationId xmlns:a16="http://schemas.microsoft.com/office/drawing/2014/main" id="{AF40C9E6-C8FE-4FAC-8CF6-F61C607CFA56}"/>
+                </a:ext>
+              </a:extLst>
+            </p:cNvPr>
+            <p:cNvGrpSpPr/>
+            <p:nvPr/>
+          </p:nvGrpSpPr>
+          <p:grpSpPr>
+            <a:xfrm>
+              <a:off x="6096001" y="1489119"/>
+              <a:ext cx="6095998" cy="4857535"/>
+              <a:chOff x="6096001" y="1489119"/>
+              <a:chExt cx="6095998" cy="4857535"/>
+            </a:xfrm>
+          </p:grpSpPr>
+          <p:pic>
+            <p:nvPicPr>
+              <p:cNvPr id="2056" name="Picture 8" descr="Butterfly Net PNG Images, Transparent Butterfly Net Image Download - PNGitem">
+                <a:extLst>
+                  <a:ext uri="{FF2B5EF4-FFF2-40B4-BE49-F238E27FC236}">
+                    <a16:creationId xmlns:a16="http://schemas.microsoft.com/office/drawing/2014/main" id="{669919D3-F01C-4C5A-9DC8-CA6A574C44F6}"/>
+                  </a:ext>
+                </a:extLst>
+              </p:cNvPr>
+              <p:cNvPicPr>
+                <a:picLocks noChangeAspect="1" noChangeArrowheads="1"/>
+              </p:cNvPicPr>
+              <p:nvPr/>
+            </p:nvPicPr>
+            <p:blipFill>
+              <a:blip r:embed="rId6">
+                <a:alphaModFix amt="50000"/>
+                <a:extLst>
+                  <a:ext uri="{28A0092B-C50C-407E-A947-70E740481C1C}">
+                    <a14:useLocalDpi xmlns:a14="http://schemas.microsoft.com/office/drawing/2010/main" val="0"/>
+                  </a:ext>
+                </a:extLst>
+              </a:blip>
+              <a:srcRect/>
+              <a:stretch>
+                <a:fillRect/>
+              </a:stretch>
+            </p:blipFill>
+            <p:spPr bwMode="auto">
+              <a:xfrm rot="12074010">
+                <a:off x="8080122" y="2798638"/>
+                <a:ext cx="1171802" cy="3463828"/>
+              </a:xfrm>
+              <a:prstGeom prst="rect">
+                <a:avLst/>
+              </a:prstGeom>
+              <a:noFill/>
+              <a:extLst>
+                <a:ext uri="{909E8E84-426E-40DD-AFC4-6F175D3DCCD1}">
+                  <a14:hiddenFill xmlns:a14="http://schemas.microsoft.com/office/drawing/2010/main">
+                    <a:solidFill>
+                      <a:srgbClr val="FFFFFF"/>
+                    </a:solidFill>
+                  </a14:hiddenFill>
+                </a:ext>
+              </a:extLst>
+            </p:spPr>
+          </p:pic>
+          <p:pic>
+            <p:nvPicPr>
+              <p:cNvPr id="2062" name="Picture 14" descr="Propeller Mario - Super Mario Wiki, the Mario encyclopedia">
+                <a:extLst>
+                  <a:ext uri="{FF2B5EF4-FFF2-40B4-BE49-F238E27FC236}">
+                    <a16:creationId xmlns:a16="http://schemas.microsoft.com/office/drawing/2014/main" id="{B64E950A-AB7E-4D56-A1F1-B224D3C6F28E}"/>
+                  </a:ext>
+                </a:extLst>
+              </p:cNvPr>
+              <p:cNvPicPr>
+                <a:picLocks noChangeAspect="1" noChangeArrowheads="1"/>
+              </p:cNvPicPr>
+              <p:nvPr/>
+            </p:nvPicPr>
+            <p:blipFill>
+              <a:blip r:embed="rId7">
+                <a:alphaModFix/>
+                <a:extLst>
+                  <a:ext uri="{28A0092B-C50C-407E-A947-70E740481C1C}">
+                    <a14:useLocalDpi xmlns:a14="http://schemas.microsoft.com/office/drawing/2010/main" val="0"/>
+                  </a:ext>
+                </a:extLst>
+              </a:blip>
+              <a:srcRect/>
+              <a:stretch>
+                <a:fillRect/>
+              </a:stretch>
+            </p:blipFill>
+            <p:spPr bwMode="auto">
+              <a:xfrm>
+                <a:off x="9304222" y="1489119"/>
+                <a:ext cx="1428750" cy="2771775"/>
+              </a:xfrm>
+              <a:prstGeom prst="rect">
+                <a:avLst/>
+              </a:prstGeom>
+              <a:noFill/>
+              <a:extLst>
+                <a:ext uri="{909E8E84-426E-40DD-AFC4-6F175D3DCCD1}">
+                  <a14:hiddenFill xmlns:a14="http://schemas.microsoft.com/office/drawing/2010/main">
+                    <a:solidFill>
+                      <a:srgbClr val="FFFFFF"/>
+                    </a:solidFill>
+                  </a14:hiddenFill>
+                </a:ext>
+              </a:extLst>
+            </p:spPr>
+          </p:pic>
+          <p:pic>
+            <p:nvPicPr>
+              <p:cNvPr id="2064" name="Picture 16" descr="Fog | Newer Super Mario Bros. Wiki | Fandom">
+                <a:extLst>
+                  <a:ext uri="{FF2B5EF4-FFF2-40B4-BE49-F238E27FC236}">
+                    <a16:creationId xmlns:a16="http://schemas.microsoft.com/office/drawing/2014/main" id="{B3969ABF-B5CB-4C7B-9DF5-B9ECBCBBEF03}"/>
+                  </a:ext>
+                </a:extLst>
+              </p:cNvPr>
+              <p:cNvPicPr>
+                <a:picLocks noChangeAspect="1" noChangeArrowheads="1"/>
+              </p:cNvPicPr>
+              <p:nvPr/>
+            </p:nvPicPr>
+            <p:blipFill>
+              <a:blip r:embed="rId8">
+                <a:alphaModFix amt="80000"/>
+                <a:extLst>
+                  <a:ext uri="{28A0092B-C50C-407E-A947-70E740481C1C}">
+                    <a14:useLocalDpi xmlns:a14="http://schemas.microsoft.com/office/drawing/2010/main" val="0"/>
+                  </a:ext>
+                </a:extLst>
+              </a:blip>
+              <a:srcRect/>
+              <a:stretch>
+                <a:fillRect/>
+              </a:stretch>
+            </p:blipFill>
+            <p:spPr bwMode="auto">
+              <a:xfrm>
+                <a:off x="6096001" y="4153980"/>
+                <a:ext cx="6095998" cy="2192674"/>
+              </a:xfrm>
+              <a:prstGeom prst="rect">
+                <a:avLst/>
+              </a:prstGeom>
+              <a:noFill/>
+              <a:extLst>
+                <a:ext uri="{909E8E84-426E-40DD-AFC4-6F175D3DCCD1}">
+                  <a14:hiddenFill xmlns:a14="http://schemas.microsoft.com/office/drawing/2010/main">
+                    <a:solidFill>
+                      <a:srgbClr val="FFFFFF"/>
+                    </a:solidFill>
+                  </a14:hiddenFill>
+                </a:ext>
+              </a:extLst>
+            </p:spPr>
+          </p:pic>
+        </p:grpSp>
+        <p:pic>
+          <p:nvPicPr>
+            <p:cNvPr id="42" name="Picture 16" descr="Fog | Newer Super Mario Bros. Wiki | Fandom">
+              <a:extLst>
+                <a:ext uri="{FF2B5EF4-FFF2-40B4-BE49-F238E27FC236}">
+                  <a16:creationId xmlns:a16="http://schemas.microsoft.com/office/drawing/2014/main" id="{542BF66F-8DE9-44F1-9D95-16E7755314CA}"/>
+                </a:ext>
+              </a:extLst>
+            </p:cNvPr>
+            <p:cNvPicPr>
+              <a:picLocks noChangeAspect="1" noChangeArrowheads="1"/>
+            </p:cNvPicPr>
+            <p:nvPr/>
+          </p:nvPicPr>
+          <p:blipFill>
+            <a:blip r:embed="rId8">
+              <a:alphaModFix/>
+              <a:extLst>
+                <a:ext uri="{28A0092B-C50C-407E-A947-70E740481C1C}">
+                  <a14:useLocalDpi xmlns:a14="http://schemas.microsoft.com/office/drawing/2010/main" val="0"/>
+                </a:ext>
+              </a:extLst>
+            </a:blip>
+            <a:srcRect/>
+            <a:stretch>
+              <a:fillRect/>
+            </a:stretch>
+          </p:blipFill>
+          <p:spPr bwMode="auto">
+            <a:xfrm>
+              <a:off x="6098176" y="4143384"/>
+              <a:ext cx="6095998" cy="462769"/>
+            </a:xfrm>
+            <a:prstGeom prst="rect">
+              <a:avLst/>
+            </a:prstGeom>
+            <a:noFill/>
+            <a:extLst>
+              <a:ext uri="{909E8E84-426E-40DD-AFC4-6F175D3DCCD1}">
+                <a14:hiddenFill xmlns:a14="http://schemas.microsoft.com/office/drawing/2010/main">
+                  <a:solidFill>
+                    <a:srgbClr val="FFFFFF"/>
+                  </a:solidFill>
+                </a14:hiddenFill>
+              </a:ext>
+            </a:extLst>
+          </p:spPr>
+        </p:pic>
+      </p:grpSp>
       <p:sp>
         <p:nvSpPr>
           <p:cNvPr id="2" name="Title 1">
@@ -13063,525 +15567,6 @@
           </a:p>
         </p:txBody>
       </p:sp>
-      <p:pic>
-        <p:nvPicPr>
-          <p:cNvPr id="2056" name="Picture 8" descr="Butterfly Net PNG Images, Transparent Butterfly Net Image Download - PNGitem">
-            <a:extLst>
-              <a:ext uri="{FF2B5EF4-FFF2-40B4-BE49-F238E27FC236}">
-                <a16:creationId xmlns:a16="http://schemas.microsoft.com/office/drawing/2014/main" id="{669919D3-F01C-4C5A-9DC8-CA6A574C44F6}"/>
-              </a:ext>
-            </a:extLst>
-          </p:cNvPr>
-          <p:cNvPicPr>
-            <a:picLocks noChangeAspect="1" noChangeArrowheads="1"/>
-          </p:cNvPicPr>
-          <p:nvPr/>
-        </p:nvPicPr>
-        <p:blipFill>
-          <a:blip r:embed="rId3">
-            <a:extLst>
-              <a:ext uri="{28A0092B-C50C-407E-A947-70E740481C1C}">
-                <a14:useLocalDpi xmlns:a14="http://schemas.microsoft.com/office/drawing/2010/main" val="0"/>
-              </a:ext>
-            </a:extLst>
-          </a:blip>
-          <a:srcRect/>
-          <a:stretch>
-            <a:fillRect/>
-          </a:stretch>
-        </p:blipFill>
-        <p:spPr bwMode="auto">
-          <a:xfrm rot="12074010">
-            <a:off x="8080122" y="2798638"/>
-            <a:ext cx="1171802" cy="3463828"/>
-          </a:xfrm>
-          <a:prstGeom prst="rect">
-            <a:avLst/>
-          </a:prstGeom>
-          <a:noFill/>
-          <a:extLst>
-            <a:ext uri="{909E8E84-426E-40DD-AFC4-6F175D3DCCD1}">
-              <a14:hiddenFill xmlns:a14="http://schemas.microsoft.com/office/drawing/2010/main">
-                <a:solidFill>
-                  <a:srgbClr val="FFFFFF"/>
-                </a:solidFill>
-              </a14:hiddenFill>
-            </a:ext>
-          </a:extLst>
-        </p:spPr>
-      </p:pic>
-      <p:pic>
-        <p:nvPicPr>
-          <p:cNvPr id="2058" name="Picture 10" descr="Super Mushroom - Super Mario Wiki, the Mario encyclopedia">
-            <a:extLst>
-              <a:ext uri="{FF2B5EF4-FFF2-40B4-BE49-F238E27FC236}">
-                <a16:creationId xmlns:a16="http://schemas.microsoft.com/office/drawing/2014/main" id="{5D2363D9-8C83-4561-8D6F-A52C58D0FA2E}"/>
-              </a:ext>
-            </a:extLst>
-          </p:cNvPr>
-          <p:cNvPicPr>
-            <a:picLocks noChangeAspect="1" noChangeArrowheads="1"/>
-          </p:cNvPicPr>
-          <p:nvPr/>
-        </p:nvPicPr>
-        <p:blipFill>
-          <a:blip r:embed="rId4">
-            <a:extLst>
-              <a:ext uri="{28A0092B-C50C-407E-A947-70E740481C1C}">
-                <a14:useLocalDpi xmlns:a14="http://schemas.microsoft.com/office/drawing/2010/main" val="0"/>
-              </a:ext>
-            </a:extLst>
-          </a:blip>
-          <a:srcRect/>
-          <a:stretch>
-            <a:fillRect/>
-          </a:stretch>
-        </p:blipFill>
-        <p:spPr bwMode="auto">
-          <a:xfrm>
-            <a:off x="9490878" y="5807084"/>
-            <a:ext cx="463197" cy="462769"/>
-          </a:xfrm>
-          <a:prstGeom prst="rect">
-            <a:avLst/>
-          </a:prstGeom>
-          <a:noFill/>
-          <a:extLst>
-            <a:ext uri="{909E8E84-426E-40DD-AFC4-6F175D3DCCD1}">
-              <a14:hiddenFill xmlns:a14="http://schemas.microsoft.com/office/drawing/2010/main">
-                <a:solidFill>
-                  <a:srgbClr val="FFFFFF"/>
-                </a:solidFill>
-              </a14:hiddenFill>
-            </a:ext>
-          </a:extLst>
-        </p:spPr>
-      </p:pic>
-      <p:pic>
-        <p:nvPicPr>
-          <p:cNvPr id="34" name="Picture 10" descr="Super Mushroom - Super Mario Wiki, the Mario encyclopedia">
-            <a:extLst>
-              <a:ext uri="{FF2B5EF4-FFF2-40B4-BE49-F238E27FC236}">
-                <a16:creationId xmlns:a16="http://schemas.microsoft.com/office/drawing/2014/main" id="{7F22C948-7525-41EC-85C4-A9904E550361}"/>
-              </a:ext>
-            </a:extLst>
-          </p:cNvPr>
-          <p:cNvPicPr>
-            <a:picLocks noChangeAspect="1" noChangeArrowheads="1"/>
-          </p:cNvPicPr>
-          <p:nvPr/>
-        </p:nvPicPr>
-        <p:blipFill>
-          <a:blip r:embed="rId4">
-            <a:extLst>
-              <a:ext uri="{28A0092B-C50C-407E-A947-70E740481C1C}">
-                <a14:useLocalDpi xmlns:a14="http://schemas.microsoft.com/office/drawing/2010/main" val="0"/>
-              </a:ext>
-            </a:extLst>
-          </a:blip>
-          <a:srcRect/>
-          <a:stretch>
-            <a:fillRect/>
-          </a:stretch>
-        </p:blipFill>
-        <p:spPr bwMode="auto">
-          <a:xfrm>
-            <a:off x="7932855" y="5842514"/>
-            <a:ext cx="463197" cy="462769"/>
-          </a:xfrm>
-          <a:prstGeom prst="rect">
-            <a:avLst/>
-          </a:prstGeom>
-          <a:noFill/>
-          <a:extLst>
-            <a:ext uri="{909E8E84-426E-40DD-AFC4-6F175D3DCCD1}">
-              <a14:hiddenFill xmlns:a14="http://schemas.microsoft.com/office/drawing/2010/main">
-                <a:solidFill>
-                  <a:srgbClr val="FFFFFF"/>
-                </a:solidFill>
-              </a14:hiddenFill>
-            </a:ext>
-          </a:extLst>
-        </p:spPr>
-      </p:pic>
-      <p:pic>
-        <p:nvPicPr>
-          <p:cNvPr id="35" name="Picture 10" descr="Super Mushroom - Super Mario Wiki, the Mario encyclopedia">
-            <a:extLst>
-              <a:ext uri="{FF2B5EF4-FFF2-40B4-BE49-F238E27FC236}">
-                <a16:creationId xmlns:a16="http://schemas.microsoft.com/office/drawing/2014/main" id="{2CA8F50D-F3AC-4673-9564-8DDAA1E4144E}"/>
-              </a:ext>
-            </a:extLst>
-          </p:cNvPr>
-          <p:cNvPicPr>
-            <a:picLocks noChangeAspect="1" noChangeArrowheads="1"/>
-          </p:cNvPicPr>
-          <p:nvPr/>
-        </p:nvPicPr>
-        <p:blipFill>
-          <a:blip r:embed="rId4">
-            <a:extLst>
-              <a:ext uri="{28A0092B-C50C-407E-A947-70E740481C1C}">
-                <a14:useLocalDpi xmlns:a14="http://schemas.microsoft.com/office/drawing/2010/main" val="0"/>
-              </a:ext>
-            </a:extLst>
-          </a:blip>
-          <a:srcRect/>
-          <a:stretch>
-            <a:fillRect/>
-          </a:stretch>
-        </p:blipFill>
-        <p:spPr bwMode="auto">
-          <a:xfrm>
-            <a:off x="11076967" y="5825221"/>
-            <a:ext cx="463197" cy="462769"/>
-          </a:xfrm>
-          <a:prstGeom prst="rect">
-            <a:avLst/>
-          </a:prstGeom>
-          <a:noFill/>
-          <a:extLst>
-            <a:ext uri="{909E8E84-426E-40DD-AFC4-6F175D3DCCD1}">
-              <a14:hiddenFill xmlns:a14="http://schemas.microsoft.com/office/drawing/2010/main">
-                <a:solidFill>
-                  <a:srgbClr val="FFFFFF"/>
-                </a:solidFill>
-              </a14:hiddenFill>
-            </a:ext>
-          </a:extLst>
-        </p:spPr>
-      </p:pic>
-      <p:pic>
-        <p:nvPicPr>
-          <p:cNvPr id="2060" name="Picture 12" descr="Tree Flower | Fantendo - Game Ideas &amp;amp; More | Fandom">
-            <a:extLst>
-              <a:ext uri="{FF2B5EF4-FFF2-40B4-BE49-F238E27FC236}">
-                <a16:creationId xmlns:a16="http://schemas.microsoft.com/office/drawing/2014/main" id="{4CEFF03D-FFEE-4E14-BB17-6C5B1C90FF17}"/>
-              </a:ext>
-            </a:extLst>
-          </p:cNvPr>
-          <p:cNvPicPr>
-            <a:picLocks noChangeAspect="1" noChangeArrowheads="1"/>
-          </p:cNvPicPr>
-          <p:nvPr/>
-        </p:nvPicPr>
-        <p:blipFill>
-          <a:blip r:embed="rId5">
-            <a:extLst>
-              <a:ext uri="{28A0092B-C50C-407E-A947-70E740481C1C}">
-                <a14:useLocalDpi xmlns:a14="http://schemas.microsoft.com/office/drawing/2010/main" val="0"/>
-              </a:ext>
-            </a:extLst>
-          </a:blip>
-          <a:srcRect/>
-          <a:stretch>
-            <a:fillRect/>
-          </a:stretch>
-        </p:blipFill>
-        <p:spPr bwMode="auto">
-          <a:xfrm>
-            <a:off x="8758251" y="5432429"/>
-            <a:ext cx="538862" cy="914225"/>
-          </a:xfrm>
-          <a:prstGeom prst="rect">
-            <a:avLst/>
-          </a:prstGeom>
-          <a:noFill/>
-          <a:extLst>
-            <a:ext uri="{909E8E84-426E-40DD-AFC4-6F175D3DCCD1}">
-              <a14:hiddenFill xmlns:a14="http://schemas.microsoft.com/office/drawing/2010/main">
-                <a:solidFill>
-                  <a:srgbClr val="FFFFFF"/>
-                </a:solidFill>
-              </a14:hiddenFill>
-            </a:ext>
-          </a:extLst>
-        </p:spPr>
-      </p:pic>
-      <p:pic>
-        <p:nvPicPr>
-          <p:cNvPr id="37" name="Picture 12" descr="Tree Flower | Fantendo - Game Ideas &amp;amp; More | Fandom">
-            <a:extLst>
-              <a:ext uri="{FF2B5EF4-FFF2-40B4-BE49-F238E27FC236}">
-                <a16:creationId xmlns:a16="http://schemas.microsoft.com/office/drawing/2014/main" id="{1875EAF9-CFDC-4F3A-91C2-5F036F39473E}"/>
-              </a:ext>
-            </a:extLst>
-          </p:cNvPr>
-          <p:cNvPicPr>
-            <a:picLocks noChangeAspect="1" noChangeArrowheads="1"/>
-          </p:cNvPicPr>
-          <p:nvPr/>
-        </p:nvPicPr>
-        <p:blipFill>
-          <a:blip r:embed="rId5">
-            <a:extLst>
-              <a:ext uri="{28A0092B-C50C-407E-A947-70E740481C1C}">
-                <a14:useLocalDpi xmlns:a14="http://schemas.microsoft.com/office/drawing/2010/main" val="0"/>
-              </a:ext>
-            </a:extLst>
-          </a:blip>
-          <a:srcRect/>
-          <a:stretch>
-            <a:fillRect/>
-          </a:stretch>
-        </p:blipFill>
-        <p:spPr bwMode="auto">
-          <a:xfrm>
-            <a:off x="11615303" y="5379248"/>
-            <a:ext cx="538862" cy="914225"/>
-          </a:xfrm>
-          <a:prstGeom prst="rect">
-            <a:avLst/>
-          </a:prstGeom>
-          <a:noFill/>
-          <a:extLst>
-            <a:ext uri="{909E8E84-426E-40DD-AFC4-6F175D3DCCD1}">
-              <a14:hiddenFill xmlns:a14="http://schemas.microsoft.com/office/drawing/2010/main">
-                <a:solidFill>
-                  <a:srgbClr val="FFFFFF"/>
-                </a:solidFill>
-              </a14:hiddenFill>
-            </a:ext>
-          </a:extLst>
-        </p:spPr>
-      </p:pic>
-      <p:pic>
-        <p:nvPicPr>
-          <p:cNvPr id="38" name="Picture 12" descr="Tree Flower | Fantendo - Game Ideas &amp;amp; More | Fandom">
-            <a:extLst>
-              <a:ext uri="{FF2B5EF4-FFF2-40B4-BE49-F238E27FC236}">
-                <a16:creationId xmlns:a16="http://schemas.microsoft.com/office/drawing/2014/main" id="{840C8C70-53C5-4FA8-AEE4-AEC824E0EC7E}"/>
-              </a:ext>
-            </a:extLst>
-          </p:cNvPr>
-          <p:cNvPicPr>
-            <a:picLocks noChangeAspect="1" noChangeArrowheads="1"/>
-          </p:cNvPicPr>
-          <p:nvPr/>
-        </p:nvPicPr>
-        <p:blipFill>
-          <a:blip r:embed="rId5">
-            <a:extLst>
-              <a:ext uri="{28A0092B-C50C-407E-A947-70E740481C1C}">
-                <a14:useLocalDpi xmlns:a14="http://schemas.microsoft.com/office/drawing/2010/main" val="0"/>
-              </a:ext>
-            </a:extLst>
-          </a:blip>
-          <a:srcRect/>
-          <a:stretch>
-            <a:fillRect/>
-          </a:stretch>
-        </p:blipFill>
-        <p:spPr bwMode="auto">
-          <a:xfrm>
-            <a:off x="10302576" y="5425636"/>
-            <a:ext cx="538862" cy="914225"/>
-          </a:xfrm>
-          <a:prstGeom prst="rect">
-            <a:avLst/>
-          </a:prstGeom>
-          <a:noFill/>
-          <a:extLst>
-            <a:ext uri="{909E8E84-426E-40DD-AFC4-6F175D3DCCD1}">
-              <a14:hiddenFill xmlns:a14="http://schemas.microsoft.com/office/drawing/2010/main">
-                <a:solidFill>
-                  <a:srgbClr val="FFFFFF"/>
-                </a:solidFill>
-              </a14:hiddenFill>
-            </a:ext>
-          </a:extLst>
-        </p:spPr>
-      </p:pic>
-      <p:pic>
-        <p:nvPicPr>
-          <p:cNvPr id="2062" name="Picture 14" descr="Propeller Mario - Super Mario Wiki, the Mario encyclopedia">
-            <a:extLst>
-              <a:ext uri="{FF2B5EF4-FFF2-40B4-BE49-F238E27FC236}">
-                <a16:creationId xmlns:a16="http://schemas.microsoft.com/office/drawing/2014/main" id="{B64E950A-AB7E-4D56-A1F1-B224D3C6F28E}"/>
-              </a:ext>
-            </a:extLst>
-          </p:cNvPr>
-          <p:cNvPicPr>
-            <a:picLocks noChangeAspect="1" noChangeArrowheads="1"/>
-          </p:cNvPicPr>
-          <p:nvPr/>
-        </p:nvPicPr>
-        <p:blipFill>
-          <a:blip r:embed="rId6">
-            <a:extLst>
-              <a:ext uri="{28A0092B-C50C-407E-A947-70E740481C1C}">
-                <a14:useLocalDpi xmlns:a14="http://schemas.microsoft.com/office/drawing/2010/main" val="0"/>
-              </a:ext>
-            </a:extLst>
-          </a:blip>
-          <a:srcRect/>
-          <a:stretch>
-            <a:fillRect/>
-          </a:stretch>
-        </p:blipFill>
-        <p:spPr bwMode="auto">
-          <a:xfrm>
-            <a:off x="9304222" y="1489119"/>
-            <a:ext cx="1428750" cy="2771775"/>
-          </a:xfrm>
-          <a:prstGeom prst="rect">
-            <a:avLst/>
-          </a:prstGeom>
-          <a:noFill/>
-          <a:extLst>
-            <a:ext uri="{909E8E84-426E-40DD-AFC4-6F175D3DCCD1}">
-              <a14:hiddenFill xmlns:a14="http://schemas.microsoft.com/office/drawing/2010/main">
-                <a:solidFill>
-                  <a:srgbClr val="FFFFFF"/>
-                </a:solidFill>
-              </a14:hiddenFill>
-            </a:ext>
-          </a:extLst>
-        </p:spPr>
-      </p:pic>
-      <p:pic>
-        <p:nvPicPr>
-          <p:cNvPr id="2066" name="Picture 18" descr="Bowser - Super Mario Wiki, the Mario encyclopedia">
-            <a:extLst>
-              <a:ext uri="{FF2B5EF4-FFF2-40B4-BE49-F238E27FC236}">
-                <a16:creationId xmlns:a16="http://schemas.microsoft.com/office/drawing/2014/main" id="{2CBD1E73-632E-41A6-96F1-C7626BB6AC90}"/>
-              </a:ext>
-            </a:extLst>
-          </p:cNvPr>
-          <p:cNvPicPr>
-            <a:picLocks noChangeAspect="1" noChangeArrowheads="1"/>
-          </p:cNvPicPr>
-          <p:nvPr/>
-        </p:nvPicPr>
-        <p:blipFill>
-          <a:blip r:embed="rId7">
-            <a:extLst>
-              <a:ext uri="{28A0092B-C50C-407E-A947-70E740481C1C}">
-                <a14:useLocalDpi xmlns:a14="http://schemas.microsoft.com/office/drawing/2010/main" val="0"/>
-              </a:ext>
-            </a:extLst>
-          </a:blip>
-          <a:srcRect/>
-          <a:stretch>
-            <a:fillRect/>
-          </a:stretch>
-        </p:blipFill>
-        <p:spPr bwMode="auto">
-          <a:xfrm>
-            <a:off x="6096000" y="4514818"/>
-            <a:ext cx="1488353" cy="1755036"/>
-          </a:xfrm>
-          <a:prstGeom prst="rect">
-            <a:avLst/>
-          </a:prstGeom>
-          <a:noFill/>
-          <a:extLst>
-            <a:ext uri="{909E8E84-426E-40DD-AFC4-6F175D3DCCD1}">
-              <a14:hiddenFill xmlns:a14="http://schemas.microsoft.com/office/drawing/2010/main">
-                <a:solidFill>
-                  <a:srgbClr val="FFFFFF"/>
-                </a:solidFill>
-              </a14:hiddenFill>
-            </a:ext>
-          </a:extLst>
-        </p:spPr>
-      </p:pic>
-      <p:pic>
-        <p:nvPicPr>
-          <p:cNvPr id="2064" name="Picture 16" descr="Fog | Newer Super Mario Bros. Wiki | Fandom">
-            <a:extLst>
-              <a:ext uri="{FF2B5EF4-FFF2-40B4-BE49-F238E27FC236}">
-                <a16:creationId xmlns:a16="http://schemas.microsoft.com/office/drawing/2014/main" id="{B3969ABF-B5CB-4C7B-9DF5-B9ECBCBBEF03}"/>
-              </a:ext>
-            </a:extLst>
-          </p:cNvPr>
-          <p:cNvPicPr>
-            <a:picLocks noChangeAspect="1" noChangeArrowheads="1"/>
-          </p:cNvPicPr>
-          <p:nvPr/>
-        </p:nvPicPr>
-        <p:blipFill>
-          <a:blip r:embed="rId8">
-            <a:alphaModFix amt="80000"/>
-            <a:extLst>
-              <a:ext uri="{28A0092B-C50C-407E-A947-70E740481C1C}">
-                <a14:useLocalDpi xmlns:a14="http://schemas.microsoft.com/office/drawing/2010/main" val="0"/>
-              </a:ext>
-            </a:extLst>
-          </a:blip>
-          <a:srcRect/>
-          <a:stretch>
-            <a:fillRect/>
-          </a:stretch>
-        </p:blipFill>
-        <p:spPr bwMode="auto">
-          <a:xfrm>
-            <a:off x="6096001" y="4153980"/>
-            <a:ext cx="6095998" cy="2192674"/>
-          </a:xfrm>
-          <a:prstGeom prst="rect">
-            <a:avLst/>
-          </a:prstGeom>
-          <a:noFill/>
-          <a:extLst>
-            <a:ext uri="{909E8E84-426E-40DD-AFC4-6F175D3DCCD1}">
-              <a14:hiddenFill xmlns:a14="http://schemas.microsoft.com/office/drawing/2010/main">
-                <a:solidFill>
-                  <a:srgbClr val="FFFFFF"/>
-                </a:solidFill>
-              </a14:hiddenFill>
-            </a:ext>
-          </a:extLst>
-        </p:spPr>
-      </p:pic>
-      <p:pic>
-        <p:nvPicPr>
-          <p:cNvPr id="42" name="Picture 16" descr="Fog | Newer Super Mario Bros. Wiki | Fandom">
-            <a:extLst>
-              <a:ext uri="{FF2B5EF4-FFF2-40B4-BE49-F238E27FC236}">
-                <a16:creationId xmlns:a16="http://schemas.microsoft.com/office/drawing/2014/main" id="{542BF66F-8DE9-44F1-9D95-16E7755314CA}"/>
-              </a:ext>
-            </a:extLst>
-          </p:cNvPr>
-          <p:cNvPicPr>
-            <a:picLocks noChangeAspect="1" noChangeArrowheads="1"/>
-          </p:cNvPicPr>
-          <p:nvPr/>
-        </p:nvPicPr>
-        <p:blipFill>
-          <a:blip r:embed="rId8">
-            <a:alphaModFix/>
-            <a:extLst>
-              <a:ext uri="{28A0092B-C50C-407E-A947-70E740481C1C}">
-                <a14:useLocalDpi xmlns:a14="http://schemas.microsoft.com/office/drawing/2010/main" val="0"/>
-              </a:ext>
-            </a:extLst>
-          </a:blip>
-          <a:srcRect/>
-          <a:stretch>
-            <a:fillRect/>
-          </a:stretch>
-        </p:blipFill>
-        <p:spPr bwMode="auto">
-          <a:xfrm>
-            <a:off x="6098176" y="4143384"/>
-            <a:ext cx="6095998" cy="462769"/>
-          </a:xfrm>
-          <a:prstGeom prst="rect">
-            <a:avLst/>
-          </a:prstGeom>
-          <a:noFill/>
-          <a:extLst>
-            <a:ext uri="{909E8E84-426E-40DD-AFC4-6F175D3DCCD1}">
-              <a14:hiddenFill xmlns:a14="http://schemas.microsoft.com/office/drawing/2010/main">
-                <a:solidFill>
-                  <a:srgbClr val="FFFFFF"/>
-                </a:solidFill>
-              </a14:hiddenFill>
-            </a:ext>
-          </a:extLst>
-        </p:spPr>
-      </p:pic>
     </p:spTree>
     <p:extLst>
       <p:ext uri="{BB962C8B-B14F-4D97-AF65-F5344CB8AC3E}">
@@ -13592,6 +15577,401 @@
   <p:clrMapOvr>
     <a:masterClrMapping/>
   </p:clrMapOvr>
+  <p:timing>
+    <p:tnLst>
+      <p:par>
+        <p:cTn id="1" dur="indefinite" restart="never" nodeType="tmRoot">
+          <p:childTnLst>
+            <p:seq concurrent="1" nextAc="seek">
+              <p:cTn id="2" dur="indefinite" nodeType="mainSeq">
+                <p:childTnLst>
+                  <p:par>
+                    <p:cTn id="3" fill="hold">
+                      <p:stCondLst>
+                        <p:cond delay="indefinite"/>
+                      </p:stCondLst>
+                      <p:childTnLst>
+                        <p:par>
+                          <p:cTn id="4" fill="hold">
+                            <p:stCondLst>
+                              <p:cond delay="0"/>
+                            </p:stCondLst>
+                            <p:childTnLst>
+                              <p:par>
+                                <p:cTn id="5" presetID="1" presetClass="entr" presetSubtype="0" fill="hold" nodeType="clickEffect">
+                                  <p:stCondLst>
+                                    <p:cond delay="0"/>
+                                  </p:stCondLst>
+                                  <p:childTnLst>
+                                    <p:set>
+                                      <p:cBhvr>
+                                        <p:cTn id="6" dur="1" fill="hold">
+                                          <p:stCondLst>
+                                            <p:cond delay="0"/>
+                                          </p:stCondLst>
+                                        </p:cTn>
+                                        <p:tgtEl>
+                                          <p:spTgt spid="6">
+                                            <p:txEl>
+                                              <p:pRg st="1" end="1"/>
+                                            </p:txEl>
+                                          </p:spTgt>
+                                        </p:tgtEl>
+                                        <p:attrNameLst>
+                                          <p:attrName>style.visibility</p:attrName>
+                                        </p:attrNameLst>
+                                      </p:cBhvr>
+                                      <p:to>
+                                        <p:strVal val="visible"/>
+                                      </p:to>
+                                    </p:set>
+                                  </p:childTnLst>
+                                </p:cTn>
+                              </p:par>
+                              <p:par>
+                                <p:cTn id="7" presetID="1" presetClass="entr" presetSubtype="0" fill="hold" nodeType="withEffect">
+                                  <p:stCondLst>
+                                    <p:cond delay="0"/>
+                                  </p:stCondLst>
+                                  <p:childTnLst>
+                                    <p:set>
+                                      <p:cBhvr>
+                                        <p:cTn id="8" dur="1" fill="hold">
+                                          <p:stCondLst>
+                                            <p:cond delay="0"/>
+                                          </p:stCondLst>
+                                        </p:cTn>
+                                        <p:tgtEl>
+                                          <p:spTgt spid="6">
+                                            <p:txEl>
+                                              <p:pRg st="2" end="2"/>
+                                            </p:txEl>
+                                          </p:spTgt>
+                                        </p:tgtEl>
+                                        <p:attrNameLst>
+                                          <p:attrName>style.visibility</p:attrName>
+                                        </p:attrNameLst>
+                                      </p:cBhvr>
+                                      <p:to>
+                                        <p:strVal val="visible"/>
+                                      </p:to>
+                                    </p:set>
+                                  </p:childTnLst>
+                                </p:cTn>
+                              </p:par>
+                            </p:childTnLst>
+                          </p:cTn>
+                        </p:par>
+                      </p:childTnLst>
+                    </p:cTn>
+                  </p:par>
+                  <p:par>
+                    <p:cTn id="9" fill="hold">
+                      <p:stCondLst>
+                        <p:cond delay="indefinite"/>
+                      </p:stCondLst>
+                      <p:childTnLst>
+                        <p:par>
+                          <p:cTn id="10" fill="hold">
+                            <p:stCondLst>
+                              <p:cond delay="0"/>
+                            </p:stCondLst>
+                            <p:childTnLst>
+                              <p:par>
+                                <p:cTn id="11" presetID="1" presetClass="entr" presetSubtype="0" fill="hold" nodeType="clickEffect">
+                                  <p:stCondLst>
+                                    <p:cond delay="0"/>
+                                  </p:stCondLst>
+                                  <p:childTnLst>
+                                    <p:set>
+                                      <p:cBhvr>
+                                        <p:cTn id="12" dur="1" fill="hold">
+                                          <p:stCondLst>
+                                            <p:cond delay="0"/>
+                                          </p:stCondLst>
+                                        </p:cTn>
+                                        <p:tgtEl>
+                                          <p:spTgt spid="6">
+                                            <p:txEl>
+                                              <p:pRg st="3" end="3"/>
+                                            </p:txEl>
+                                          </p:spTgt>
+                                        </p:tgtEl>
+                                        <p:attrNameLst>
+                                          <p:attrName>style.visibility</p:attrName>
+                                        </p:attrNameLst>
+                                      </p:cBhvr>
+                                      <p:to>
+                                        <p:strVal val="visible"/>
+                                      </p:to>
+                                    </p:set>
+                                  </p:childTnLst>
+                                </p:cTn>
+                              </p:par>
+                              <p:par>
+                                <p:cTn id="13" presetID="1" presetClass="entr" presetSubtype="0" fill="hold" nodeType="withEffect">
+                                  <p:stCondLst>
+                                    <p:cond delay="0"/>
+                                  </p:stCondLst>
+                                  <p:childTnLst>
+                                    <p:set>
+                                      <p:cBhvr>
+                                        <p:cTn id="14" dur="1" fill="hold">
+                                          <p:stCondLst>
+                                            <p:cond delay="0"/>
+                                          </p:stCondLst>
+                                        </p:cTn>
+                                        <p:tgtEl>
+                                          <p:spTgt spid="6">
+                                            <p:txEl>
+                                              <p:pRg st="4" end="4"/>
+                                            </p:txEl>
+                                          </p:spTgt>
+                                        </p:tgtEl>
+                                        <p:attrNameLst>
+                                          <p:attrName>style.visibility</p:attrName>
+                                        </p:attrNameLst>
+                                      </p:cBhvr>
+                                      <p:to>
+                                        <p:strVal val="visible"/>
+                                      </p:to>
+                                    </p:set>
+                                  </p:childTnLst>
+                                </p:cTn>
+                              </p:par>
+                            </p:childTnLst>
+                          </p:cTn>
+                        </p:par>
+                      </p:childTnLst>
+                    </p:cTn>
+                  </p:par>
+                  <p:par>
+                    <p:cTn id="15" fill="hold">
+                      <p:stCondLst>
+                        <p:cond delay="indefinite"/>
+                      </p:stCondLst>
+                      <p:childTnLst>
+                        <p:par>
+                          <p:cTn id="16" fill="hold">
+                            <p:stCondLst>
+                              <p:cond delay="0"/>
+                            </p:stCondLst>
+                            <p:childTnLst>
+                              <p:par>
+                                <p:cTn id="17" presetID="1" presetClass="entr" presetSubtype="0" fill="hold" nodeType="clickEffect">
+                                  <p:stCondLst>
+                                    <p:cond delay="0"/>
+                                  </p:stCondLst>
+                                  <p:childTnLst>
+                                    <p:set>
+                                      <p:cBhvr>
+                                        <p:cTn id="18" dur="1" fill="hold">
+                                          <p:stCondLst>
+                                            <p:cond delay="0"/>
+                                          </p:stCondLst>
+                                        </p:cTn>
+                                        <p:tgtEl>
+                                          <p:spTgt spid="6">
+                                            <p:txEl>
+                                              <p:pRg st="5" end="5"/>
+                                            </p:txEl>
+                                          </p:spTgt>
+                                        </p:tgtEl>
+                                        <p:attrNameLst>
+                                          <p:attrName>style.visibility</p:attrName>
+                                        </p:attrNameLst>
+                                      </p:cBhvr>
+                                      <p:to>
+                                        <p:strVal val="visible"/>
+                                      </p:to>
+                                    </p:set>
+                                  </p:childTnLst>
+                                </p:cTn>
+                              </p:par>
+                              <p:par>
+                                <p:cTn id="19" presetID="1" presetClass="entr" presetSubtype="0" fill="hold" nodeType="withEffect">
+                                  <p:stCondLst>
+                                    <p:cond delay="0"/>
+                                  </p:stCondLst>
+                                  <p:childTnLst>
+                                    <p:set>
+                                      <p:cBhvr>
+                                        <p:cTn id="20" dur="1" fill="hold">
+                                          <p:stCondLst>
+                                            <p:cond delay="0"/>
+                                          </p:stCondLst>
+                                        </p:cTn>
+                                        <p:tgtEl>
+                                          <p:spTgt spid="6">
+                                            <p:txEl>
+                                              <p:pRg st="6" end="6"/>
+                                            </p:txEl>
+                                          </p:spTgt>
+                                        </p:tgtEl>
+                                        <p:attrNameLst>
+                                          <p:attrName>style.visibility</p:attrName>
+                                        </p:attrNameLst>
+                                      </p:cBhvr>
+                                      <p:to>
+                                        <p:strVal val="visible"/>
+                                      </p:to>
+                                    </p:set>
+                                  </p:childTnLst>
+                                </p:cTn>
+                              </p:par>
+                            </p:childTnLst>
+                          </p:cTn>
+                        </p:par>
+                      </p:childTnLst>
+                    </p:cTn>
+                  </p:par>
+                  <p:par>
+                    <p:cTn id="21" fill="hold">
+                      <p:stCondLst>
+                        <p:cond delay="indefinite"/>
+                      </p:stCondLst>
+                      <p:childTnLst>
+                        <p:par>
+                          <p:cTn id="22" fill="hold">
+                            <p:stCondLst>
+                              <p:cond delay="0"/>
+                            </p:stCondLst>
+                            <p:childTnLst>
+                              <p:par>
+                                <p:cTn id="23" presetID="1" presetClass="entr" presetSubtype="0" fill="hold" nodeType="clickEffect">
+                                  <p:stCondLst>
+                                    <p:cond delay="0"/>
+                                  </p:stCondLst>
+                                  <p:childTnLst>
+                                    <p:set>
+                                      <p:cBhvr>
+                                        <p:cTn id="24" dur="1" fill="hold">
+                                          <p:stCondLst>
+                                            <p:cond delay="0"/>
+                                          </p:stCondLst>
+                                        </p:cTn>
+                                        <p:tgtEl>
+                                          <p:spTgt spid="6">
+                                            <p:txEl>
+                                              <p:pRg st="7" end="7"/>
+                                            </p:txEl>
+                                          </p:spTgt>
+                                        </p:tgtEl>
+                                        <p:attrNameLst>
+                                          <p:attrName>style.visibility</p:attrName>
+                                        </p:attrNameLst>
+                                      </p:cBhvr>
+                                      <p:to>
+                                        <p:strVal val="visible"/>
+                                      </p:to>
+                                    </p:set>
+                                  </p:childTnLst>
+                                </p:cTn>
+                              </p:par>
+                              <p:par>
+                                <p:cTn id="25" presetID="1" presetClass="entr" presetSubtype="0" fill="hold" nodeType="withEffect">
+                                  <p:stCondLst>
+                                    <p:cond delay="0"/>
+                                  </p:stCondLst>
+                                  <p:childTnLst>
+                                    <p:set>
+                                      <p:cBhvr>
+                                        <p:cTn id="26" dur="1" fill="hold">
+                                          <p:stCondLst>
+                                            <p:cond delay="0"/>
+                                          </p:stCondLst>
+                                        </p:cTn>
+                                        <p:tgtEl>
+                                          <p:spTgt spid="8"/>
+                                        </p:tgtEl>
+                                        <p:attrNameLst>
+                                          <p:attrName>style.visibility</p:attrName>
+                                        </p:attrNameLst>
+                                      </p:cBhvr>
+                                      <p:to>
+                                        <p:strVal val="visible"/>
+                                      </p:to>
+                                    </p:set>
+                                  </p:childTnLst>
+                                </p:cTn>
+                              </p:par>
+                            </p:childTnLst>
+                          </p:cTn>
+                        </p:par>
+                      </p:childTnLst>
+                    </p:cTn>
+                  </p:par>
+                  <p:par>
+                    <p:cTn id="27" fill="hold">
+                      <p:stCondLst>
+                        <p:cond delay="indefinite"/>
+                      </p:stCondLst>
+                      <p:childTnLst>
+                        <p:par>
+                          <p:cTn id="28" fill="hold">
+                            <p:stCondLst>
+                              <p:cond delay="0"/>
+                            </p:stCondLst>
+                            <p:childTnLst>
+                              <p:par>
+                                <p:cTn id="29" presetID="1" presetClass="entr" presetSubtype="0" fill="hold" nodeType="clickEffect">
+                                  <p:stCondLst>
+                                    <p:cond delay="0"/>
+                                  </p:stCondLst>
+                                  <p:childTnLst>
+                                    <p:set>
+                                      <p:cBhvr>
+                                        <p:cTn id="30" dur="1" fill="hold">
+                                          <p:stCondLst>
+                                            <p:cond delay="0"/>
+                                          </p:stCondLst>
+                                        </p:cTn>
+                                        <p:tgtEl>
+                                          <p:spTgt spid="6">
+                                            <p:txEl>
+                                              <p:pRg st="8" end="8"/>
+                                            </p:txEl>
+                                          </p:spTgt>
+                                        </p:tgtEl>
+                                        <p:attrNameLst>
+                                          <p:attrName>style.visibility</p:attrName>
+                                        </p:attrNameLst>
+                                      </p:cBhvr>
+                                      <p:to>
+                                        <p:strVal val="visible"/>
+                                      </p:to>
+                                    </p:set>
+                                  </p:childTnLst>
+                                </p:cTn>
+                              </p:par>
+                            </p:childTnLst>
+                          </p:cTn>
+                        </p:par>
+                      </p:childTnLst>
+                    </p:cTn>
+                  </p:par>
+                </p:childTnLst>
+              </p:cTn>
+              <p:prevCondLst>
+                <p:cond evt="onPrev" delay="0">
+                  <p:tgtEl>
+                    <p:sldTgt/>
+                  </p:tgtEl>
+                </p:cond>
+              </p:prevCondLst>
+              <p:nextCondLst>
+                <p:cond evt="onNext" delay="0">
+                  <p:tgtEl>
+                    <p:sldTgt/>
+                  </p:tgtEl>
+                </p:cond>
+              </p:nextCondLst>
+            </p:seq>
+          </p:childTnLst>
+        </p:cTn>
+      </p:par>
+    </p:tnLst>
+  </p:timing>
 </p:sld>
 </file>
 
@@ -14532,6 +16912,405 @@
   <p:clrMapOvr>
     <a:masterClrMapping/>
   </p:clrMapOvr>
+  <p:timing>
+    <p:tnLst>
+      <p:par>
+        <p:cTn id="1" dur="indefinite" restart="never" nodeType="tmRoot">
+          <p:childTnLst>
+            <p:seq concurrent="1" nextAc="seek">
+              <p:cTn id="2" dur="indefinite" nodeType="mainSeq">
+                <p:childTnLst>
+                  <p:par>
+                    <p:cTn id="3" fill="hold">
+                      <p:stCondLst>
+                        <p:cond delay="indefinite"/>
+                      </p:stCondLst>
+                      <p:childTnLst>
+                        <p:par>
+                          <p:cTn id="4" fill="hold">
+                            <p:stCondLst>
+                              <p:cond delay="0"/>
+                            </p:stCondLst>
+                            <p:childTnLst>
+                              <p:par>
+                                <p:cTn id="5" presetID="1" presetClass="entr" presetSubtype="0" fill="hold" nodeType="clickEffect">
+                                  <p:stCondLst>
+                                    <p:cond delay="0"/>
+                                  </p:stCondLst>
+                                  <p:childTnLst>
+                                    <p:set>
+                                      <p:cBhvr>
+                                        <p:cTn id="6" dur="1" fill="hold">
+                                          <p:stCondLst>
+                                            <p:cond delay="0"/>
+                                          </p:stCondLst>
+                                        </p:cTn>
+                                        <p:tgtEl>
+                                          <p:spTgt spid="6">
+                                            <p:txEl>
+                                              <p:pRg st="2" end="2"/>
+                                            </p:txEl>
+                                          </p:spTgt>
+                                        </p:tgtEl>
+                                        <p:attrNameLst>
+                                          <p:attrName>style.visibility</p:attrName>
+                                        </p:attrNameLst>
+                                      </p:cBhvr>
+                                      <p:to>
+                                        <p:strVal val="visible"/>
+                                      </p:to>
+                                    </p:set>
+                                  </p:childTnLst>
+                                </p:cTn>
+                              </p:par>
+                            </p:childTnLst>
+                          </p:cTn>
+                        </p:par>
+                      </p:childTnLst>
+                    </p:cTn>
+                  </p:par>
+                  <p:par>
+                    <p:cTn id="7" fill="hold">
+                      <p:stCondLst>
+                        <p:cond delay="indefinite"/>
+                      </p:stCondLst>
+                      <p:childTnLst>
+                        <p:par>
+                          <p:cTn id="8" fill="hold">
+                            <p:stCondLst>
+                              <p:cond delay="0"/>
+                            </p:stCondLst>
+                            <p:childTnLst>
+                              <p:par>
+                                <p:cTn id="9" presetID="1" presetClass="entr" presetSubtype="0" fill="hold" nodeType="clickEffect">
+                                  <p:stCondLst>
+                                    <p:cond delay="0"/>
+                                  </p:stCondLst>
+                                  <p:childTnLst>
+                                    <p:set>
+                                      <p:cBhvr>
+                                        <p:cTn id="10" dur="1" fill="hold">
+                                          <p:stCondLst>
+                                            <p:cond delay="0"/>
+                                          </p:stCondLst>
+                                        </p:cTn>
+                                        <p:tgtEl>
+                                          <p:spTgt spid="6">
+                                            <p:txEl>
+                                              <p:pRg st="3" end="3"/>
+                                            </p:txEl>
+                                          </p:spTgt>
+                                        </p:tgtEl>
+                                        <p:attrNameLst>
+                                          <p:attrName>style.visibility</p:attrName>
+                                        </p:attrNameLst>
+                                      </p:cBhvr>
+                                      <p:to>
+                                        <p:strVal val="visible"/>
+                                      </p:to>
+                                    </p:set>
+                                  </p:childTnLst>
+                                </p:cTn>
+                              </p:par>
+                              <p:par>
+                                <p:cTn id="11" presetID="1" presetClass="entr" presetSubtype="0" fill="hold" nodeType="withEffect">
+                                  <p:stCondLst>
+                                    <p:cond delay="0"/>
+                                  </p:stCondLst>
+                                  <p:childTnLst>
+                                    <p:set>
+                                      <p:cBhvr>
+                                        <p:cTn id="12" dur="1" fill="hold">
+                                          <p:stCondLst>
+                                            <p:cond delay="0"/>
+                                          </p:stCondLst>
+                                        </p:cTn>
+                                        <p:tgtEl>
+                                          <p:spTgt spid="6">
+                                            <p:txEl>
+                                              <p:pRg st="4" end="4"/>
+                                            </p:txEl>
+                                          </p:spTgt>
+                                        </p:tgtEl>
+                                        <p:attrNameLst>
+                                          <p:attrName>style.visibility</p:attrName>
+                                        </p:attrNameLst>
+                                      </p:cBhvr>
+                                      <p:to>
+                                        <p:strVal val="visible"/>
+                                      </p:to>
+                                    </p:set>
+                                  </p:childTnLst>
+                                </p:cTn>
+                              </p:par>
+                            </p:childTnLst>
+                          </p:cTn>
+                        </p:par>
+                      </p:childTnLst>
+                    </p:cTn>
+                  </p:par>
+                  <p:par>
+                    <p:cTn id="13" fill="hold">
+                      <p:stCondLst>
+                        <p:cond delay="indefinite"/>
+                      </p:stCondLst>
+                      <p:childTnLst>
+                        <p:par>
+                          <p:cTn id="14" fill="hold">
+                            <p:stCondLst>
+                              <p:cond delay="0"/>
+                            </p:stCondLst>
+                            <p:childTnLst>
+                              <p:par>
+                                <p:cTn id="15" presetID="1" presetClass="entr" presetSubtype="0" fill="hold" nodeType="clickEffect">
+                                  <p:stCondLst>
+                                    <p:cond delay="0"/>
+                                  </p:stCondLst>
+                                  <p:childTnLst>
+                                    <p:set>
+                                      <p:cBhvr>
+                                        <p:cTn id="16" dur="1" fill="hold">
+                                          <p:stCondLst>
+                                            <p:cond delay="0"/>
+                                          </p:stCondLst>
+                                        </p:cTn>
+                                        <p:tgtEl>
+                                          <p:spTgt spid="6">
+                                            <p:txEl>
+                                              <p:pRg st="5" end="5"/>
+                                            </p:txEl>
+                                          </p:spTgt>
+                                        </p:tgtEl>
+                                        <p:attrNameLst>
+                                          <p:attrName>style.visibility</p:attrName>
+                                        </p:attrNameLst>
+                                      </p:cBhvr>
+                                      <p:to>
+                                        <p:strVal val="visible"/>
+                                      </p:to>
+                                    </p:set>
+                                  </p:childTnLst>
+                                </p:cTn>
+                              </p:par>
+                              <p:par>
+                                <p:cTn id="17" presetID="1" presetClass="entr" presetSubtype="0" fill="hold" nodeType="withEffect">
+                                  <p:stCondLst>
+                                    <p:cond delay="0"/>
+                                  </p:stCondLst>
+                                  <p:childTnLst>
+                                    <p:set>
+                                      <p:cBhvr>
+                                        <p:cTn id="18" dur="1" fill="hold">
+                                          <p:stCondLst>
+                                            <p:cond delay="0"/>
+                                          </p:stCondLst>
+                                        </p:cTn>
+                                        <p:tgtEl>
+                                          <p:spTgt spid="6">
+                                            <p:txEl>
+                                              <p:pRg st="6" end="6"/>
+                                            </p:txEl>
+                                          </p:spTgt>
+                                        </p:tgtEl>
+                                        <p:attrNameLst>
+                                          <p:attrName>style.visibility</p:attrName>
+                                        </p:attrNameLst>
+                                      </p:cBhvr>
+                                      <p:to>
+                                        <p:strVal val="visible"/>
+                                      </p:to>
+                                    </p:set>
+                                  </p:childTnLst>
+                                </p:cTn>
+                              </p:par>
+                            </p:childTnLst>
+                          </p:cTn>
+                        </p:par>
+                      </p:childTnLst>
+                    </p:cTn>
+                  </p:par>
+                  <p:par>
+                    <p:cTn id="19" fill="hold">
+                      <p:stCondLst>
+                        <p:cond delay="indefinite"/>
+                      </p:stCondLst>
+                      <p:childTnLst>
+                        <p:par>
+                          <p:cTn id="20" fill="hold">
+                            <p:stCondLst>
+                              <p:cond delay="0"/>
+                            </p:stCondLst>
+                            <p:childTnLst>
+                              <p:par>
+                                <p:cTn id="21" presetID="1" presetClass="entr" presetSubtype="0" fill="hold" nodeType="clickEffect">
+                                  <p:stCondLst>
+                                    <p:cond delay="0"/>
+                                  </p:stCondLst>
+                                  <p:childTnLst>
+                                    <p:set>
+                                      <p:cBhvr>
+                                        <p:cTn id="22" dur="1" fill="hold">
+                                          <p:stCondLst>
+                                            <p:cond delay="0"/>
+                                          </p:stCondLst>
+                                        </p:cTn>
+                                        <p:tgtEl>
+                                          <p:spTgt spid="6">
+                                            <p:txEl>
+                                              <p:pRg st="7" end="7"/>
+                                            </p:txEl>
+                                          </p:spTgt>
+                                        </p:tgtEl>
+                                        <p:attrNameLst>
+                                          <p:attrName>style.visibility</p:attrName>
+                                        </p:attrNameLst>
+                                      </p:cBhvr>
+                                      <p:to>
+                                        <p:strVal val="visible"/>
+                                      </p:to>
+                                    </p:set>
+                                  </p:childTnLst>
+                                </p:cTn>
+                              </p:par>
+                            </p:childTnLst>
+                          </p:cTn>
+                        </p:par>
+                      </p:childTnLst>
+                    </p:cTn>
+                  </p:par>
+                  <p:par>
+                    <p:cTn id="23" fill="hold">
+                      <p:stCondLst>
+                        <p:cond delay="indefinite"/>
+                      </p:stCondLst>
+                      <p:childTnLst>
+                        <p:par>
+                          <p:cTn id="24" fill="hold">
+                            <p:stCondLst>
+                              <p:cond delay="0"/>
+                            </p:stCondLst>
+                            <p:childTnLst>
+                              <p:par>
+                                <p:cTn id="25" presetID="1" presetClass="entr" presetSubtype="0" fill="hold" nodeType="clickEffect">
+                                  <p:stCondLst>
+                                    <p:cond delay="0"/>
+                                  </p:stCondLst>
+                                  <p:childTnLst>
+                                    <p:set>
+                                      <p:cBhvr>
+                                        <p:cTn id="26" dur="1" fill="hold">
+                                          <p:stCondLst>
+                                            <p:cond delay="0"/>
+                                          </p:stCondLst>
+                                        </p:cTn>
+                                        <p:tgtEl>
+                                          <p:spTgt spid="6">
+                                            <p:txEl>
+                                              <p:pRg st="8" end="8"/>
+                                            </p:txEl>
+                                          </p:spTgt>
+                                        </p:tgtEl>
+                                        <p:attrNameLst>
+                                          <p:attrName>style.visibility</p:attrName>
+                                        </p:attrNameLst>
+                                      </p:cBhvr>
+                                      <p:to>
+                                        <p:strVal val="visible"/>
+                                      </p:to>
+                                    </p:set>
+                                  </p:childTnLst>
+                                </p:cTn>
+                              </p:par>
+                              <p:par>
+                                <p:cTn id="27" presetID="1" presetClass="entr" presetSubtype="0" fill="hold" nodeType="withEffect">
+                                  <p:stCondLst>
+                                    <p:cond delay="0"/>
+                                  </p:stCondLst>
+                                  <p:childTnLst>
+                                    <p:set>
+                                      <p:cBhvr>
+                                        <p:cTn id="28" dur="1" fill="hold">
+                                          <p:stCondLst>
+                                            <p:cond delay="0"/>
+                                          </p:stCondLst>
+                                        </p:cTn>
+                                        <p:tgtEl>
+                                          <p:spTgt spid="6">
+                                            <p:txEl>
+                                              <p:pRg st="9" end="9"/>
+                                            </p:txEl>
+                                          </p:spTgt>
+                                        </p:tgtEl>
+                                        <p:attrNameLst>
+                                          <p:attrName>style.visibility</p:attrName>
+                                        </p:attrNameLst>
+                                      </p:cBhvr>
+                                      <p:to>
+                                        <p:strVal val="visible"/>
+                                      </p:to>
+                                    </p:set>
+                                  </p:childTnLst>
+                                </p:cTn>
+                              </p:par>
+                              <p:par>
+                                <p:cTn id="29" presetID="1" presetClass="entr" presetSubtype="0" fill="hold" nodeType="withEffect">
+                                  <p:stCondLst>
+                                    <p:cond delay="0"/>
+                                  </p:stCondLst>
+                                  <p:childTnLst>
+                                    <p:set>
+                                      <p:cBhvr>
+                                        <p:cTn id="30" dur="1" fill="hold">
+                                          <p:stCondLst>
+                                            <p:cond delay="0"/>
+                                          </p:stCondLst>
+                                        </p:cTn>
+                                        <p:tgtEl>
+                                          <p:spTgt spid="6">
+                                            <p:txEl>
+                                              <p:pRg st="10" end="10"/>
+                                            </p:txEl>
+                                          </p:spTgt>
+                                        </p:tgtEl>
+                                        <p:attrNameLst>
+                                          <p:attrName>style.visibility</p:attrName>
+                                        </p:attrNameLst>
+                                      </p:cBhvr>
+                                      <p:to>
+                                        <p:strVal val="visible"/>
+                                      </p:to>
+                                    </p:set>
+                                  </p:childTnLst>
+                                </p:cTn>
+                              </p:par>
+                            </p:childTnLst>
+                          </p:cTn>
+                        </p:par>
+                      </p:childTnLst>
+                    </p:cTn>
+                  </p:par>
+                </p:childTnLst>
+              </p:cTn>
+              <p:prevCondLst>
+                <p:cond evt="onPrev" delay="0">
+                  <p:tgtEl>
+                    <p:sldTgt/>
+                  </p:tgtEl>
+                </p:cond>
+              </p:prevCondLst>
+              <p:nextCondLst>
+                <p:cond evt="onNext" delay="0">
+                  <p:tgtEl>
+                    <p:sldTgt/>
+                  </p:tgtEl>
+                </p:cond>
+              </p:nextCondLst>
+            </p:seq>
+          </p:childTnLst>
+        </p:cTn>
+      </p:par>
+    </p:tnLst>
+  </p:timing>
 </p:sld>
 </file>
 
@@ -15767,6 +18546,281 @@
   <p:clrMapOvr>
     <a:masterClrMapping/>
   </p:clrMapOvr>
+  <p:timing>
+    <p:tnLst>
+      <p:par>
+        <p:cTn id="1" dur="indefinite" restart="never" nodeType="tmRoot">
+          <p:childTnLst>
+            <p:seq concurrent="1" nextAc="seek">
+              <p:cTn id="2" dur="indefinite" nodeType="mainSeq">
+                <p:childTnLst>
+                  <p:par>
+                    <p:cTn id="3" fill="hold">
+                      <p:stCondLst>
+                        <p:cond delay="indefinite"/>
+                      </p:stCondLst>
+                      <p:childTnLst>
+                        <p:par>
+                          <p:cTn id="4" fill="hold">
+                            <p:stCondLst>
+                              <p:cond delay="0"/>
+                            </p:stCondLst>
+                            <p:childTnLst>
+                              <p:par>
+                                <p:cTn id="5" presetID="1" presetClass="entr" presetSubtype="0" fill="hold" nodeType="clickEffect">
+                                  <p:stCondLst>
+                                    <p:cond delay="0"/>
+                                  </p:stCondLst>
+                                  <p:childTnLst>
+                                    <p:set>
+                                      <p:cBhvr>
+                                        <p:cTn id="6" dur="1" fill="hold">
+                                          <p:stCondLst>
+                                            <p:cond delay="0"/>
+                                          </p:stCondLst>
+                                        </p:cTn>
+                                        <p:tgtEl>
+                                          <p:spTgt spid="6">
+                                            <p:txEl>
+                                              <p:pRg st="1" end="1"/>
+                                            </p:txEl>
+                                          </p:spTgt>
+                                        </p:tgtEl>
+                                        <p:attrNameLst>
+                                          <p:attrName>style.visibility</p:attrName>
+                                        </p:attrNameLst>
+                                      </p:cBhvr>
+                                      <p:to>
+                                        <p:strVal val="visible"/>
+                                      </p:to>
+                                    </p:set>
+                                  </p:childTnLst>
+                                </p:cTn>
+                              </p:par>
+                            </p:childTnLst>
+                          </p:cTn>
+                        </p:par>
+                      </p:childTnLst>
+                    </p:cTn>
+                  </p:par>
+                  <p:par>
+                    <p:cTn id="7" fill="hold">
+                      <p:stCondLst>
+                        <p:cond delay="indefinite"/>
+                      </p:stCondLst>
+                      <p:childTnLst>
+                        <p:par>
+                          <p:cTn id="8" fill="hold">
+                            <p:stCondLst>
+                              <p:cond delay="0"/>
+                            </p:stCondLst>
+                            <p:childTnLst>
+                              <p:par>
+                                <p:cTn id="9" presetID="1" presetClass="entr" presetSubtype="0" fill="hold" nodeType="clickEffect">
+                                  <p:stCondLst>
+                                    <p:cond delay="0"/>
+                                  </p:stCondLst>
+                                  <p:childTnLst>
+                                    <p:set>
+                                      <p:cBhvr>
+                                        <p:cTn id="10" dur="1" fill="hold">
+                                          <p:stCondLst>
+                                            <p:cond delay="0"/>
+                                          </p:stCondLst>
+                                        </p:cTn>
+                                        <p:tgtEl>
+                                          <p:spTgt spid="6">
+                                            <p:txEl>
+                                              <p:pRg st="2" end="2"/>
+                                            </p:txEl>
+                                          </p:spTgt>
+                                        </p:tgtEl>
+                                        <p:attrNameLst>
+                                          <p:attrName>style.visibility</p:attrName>
+                                        </p:attrNameLst>
+                                      </p:cBhvr>
+                                      <p:to>
+                                        <p:strVal val="visible"/>
+                                      </p:to>
+                                    </p:set>
+                                  </p:childTnLst>
+                                </p:cTn>
+                              </p:par>
+                            </p:childTnLst>
+                          </p:cTn>
+                        </p:par>
+                      </p:childTnLst>
+                    </p:cTn>
+                  </p:par>
+                  <p:par>
+                    <p:cTn id="11" fill="hold">
+                      <p:stCondLst>
+                        <p:cond delay="indefinite"/>
+                      </p:stCondLst>
+                      <p:childTnLst>
+                        <p:par>
+                          <p:cTn id="12" fill="hold">
+                            <p:stCondLst>
+                              <p:cond delay="0"/>
+                            </p:stCondLst>
+                            <p:childTnLst>
+                              <p:par>
+                                <p:cTn id="13" presetID="1" presetClass="entr" presetSubtype="0" fill="hold" nodeType="clickEffect">
+                                  <p:stCondLst>
+                                    <p:cond delay="0"/>
+                                  </p:stCondLst>
+                                  <p:childTnLst>
+                                    <p:set>
+                                      <p:cBhvr>
+                                        <p:cTn id="14" dur="1" fill="hold">
+                                          <p:stCondLst>
+                                            <p:cond delay="0"/>
+                                          </p:stCondLst>
+                                        </p:cTn>
+                                        <p:tgtEl>
+                                          <p:spTgt spid="6">
+                                            <p:txEl>
+                                              <p:pRg st="3" end="3"/>
+                                            </p:txEl>
+                                          </p:spTgt>
+                                        </p:tgtEl>
+                                        <p:attrNameLst>
+                                          <p:attrName>style.visibility</p:attrName>
+                                        </p:attrNameLst>
+                                      </p:cBhvr>
+                                      <p:to>
+                                        <p:strVal val="visible"/>
+                                      </p:to>
+                                    </p:set>
+                                  </p:childTnLst>
+                                </p:cTn>
+                              </p:par>
+                            </p:childTnLst>
+                          </p:cTn>
+                        </p:par>
+                      </p:childTnLst>
+                    </p:cTn>
+                  </p:par>
+                  <p:par>
+                    <p:cTn id="15" fill="hold">
+                      <p:stCondLst>
+                        <p:cond delay="indefinite"/>
+                      </p:stCondLst>
+                      <p:childTnLst>
+                        <p:par>
+                          <p:cTn id="16" fill="hold">
+                            <p:stCondLst>
+                              <p:cond delay="0"/>
+                            </p:stCondLst>
+                            <p:childTnLst>
+                              <p:par>
+                                <p:cTn id="17" presetID="1" presetClass="entr" presetSubtype="0" fill="hold" nodeType="clickEffect">
+                                  <p:stCondLst>
+                                    <p:cond delay="0"/>
+                                  </p:stCondLst>
+                                  <p:childTnLst>
+                                    <p:set>
+                                      <p:cBhvr>
+                                        <p:cTn id="18" dur="1" fill="hold">
+                                          <p:stCondLst>
+                                            <p:cond delay="0"/>
+                                          </p:stCondLst>
+                                        </p:cTn>
+                                        <p:tgtEl>
+                                          <p:spTgt spid="6">
+                                            <p:txEl>
+                                              <p:pRg st="4" end="4"/>
+                                            </p:txEl>
+                                          </p:spTgt>
+                                        </p:tgtEl>
+                                        <p:attrNameLst>
+                                          <p:attrName>style.visibility</p:attrName>
+                                        </p:attrNameLst>
+                                      </p:cBhvr>
+                                      <p:to>
+                                        <p:strVal val="visible"/>
+                                      </p:to>
+                                    </p:set>
+                                  </p:childTnLst>
+                                </p:cTn>
+                              </p:par>
+                            </p:childTnLst>
+                          </p:cTn>
+                        </p:par>
+                      </p:childTnLst>
+                    </p:cTn>
+                  </p:par>
+                  <p:par>
+                    <p:cTn id="19" fill="hold">
+                      <p:stCondLst>
+                        <p:cond delay="indefinite"/>
+                      </p:stCondLst>
+                      <p:childTnLst>
+                        <p:par>
+                          <p:cTn id="20" fill="hold">
+                            <p:stCondLst>
+                              <p:cond delay="0"/>
+                            </p:stCondLst>
+                            <p:childTnLst>
+                              <p:par>
+                                <p:cTn id="21" presetID="1" presetClass="entr" presetSubtype="0" fill="hold" nodeType="clickEffect">
+                                  <p:stCondLst>
+                                    <p:cond delay="0"/>
+                                  </p:stCondLst>
+                                  <p:childTnLst>
+                                    <p:set>
+                                      <p:cBhvr>
+                                        <p:cTn id="22" dur="1" fill="hold">
+                                          <p:stCondLst>
+                                            <p:cond delay="0"/>
+                                          </p:stCondLst>
+                                        </p:cTn>
+                                        <p:tgtEl>
+                                          <p:spTgt spid="6">
+                                            <p:txEl>
+                                              <p:pRg st="5" end="5"/>
+                                            </p:txEl>
+                                          </p:spTgt>
+                                        </p:tgtEl>
+                                        <p:attrNameLst>
+                                          <p:attrName>style.visibility</p:attrName>
+                                        </p:attrNameLst>
+                                      </p:cBhvr>
+                                      <p:to>
+                                        <p:strVal val="visible"/>
+                                      </p:to>
+                                    </p:set>
+                                  </p:childTnLst>
+                                </p:cTn>
+                              </p:par>
+                            </p:childTnLst>
+                          </p:cTn>
+                        </p:par>
+                      </p:childTnLst>
+                    </p:cTn>
+                  </p:par>
+                </p:childTnLst>
+              </p:cTn>
+              <p:prevCondLst>
+                <p:cond evt="onPrev" delay="0">
+                  <p:tgtEl>
+                    <p:sldTgt/>
+                  </p:tgtEl>
+                </p:cond>
+              </p:prevCondLst>
+              <p:nextCondLst>
+                <p:cond evt="onNext" delay="0">
+                  <p:tgtEl>
+                    <p:sldTgt/>
+                  </p:tgtEl>
+                </p:cond>
+              </p:nextCondLst>
+            </p:seq>
+          </p:childTnLst>
+        </p:cTn>
+      </p:par>
+    </p:tnLst>
+  </p:timing>
 </p:sld>
 </file>
 
@@ -16116,212 +19170,6 @@
           </a:p>
         </p:txBody>
       </p:sp>
-      <p:grpSp>
-        <p:nvGrpSpPr>
-          <p:cNvPr id="4" name="Group 3">
-            <a:extLst>
-              <a:ext uri="{FF2B5EF4-FFF2-40B4-BE49-F238E27FC236}">
-                <a16:creationId xmlns:a16="http://schemas.microsoft.com/office/drawing/2014/main" id="{9747C152-67DB-48AF-9225-A52AADC5A4F0}"/>
-              </a:ext>
-            </a:extLst>
-          </p:cNvPr>
-          <p:cNvGrpSpPr/>
-          <p:nvPr/>
-        </p:nvGrpSpPr>
-        <p:grpSpPr>
-          <a:xfrm>
-            <a:off x="8248073" y="1704748"/>
-            <a:ext cx="3384614" cy="1648052"/>
-            <a:chOff x="5531555" y="1870603"/>
-            <a:chExt cx="3635023" cy="2044701"/>
-          </a:xfrm>
-        </p:grpSpPr>
-        <p:pic>
-          <p:nvPicPr>
-            <p:cNvPr id="1026" name="Picture 2" descr="Longlines | Marine Stewardship Council">
-              <a:extLst>
-                <a:ext uri="{FF2B5EF4-FFF2-40B4-BE49-F238E27FC236}">
-                  <a16:creationId xmlns:a16="http://schemas.microsoft.com/office/drawing/2014/main" id="{B05CBA61-FFA5-45F5-92EF-746A751B4CBE}"/>
-                </a:ext>
-              </a:extLst>
-            </p:cNvPr>
-            <p:cNvPicPr>
-              <a:picLocks noChangeAspect="1" noChangeArrowheads="1"/>
-            </p:cNvPicPr>
-            <p:nvPr/>
-          </p:nvPicPr>
-          <p:blipFill>
-            <a:blip r:embed="rId3">
-              <a:extLst>
-                <a:ext uri="{28A0092B-C50C-407E-A947-70E740481C1C}">
-                  <a14:useLocalDpi xmlns:a14="http://schemas.microsoft.com/office/drawing/2010/main" val="0"/>
-                </a:ext>
-              </a:extLst>
-            </a:blip>
-            <a:srcRect/>
-            <a:stretch>
-              <a:fillRect/>
-            </a:stretch>
-          </p:blipFill>
-          <p:spPr bwMode="auto">
-            <a:xfrm>
-              <a:off x="5531555" y="1870603"/>
-              <a:ext cx="3635023" cy="2044701"/>
-            </a:xfrm>
-            <a:prstGeom prst="rect">
-              <a:avLst/>
-            </a:prstGeom>
-            <a:noFill/>
-            <a:extLst>
-              <a:ext uri="{909E8E84-426E-40DD-AFC4-6F175D3DCCD1}">
-                <a14:hiddenFill xmlns:a14="http://schemas.microsoft.com/office/drawing/2010/main">
-                  <a:solidFill>
-                    <a:srgbClr val="FFFFFF"/>
-                  </a:solidFill>
-                </a14:hiddenFill>
-              </a:ext>
-            </a:extLst>
-          </p:spPr>
-        </p:pic>
-        <p:sp>
-          <p:nvSpPr>
-            <p:cNvPr id="3" name="TextBox 2">
-              <a:extLst>
-                <a:ext uri="{FF2B5EF4-FFF2-40B4-BE49-F238E27FC236}">
-                  <a16:creationId xmlns:a16="http://schemas.microsoft.com/office/drawing/2014/main" id="{8D6813C9-2B42-495F-AE74-B3961374FEB5}"/>
-                </a:ext>
-              </a:extLst>
-            </p:cNvPr>
-            <p:cNvSpPr txBox="1"/>
-            <p:nvPr/>
-          </p:nvSpPr>
-          <p:spPr>
-            <a:xfrm>
-              <a:off x="6197600" y="3429000"/>
-              <a:ext cx="1128889" cy="369332"/>
-            </a:xfrm>
-            <a:prstGeom prst="rect">
-              <a:avLst/>
-            </a:prstGeom>
-            <a:noFill/>
-          </p:spPr>
-          <p:txBody>
-            <a:bodyPr wrap="square" rtlCol="0">
-              <a:spAutoFit/>
-            </a:bodyPr>
-            <a:lstStyle/>
-            <a:p>
-              <a:r>
-                <a:rPr lang="en-US" dirty="0"/>
-                <a:t>Longline</a:t>
-              </a:r>
-            </a:p>
-          </p:txBody>
-        </p:sp>
-      </p:grpSp>
-      <p:grpSp>
-        <p:nvGrpSpPr>
-          <p:cNvPr id="7" name="Group 6">
-            <a:extLst>
-              <a:ext uri="{FF2B5EF4-FFF2-40B4-BE49-F238E27FC236}">
-                <a16:creationId xmlns:a16="http://schemas.microsoft.com/office/drawing/2014/main" id="{3B8BC6BB-C833-4833-9DEF-8B017BB4DE94}"/>
-              </a:ext>
-            </a:extLst>
-          </p:cNvPr>
-          <p:cNvGrpSpPr/>
-          <p:nvPr/>
-        </p:nvGrpSpPr>
-        <p:grpSpPr>
-          <a:xfrm>
-            <a:off x="8807386" y="3352800"/>
-            <a:ext cx="3384614" cy="1648052"/>
-            <a:chOff x="8111770" y="3948288"/>
-            <a:chExt cx="3991506" cy="2192868"/>
-          </a:xfrm>
-        </p:grpSpPr>
-        <p:pic>
-          <p:nvPicPr>
-            <p:cNvPr id="1028" name="Picture 4" descr="Pelagic trawls fishing gear - Marine Stewardship Council | Marine  Stewardship Council">
-              <a:extLst>
-                <a:ext uri="{FF2B5EF4-FFF2-40B4-BE49-F238E27FC236}">
-                  <a16:creationId xmlns:a16="http://schemas.microsoft.com/office/drawing/2014/main" id="{39862791-3D6E-4AE5-941D-9559C82D02C4}"/>
-                </a:ext>
-              </a:extLst>
-            </p:cNvPr>
-            <p:cNvPicPr>
-              <a:picLocks noChangeAspect="1" noChangeArrowheads="1"/>
-            </p:cNvPicPr>
-            <p:nvPr/>
-          </p:nvPicPr>
-          <p:blipFill>
-            <a:blip r:embed="rId4">
-              <a:extLst>
-                <a:ext uri="{28A0092B-C50C-407E-A947-70E740481C1C}">
-                  <a14:useLocalDpi xmlns:a14="http://schemas.microsoft.com/office/drawing/2010/main" val="0"/>
-                </a:ext>
-              </a:extLst>
-            </a:blip>
-            <a:srcRect/>
-            <a:stretch>
-              <a:fillRect/>
-            </a:stretch>
-          </p:blipFill>
-          <p:spPr bwMode="auto">
-            <a:xfrm>
-              <a:off x="8111770" y="3948288"/>
-              <a:ext cx="3902783" cy="2192868"/>
-            </a:xfrm>
-            <a:prstGeom prst="rect">
-              <a:avLst/>
-            </a:prstGeom>
-            <a:noFill/>
-            <a:extLst>
-              <a:ext uri="{909E8E84-426E-40DD-AFC4-6F175D3DCCD1}">
-                <a14:hiddenFill xmlns:a14="http://schemas.microsoft.com/office/drawing/2010/main">
-                  <a:solidFill>
-                    <a:srgbClr val="FFFFFF"/>
-                  </a:solidFill>
-                </a14:hiddenFill>
-              </a:ext>
-            </a:extLst>
-          </p:spPr>
-        </p:pic>
-        <p:sp>
-          <p:nvSpPr>
-            <p:cNvPr id="10" name="TextBox 9">
-              <a:extLst>
-                <a:ext uri="{FF2B5EF4-FFF2-40B4-BE49-F238E27FC236}">
-                  <a16:creationId xmlns:a16="http://schemas.microsoft.com/office/drawing/2014/main" id="{1E168196-1072-4F0E-9D16-97F0712B9267}"/>
-                </a:ext>
-              </a:extLst>
-            </p:cNvPr>
-            <p:cNvSpPr txBox="1"/>
-            <p:nvPr/>
-          </p:nvSpPr>
-          <p:spPr>
-            <a:xfrm>
-              <a:off x="10974387" y="5771824"/>
-              <a:ext cx="1128889" cy="369332"/>
-            </a:xfrm>
-            <a:prstGeom prst="rect">
-              <a:avLst/>
-            </a:prstGeom>
-            <a:noFill/>
-          </p:spPr>
-          <p:txBody>
-            <a:bodyPr wrap="square" rtlCol="0">
-              <a:spAutoFit/>
-            </a:bodyPr>
-            <a:lstStyle/>
-            <a:p>
-              <a:r>
-                <a:rPr lang="en-US" dirty="0"/>
-                <a:t>Trawl</a:t>
-              </a:r>
-            </a:p>
-          </p:txBody>
-        </p:sp>
-      </p:grpSp>
       <p:pic>
         <p:nvPicPr>
           <p:cNvPr id="11" name="Graphic 10" descr="Shell">
@@ -16337,13 +19185,13 @@
           <p:nvPr/>
         </p:nvPicPr>
         <p:blipFill>
-          <a:blip r:embed="rId5">
+          <a:blip r:embed="rId3">
             <a:extLst>
               <a:ext uri="{28A0092B-C50C-407E-A947-70E740481C1C}">
                 <a14:useLocalDpi xmlns:a14="http://schemas.microsoft.com/office/drawing/2010/main" val="0"/>
               </a:ext>
               <a:ext uri="{96DAC541-7B7A-43D3-8B79-37D633B846F1}">
-                <asvg:svgBlip xmlns:asvg="http://schemas.microsoft.com/office/drawing/2016/SVG/main" r:embed="rId6"/>
+                <asvg:svgBlip xmlns:asvg="http://schemas.microsoft.com/office/drawing/2016/SVG/main" r:embed="rId4"/>
               </a:ext>
             </a:extLst>
           </a:blip>
@@ -16376,13 +19224,13 @@
           <p:nvPr/>
         </p:nvPicPr>
         <p:blipFill>
-          <a:blip r:embed="rId5">
+          <a:blip r:embed="rId3">
             <a:extLst>
               <a:ext uri="{28A0092B-C50C-407E-A947-70E740481C1C}">
                 <a14:useLocalDpi xmlns:a14="http://schemas.microsoft.com/office/drawing/2010/main" val="0"/>
               </a:ext>
               <a:ext uri="{96DAC541-7B7A-43D3-8B79-37D633B846F1}">
-                <asvg:svgBlip xmlns:asvg="http://schemas.microsoft.com/office/drawing/2016/SVG/main" r:embed="rId6"/>
+                <asvg:svgBlip xmlns:asvg="http://schemas.microsoft.com/office/drawing/2016/SVG/main" r:embed="rId4"/>
               </a:ext>
             </a:extLst>
           </a:blip>
@@ -16400,364 +19248,6 @@
           </a:prstGeom>
         </p:spPr>
       </p:pic>
-      <p:grpSp>
-        <p:nvGrpSpPr>
-          <p:cNvPr id="8" name="Group 7">
-            <a:extLst>
-              <a:ext uri="{FF2B5EF4-FFF2-40B4-BE49-F238E27FC236}">
-                <a16:creationId xmlns:a16="http://schemas.microsoft.com/office/drawing/2014/main" id="{E6EC179A-B763-46DA-938B-F1A1C28288B0}"/>
-              </a:ext>
-            </a:extLst>
-          </p:cNvPr>
-          <p:cNvGrpSpPr/>
-          <p:nvPr/>
-        </p:nvGrpSpPr>
-        <p:grpSpPr>
-          <a:xfrm>
-            <a:off x="8066514" y="5000857"/>
-            <a:ext cx="3348357" cy="1332219"/>
-            <a:chOff x="8066514" y="5000857"/>
-            <a:chExt cx="3348357" cy="1332219"/>
-          </a:xfrm>
-        </p:grpSpPr>
-        <p:grpSp>
-          <p:nvGrpSpPr>
-            <p:cNvPr id="5" name="Group 4">
-              <a:extLst>
-                <a:ext uri="{FF2B5EF4-FFF2-40B4-BE49-F238E27FC236}">
-                  <a16:creationId xmlns:a16="http://schemas.microsoft.com/office/drawing/2014/main" id="{5F5D7396-AA77-4843-A1CD-518A50F92718}"/>
-                </a:ext>
-              </a:extLst>
-            </p:cNvPr>
-            <p:cNvGrpSpPr/>
-            <p:nvPr/>
-          </p:nvGrpSpPr>
-          <p:grpSpPr>
-            <a:xfrm>
-              <a:off x="8066514" y="5000857"/>
-              <a:ext cx="3348357" cy="1332219"/>
-              <a:chOff x="350269" y="3766432"/>
-              <a:chExt cx="4221732" cy="2374724"/>
-            </a:xfrm>
-          </p:grpSpPr>
-          <p:pic>
-            <p:nvPicPr>
-              <p:cNvPr id="1030" name="Picture 6" descr="Dredge fishing gear - Marine Stewardship Council | Marine Stewardship  Council">
-                <a:extLst>
-                  <a:ext uri="{FF2B5EF4-FFF2-40B4-BE49-F238E27FC236}">
-                    <a16:creationId xmlns:a16="http://schemas.microsoft.com/office/drawing/2014/main" id="{DF355ECD-2ED5-42DB-869C-6B6782A41B3B}"/>
-                  </a:ext>
-                </a:extLst>
-              </p:cNvPr>
-              <p:cNvPicPr>
-                <a:picLocks noChangeAspect="1" noChangeArrowheads="1"/>
-              </p:cNvPicPr>
-              <p:nvPr/>
-            </p:nvPicPr>
-            <p:blipFill>
-              <a:blip r:embed="rId7">
-                <a:extLst>
-                  <a:ext uri="{28A0092B-C50C-407E-A947-70E740481C1C}">
-                    <a14:useLocalDpi xmlns:a14="http://schemas.microsoft.com/office/drawing/2010/main" val="0"/>
-                  </a:ext>
-                </a:extLst>
-              </a:blip>
-              <a:srcRect/>
-              <a:stretch>
-                <a:fillRect/>
-              </a:stretch>
-            </p:blipFill>
-            <p:spPr bwMode="auto">
-              <a:xfrm>
-                <a:off x="350269" y="3766432"/>
-                <a:ext cx="4221732" cy="2374724"/>
-              </a:xfrm>
-              <a:prstGeom prst="rect">
-                <a:avLst/>
-              </a:prstGeom>
-              <a:noFill/>
-              <a:extLst>
-                <a:ext uri="{909E8E84-426E-40DD-AFC4-6F175D3DCCD1}">
-                  <a14:hiddenFill xmlns:a14="http://schemas.microsoft.com/office/drawing/2010/main">
-                    <a:solidFill>
-                      <a:srgbClr val="FFFFFF"/>
-                    </a:solidFill>
-                  </a14:hiddenFill>
-                </a:ext>
-              </a:extLst>
-            </p:spPr>
-          </p:pic>
-          <p:sp>
-            <p:nvSpPr>
-              <p:cNvPr id="9" name="TextBox 8">
-                <a:extLst>
-                  <a:ext uri="{FF2B5EF4-FFF2-40B4-BE49-F238E27FC236}">
-                    <a16:creationId xmlns:a16="http://schemas.microsoft.com/office/drawing/2014/main" id="{2CA69344-0728-4924-A008-E7C1CD90B74A}"/>
-                  </a:ext>
-                </a:extLst>
-              </p:cNvPr>
-              <p:cNvSpPr txBox="1"/>
-              <p:nvPr/>
-            </p:nvSpPr>
-            <p:spPr>
-              <a:xfrm>
-                <a:off x="3358445" y="5363822"/>
-                <a:ext cx="1128889" cy="369332"/>
-              </a:xfrm>
-              <a:prstGeom prst="rect">
-                <a:avLst/>
-              </a:prstGeom>
-              <a:noFill/>
-            </p:spPr>
-            <p:txBody>
-              <a:bodyPr wrap="square" rtlCol="0">
-                <a:spAutoFit/>
-              </a:bodyPr>
-              <a:lstStyle/>
-              <a:p>
-                <a:r>
-                  <a:rPr lang="en-US" dirty="0"/>
-                  <a:t>Dredge</a:t>
-                </a:r>
-              </a:p>
-            </p:txBody>
-          </p:sp>
-        </p:grpSp>
-        <p:pic>
-          <p:nvPicPr>
-            <p:cNvPr id="16" name="Graphic 15" descr="Shell">
-              <a:extLst>
-                <a:ext uri="{FF2B5EF4-FFF2-40B4-BE49-F238E27FC236}">
-                  <a16:creationId xmlns:a16="http://schemas.microsoft.com/office/drawing/2014/main" id="{D77BD75B-35AC-418D-A725-7B0C0B8939DB}"/>
-                </a:ext>
-              </a:extLst>
-            </p:cNvPr>
-            <p:cNvPicPr>
-              <a:picLocks noChangeAspect="1"/>
-            </p:cNvPicPr>
-            <p:nvPr/>
-          </p:nvPicPr>
-          <p:blipFill>
-            <a:blip r:embed="rId5">
-              <a:extLst>
-                <a:ext uri="{28A0092B-C50C-407E-A947-70E740481C1C}">
-                  <a14:useLocalDpi xmlns:a14="http://schemas.microsoft.com/office/drawing/2010/main" val="0"/>
-                </a:ext>
-                <a:ext uri="{96DAC541-7B7A-43D3-8B79-37D633B846F1}">
-                  <asvg:svgBlip xmlns:asvg="http://schemas.microsoft.com/office/drawing/2016/SVG/main" r:embed="rId6"/>
-                </a:ext>
-              </a:extLst>
-            </a:blip>
-            <a:stretch>
-              <a:fillRect/>
-            </a:stretch>
-          </p:blipFill>
-          <p:spPr>
-            <a:xfrm>
-              <a:off x="9507612" y="6177055"/>
-              <a:ext cx="54864" cy="54864"/>
-            </a:xfrm>
-            <a:prstGeom prst="rect">
-              <a:avLst/>
-            </a:prstGeom>
-          </p:spPr>
-        </p:pic>
-        <p:pic>
-          <p:nvPicPr>
-            <p:cNvPr id="17" name="Graphic 16" descr="Shell">
-              <a:extLst>
-                <a:ext uri="{FF2B5EF4-FFF2-40B4-BE49-F238E27FC236}">
-                  <a16:creationId xmlns:a16="http://schemas.microsoft.com/office/drawing/2014/main" id="{84A1236A-1C5E-4455-A7C0-43804F4F9D2F}"/>
-                </a:ext>
-              </a:extLst>
-            </p:cNvPr>
-            <p:cNvPicPr>
-              <a:picLocks noChangeAspect="1"/>
-            </p:cNvPicPr>
-            <p:nvPr/>
-          </p:nvPicPr>
-          <p:blipFill>
-            <a:blip r:embed="rId5">
-              <a:extLst>
-                <a:ext uri="{28A0092B-C50C-407E-A947-70E740481C1C}">
-                  <a14:useLocalDpi xmlns:a14="http://schemas.microsoft.com/office/drawing/2010/main" val="0"/>
-                </a:ext>
-                <a:ext uri="{96DAC541-7B7A-43D3-8B79-37D633B846F1}">
-                  <asvg:svgBlip xmlns:asvg="http://schemas.microsoft.com/office/drawing/2016/SVG/main" r:embed="rId6"/>
-                </a:ext>
-              </a:extLst>
-            </a:blip>
-            <a:stretch>
-              <a:fillRect/>
-            </a:stretch>
-          </p:blipFill>
-          <p:spPr>
-            <a:xfrm>
-              <a:off x="9410076" y="6079519"/>
-              <a:ext cx="54864" cy="54864"/>
-            </a:xfrm>
-            <a:prstGeom prst="rect">
-              <a:avLst/>
-            </a:prstGeom>
-          </p:spPr>
-        </p:pic>
-        <p:pic>
-          <p:nvPicPr>
-            <p:cNvPr id="19" name="Graphic 18" descr="Shell">
-              <a:extLst>
-                <a:ext uri="{FF2B5EF4-FFF2-40B4-BE49-F238E27FC236}">
-                  <a16:creationId xmlns:a16="http://schemas.microsoft.com/office/drawing/2014/main" id="{D6585A4B-5133-4A61-83A2-2EE02ED8330E}"/>
-                </a:ext>
-              </a:extLst>
-            </p:cNvPr>
-            <p:cNvPicPr>
-              <a:picLocks noChangeAspect="1"/>
-            </p:cNvPicPr>
-            <p:nvPr/>
-          </p:nvPicPr>
-          <p:blipFill>
-            <a:blip r:embed="rId5">
-              <a:extLst>
-                <a:ext uri="{28A0092B-C50C-407E-A947-70E740481C1C}">
-                  <a14:useLocalDpi xmlns:a14="http://schemas.microsoft.com/office/drawing/2010/main" val="0"/>
-                </a:ext>
-                <a:ext uri="{96DAC541-7B7A-43D3-8B79-37D633B846F1}">
-                  <asvg:svgBlip xmlns:asvg="http://schemas.microsoft.com/office/drawing/2016/SVG/main" r:embed="rId6"/>
-                </a:ext>
-              </a:extLst>
-            </a:blip>
-            <a:stretch>
-              <a:fillRect/>
-            </a:stretch>
-          </p:blipFill>
-          <p:spPr>
-            <a:xfrm>
-              <a:off x="9272916" y="6050261"/>
-              <a:ext cx="54864" cy="54864"/>
-            </a:xfrm>
-            <a:prstGeom prst="rect">
-              <a:avLst/>
-            </a:prstGeom>
-          </p:spPr>
-        </p:pic>
-        <p:pic>
-          <p:nvPicPr>
-            <p:cNvPr id="20" name="Graphic 19" descr="Shell">
-              <a:extLst>
-                <a:ext uri="{FF2B5EF4-FFF2-40B4-BE49-F238E27FC236}">
-                  <a16:creationId xmlns:a16="http://schemas.microsoft.com/office/drawing/2014/main" id="{A687EF74-0412-44C0-B107-562C7CE86032}"/>
-                </a:ext>
-              </a:extLst>
-            </p:cNvPr>
-            <p:cNvPicPr>
-              <a:picLocks noChangeAspect="1"/>
-            </p:cNvPicPr>
-            <p:nvPr/>
-          </p:nvPicPr>
-          <p:blipFill>
-            <a:blip r:embed="rId5">
-              <a:extLst>
-                <a:ext uri="{28A0092B-C50C-407E-A947-70E740481C1C}">
-                  <a14:useLocalDpi xmlns:a14="http://schemas.microsoft.com/office/drawing/2010/main" val="0"/>
-                </a:ext>
-                <a:ext uri="{96DAC541-7B7A-43D3-8B79-37D633B846F1}">
-                  <asvg:svgBlip xmlns:asvg="http://schemas.microsoft.com/office/drawing/2016/SVG/main" r:embed="rId6"/>
-                </a:ext>
-              </a:extLst>
-            </a:blip>
-            <a:stretch>
-              <a:fillRect/>
-            </a:stretch>
-          </p:blipFill>
-          <p:spPr>
-            <a:xfrm>
-              <a:off x="9218052" y="6045099"/>
-              <a:ext cx="54864" cy="54864"/>
-            </a:xfrm>
-            <a:prstGeom prst="rect">
-              <a:avLst/>
-            </a:prstGeom>
-          </p:spPr>
-        </p:pic>
-        <p:pic>
-          <p:nvPicPr>
-            <p:cNvPr id="21" name="Graphic 20" descr="Shell">
-              <a:extLst>
-                <a:ext uri="{FF2B5EF4-FFF2-40B4-BE49-F238E27FC236}">
-                  <a16:creationId xmlns:a16="http://schemas.microsoft.com/office/drawing/2014/main" id="{5FC1D4EC-11AE-4B65-90D8-BE73462CF5DF}"/>
-                </a:ext>
-              </a:extLst>
-            </p:cNvPr>
-            <p:cNvPicPr>
-              <a:picLocks noChangeAspect="1"/>
-            </p:cNvPicPr>
-            <p:nvPr/>
-          </p:nvPicPr>
-          <p:blipFill>
-            <a:blip r:embed="rId5">
-              <a:extLst>
-                <a:ext uri="{28A0092B-C50C-407E-A947-70E740481C1C}">
-                  <a14:useLocalDpi xmlns:a14="http://schemas.microsoft.com/office/drawing/2010/main" val="0"/>
-                </a:ext>
-                <a:ext uri="{96DAC541-7B7A-43D3-8B79-37D633B846F1}">
-                  <asvg:svgBlip xmlns:asvg="http://schemas.microsoft.com/office/drawing/2016/SVG/main" r:embed="rId6"/>
-                </a:ext>
-              </a:extLst>
-            </a:blip>
-            <a:stretch>
-              <a:fillRect/>
-            </a:stretch>
-          </p:blipFill>
-          <p:spPr>
-            <a:xfrm>
-              <a:off x="9122040" y="6043273"/>
-              <a:ext cx="54864" cy="54864"/>
-            </a:xfrm>
-            <a:prstGeom prst="rect">
-              <a:avLst/>
-            </a:prstGeom>
-          </p:spPr>
-        </p:pic>
-        <p:pic>
-          <p:nvPicPr>
-            <p:cNvPr id="22" name="Graphic 21" descr="Shell">
-              <a:extLst>
-                <a:ext uri="{FF2B5EF4-FFF2-40B4-BE49-F238E27FC236}">
-                  <a16:creationId xmlns:a16="http://schemas.microsoft.com/office/drawing/2014/main" id="{4C0E07B3-7887-4FCA-8397-E0432330CA9F}"/>
-                </a:ext>
-              </a:extLst>
-            </p:cNvPr>
-            <p:cNvPicPr>
-              <a:picLocks noChangeAspect="1"/>
-            </p:cNvPicPr>
-            <p:nvPr/>
-          </p:nvPicPr>
-          <p:blipFill>
-            <a:blip r:embed="rId5">
-              <a:extLst>
-                <a:ext uri="{28A0092B-C50C-407E-A947-70E740481C1C}">
-                  <a14:useLocalDpi xmlns:a14="http://schemas.microsoft.com/office/drawing/2010/main" val="0"/>
-                </a:ext>
-                <a:ext uri="{96DAC541-7B7A-43D3-8B79-37D633B846F1}">
-                  <asvg:svgBlip xmlns:asvg="http://schemas.microsoft.com/office/drawing/2016/SVG/main" r:embed="rId6"/>
-                </a:ext>
-              </a:extLst>
-            </a:blip>
-            <a:stretch>
-              <a:fillRect/>
-            </a:stretch>
-          </p:blipFill>
-          <p:spPr>
-            <a:xfrm>
-              <a:off x="9067176" y="6038111"/>
-              <a:ext cx="54864" cy="54864"/>
-            </a:xfrm>
-            <a:prstGeom prst="rect">
-              <a:avLst/>
-            </a:prstGeom>
-          </p:spPr>
-        </p:pic>
-      </p:grpSp>
       <p:sp>
         <p:nvSpPr>
           <p:cNvPr id="12" name="Freeform: Shape 11">
@@ -17031,221 +19521,827 @@
           </a:p>
         </p:txBody>
       </p:sp>
-      <p:pic>
-        <p:nvPicPr>
-          <p:cNvPr id="27" name="Graphic 26" descr="Shell">
+      <p:grpSp>
+        <p:nvGrpSpPr>
+          <p:cNvPr id="23" name="Group 22">
             <a:extLst>
               <a:ext uri="{FF2B5EF4-FFF2-40B4-BE49-F238E27FC236}">
-                <a16:creationId xmlns:a16="http://schemas.microsoft.com/office/drawing/2014/main" id="{0ACC33A2-11D2-4E65-9503-59B71B718F1E}"/>
+                <a16:creationId xmlns:a16="http://schemas.microsoft.com/office/drawing/2014/main" id="{F9018B9F-3EA1-488F-A65B-85B003420C5F}"/>
               </a:ext>
             </a:extLst>
           </p:cNvPr>
-          <p:cNvPicPr>
-            <a:picLocks noChangeAspect="1"/>
-          </p:cNvPicPr>
+          <p:cNvGrpSpPr/>
           <p:nvPr/>
-        </p:nvPicPr>
-        <p:blipFill>
-          <a:blip r:embed="rId5">
-            <a:extLst>
-              <a:ext uri="{28A0092B-C50C-407E-A947-70E740481C1C}">
-                <a14:useLocalDpi xmlns:a14="http://schemas.microsoft.com/office/drawing/2010/main" val="0"/>
-              </a:ext>
-              <a:ext uri="{96DAC541-7B7A-43D3-8B79-37D633B846F1}">
-                <asvg:svgBlip xmlns:asvg="http://schemas.microsoft.com/office/drawing/2016/SVG/main" r:embed="rId6"/>
-              </a:ext>
-            </a:extLst>
-          </a:blip>
-          <a:stretch>
-            <a:fillRect/>
-          </a:stretch>
-        </p:blipFill>
-        <p:spPr>
+        </p:nvGrpSpPr>
+        <p:grpSpPr>
           <a:xfrm>
-            <a:off x="10176049" y="3138975"/>
-            <a:ext cx="151431" cy="151431"/>
+            <a:off x="8066514" y="1704748"/>
+            <a:ext cx="4125486" cy="4628328"/>
+            <a:chOff x="8066514" y="1704748"/>
+            <a:chExt cx="4125486" cy="4628328"/>
           </a:xfrm>
-          <a:prstGeom prst="rect">
-            <a:avLst/>
-          </a:prstGeom>
-        </p:spPr>
-      </p:pic>
-      <p:pic>
-        <p:nvPicPr>
-          <p:cNvPr id="28" name="Graphic 27" descr="Shell">
-            <a:extLst>
-              <a:ext uri="{FF2B5EF4-FFF2-40B4-BE49-F238E27FC236}">
-                <a16:creationId xmlns:a16="http://schemas.microsoft.com/office/drawing/2014/main" id="{67B2EE51-3178-4863-BD40-0BA19143461A}"/>
-              </a:ext>
-            </a:extLst>
-          </p:cNvPr>
-          <p:cNvPicPr>
-            <a:picLocks noChangeAspect="1"/>
-          </p:cNvPicPr>
-          <p:nvPr/>
-        </p:nvPicPr>
-        <p:blipFill>
-          <a:blip r:embed="rId5">
-            <a:extLst>
-              <a:ext uri="{28A0092B-C50C-407E-A947-70E740481C1C}">
-                <a14:useLocalDpi xmlns:a14="http://schemas.microsoft.com/office/drawing/2010/main" val="0"/>
-              </a:ext>
-              <a:ext uri="{96DAC541-7B7A-43D3-8B79-37D633B846F1}">
-                <asvg:svgBlip xmlns:asvg="http://schemas.microsoft.com/office/drawing/2016/SVG/main" r:embed="rId6"/>
-              </a:ext>
-            </a:extLst>
-          </a:blip>
-          <a:stretch>
-            <a:fillRect/>
-          </a:stretch>
-        </p:blipFill>
-        <p:spPr>
-          <a:xfrm>
-            <a:off x="10080037" y="3168229"/>
-            <a:ext cx="111115" cy="111115"/>
-          </a:xfrm>
-          <a:prstGeom prst="rect">
-            <a:avLst/>
-          </a:prstGeom>
-        </p:spPr>
-      </p:pic>
-      <p:pic>
-        <p:nvPicPr>
-          <p:cNvPr id="30" name="Graphic 29" descr="Shell">
-            <a:extLst>
-              <a:ext uri="{FF2B5EF4-FFF2-40B4-BE49-F238E27FC236}">
-                <a16:creationId xmlns:a16="http://schemas.microsoft.com/office/drawing/2014/main" id="{FB623065-D6E8-4C49-80BF-5BE08E1FE23C}"/>
-              </a:ext>
-            </a:extLst>
-          </p:cNvPr>
-          <p:cNvPicPr>
-            <a:picLocks noChangeAspect="1"/>
-          </p:cNvPicPr>
-          <p:nvPr/>
-        </p:nvPicPr>
-        <p:blipFill>
-          <a:blip r:embed="rId5">
-            <a:extLst>
-              <a:ext uri="{28A0092B-C50C-407E-A947-70E740481C1C}">
-                <a14:useLocalDpi xmlns:a14="http://schemas.microsoft.com/office/drawing/2010/main" val="0"/>
-              </a:ext>
-              <a:ext uri="{96DAC541-7B7A-43D3-8B79-37D633B846F1}">
-                <asvg:svgBlip xmlns:asvg="http://schemas.microsoft.com/office/drawing/2016/SVG/main" r:embed="rId6"/>
-              </a:ext>
-            </a:extLst>
-          </a:blip>
-          <a:stretch>
-            <a:fillRect/>
-          </a:stretch>
-        </p:blipFill>
-        <p:spPr>
-          <a:xfrm>
-            <a:off x="9974085" y="3186701"/>
-            <a:ext cx="105953" cy="105953"/>
-          </a:xfrm>
-          <a:prstGeom prst="rect">
-            <a:avLst/>
-          </a:prstGeom>
-        </p:spPr>
-      </p:pic>
-      <p:sp>
-        <p:nvSpPr>
-          <p:cNvPr id="13" name="Rectangle 12">
-            <a:extLst>
-              <a:ext uri="{FF2B5EF4-FFF2-40B4-BE49-F238E27FC236}">
-                <a16:creationId xmlns:a16="http://schemas.microsoft.com/office/drawing/2014/main" id="{CAF532BF-0431-491E-8C39-05C288AF0AAF}"/>
-              </a:ext>
-            </a:extLst>
-          </p:cNvPr>
-          <p:cNvSpPr/>
-          <p:nvPr/>
-        </p:nvSpPr>
-        <p:spPr>
-          <a:xfrm>
-            <a:off x="8248073" y="3276621"/>
-            <a:ext cx="3384614" cy="69191"/>
-          </a:xfrm>
-          <a:prstGeom prst="rect">
-            <a:avLst/>
-          </a:prstGeom>
-          <a:solidFill>
-            <a:srgbClr val="00B050"/>
-          </a:solidFill>
-        </p:spPr>
-        <p:style>
-          <a:lnRef idx="2">
-            <a:schemeClr val="accent1">
-              <a:shade val="50000"/>
-            </a:schemeClr>
-          </a:lnRef>
-          <a:fillRef idx="1">
-            <a:schemeClr val="accent1"/>
-          </a:fillRef>
-          <a:effectRef idx="0">
-            <a:schemeClr val="accent1"/>
-          </a:effectRef>
-          <a:fontRef idx="minor">
-            <a:schemeClr val="lt1"/>
-          </a:fontRef>
-        </p:style>
-        <p:txBody>
-          <a:bodyPr rtlCol="0" anchor="ctr"/>
-          <a:lstStyle/>
-          <a:p>
-            <a:pPr algn="ctr"/>
-            <a:endParaRPr lang="en-US"/>
-          </a:p>
-        </p:txBody>
-      </p:sp>
-      <p:sp>
-        <p:nvSpPr>
-          <p:cNvPr id="14" name="Speech Bubble: Oval 13">
-            <a:extLst>
-              <a:ext uri="{FF2B5EF4-FFF2-40B4-BE49-F238E27FC236}">
-                <a16:creationId xmlns:a16="http://schemas.microsoft.com/office/drawing/2014/main" id="{DBB3A11A-ADB2-4C70-9FD4-B145F520E855}"/>
-              </a:ext>
-            </a:extLst>
-          </p:cNvPr>
-          <p:cNvSpPr/>
-          <p:nvPr/>
-        </p:nvSpPr>
-        <p:spPr>
-          <a:xfrm>
-            <a:off x="10080036" y="2873879"/>
-            <a:ext cx="1334835" cy="311128"/>
-          </a:xfrm>
-          <a:prstGeom prst="wedgeEllipseCallout">
-            <a:avLst/>
-          </a:prstGeom>
-        </p:spPr>
-        <p:style>
-          <a:lnRef idx="2">
-            <a:schemeClr val="accent1">
-              <a:shade val="50000"/>
-            </a:schemeClr>
-          </a:lnRef>
-          <a:fillRef idx="1">
-            <a:schemeClr val="accent1"/>
-          </a:fillRef>
-          <a:effectRef idx="0">
-            <a:schemeClr val="accent1"/>
-          </a:effectRef>
-          <a:fontRef idx="minor">
-            <a:schemeClr val="lt1"/>
-          </a:fontRef>
-        </p:style>
-        <p:txBody>
-          <a:bodyPr rtlCol="0" anchor="ctr"/>
-          <a:lstStyle/>
-          <a:p>
-            <a:pPr algn="ctr"/>
-            <a:r>
-              <a:rPr lang="en-US" sz="900" dirty="0"/>
-              <a:t>Hey Hal, look at the stupid fish!</a:t>
-            </a:r>
-          </a:p>
-        </p:txBody>
-      </p:sp>
+        </p:grpSpPr>
+        <p:grpSp>
+          <p:nvGrpSpPr>
+            <p:cNvPr id="15" name="Group 14">
+              <a:extLst>
+                <a:ext uri="{FF2B5EF4-FFF2-40B4-BE49-F238E27FC236}">
+                  <a16:creationId xmlns:a16="http://schemas.microsoft.com/office/drawing/2014/main" id="{DB65FCBD-80BE-4E73-93C7-3B9D2D5DF18D}"/>
+                </a:ext>
+              </a:extLst>
+            </p:cNvPr>
+            <p:cNvGrpSpPr/>
+            <p:nvPr/>
+          </p:nvGrpSpPr>
+          <p:grpSpPr>
+            <a:xfrm>
+              <a:off x="8066514" y="1704748"/>
+              <a:ext cx="4125486" cy="4628328"/>
+              <a:chOff x="8066514" y="1704748"/>
+              <a:chExt cx="4125486" cy="4628328"/>
+            </a:xfrm>
+          </p:grpSpPr>
+          <p:grpSp>
+            <p:nvGrpSpPr>
+              <p:cNvPr id="4" name="Group 3">
+                <a:extLst>
+                  <a:ext uri="{FF2B5EF4-FFF2-40B4-BE49-F238E27FC236}">
+                    <a16:creationId xmlns:a16="http://schemas.microsoft.com/office/drawing/2014/main" id="{9747C152-67DB-48AF-9225-A52AADC5A4F0}"/>
+                  </a:ext>
+                </a:extLst>
+              </p:cNvPr>
+              <p:cNvGrpSpPr/>
+              <p:nvPr/>
+            </p:nvGrpSpPr>
+            <p:grpSpPr>
+              <a:xfrm>
+                <a:off x="8248073" y="1704748"/>
+                <a:ext cx="3384614" cy="1648052"/>
+                <a:chOff x="5531555" y="1870603"/>
+                <a:chExt cx="3635023" cy="2044701"/>
+              </a:xfrm>
+            </p:grpSpPr>
+            <p:pic>
+              <p:nvPicPr>
+                <p:cNvPr id="1026" name="Picture 2" descr="Longlines | Marine Stewardship Council">
+                  <a:extLst>
+                    <a:ext uri="{FF2B5EF4-FFF2-40B4-BE49-F238E27FC236}">
+                      <a16:creationId xmlns:a16="http://schemas.microsoft.com/office/drawing/2014/main" id="{B05CBA61-FFA5-45F5-92EF-746A751B4CBE}"/>
+                    </a:ext>
+                  </a:extLst>
+                </p:cNvPr>
+                <p:cNvPicPr>
+                  <a:picLocks noChangeAspect="1" noChangeArrowheads="1"/>
+                </p:cNvPicPr>
+                <p:nvPr/>
+              </p:nvPicPr>
+              <p:blipFill>
+                <a:blip r:embed="rId5">
+                  <a:extLst>
+                    <a:ext uri="{28A0092B-C50C-407E-A947-70E740481C1C}">
+                      <a14:useLocalDpi xmlns:a14="http://schemas.microsoft.com/office/drawing/2010/main" val="0"/>
+                    </a:ext>
+                  </a:extLst>
+                </a:blip>
+                <a:srcRect/>
+                <a:stretch>
+                  <a:fillRect/>
+                </a:stretch>
+              </p:blipFill>
+              <p:spPr bwMode="auto">
+                <a:xfrm>
+                  <a:off x="5531555" y="1870603"/>
+                  <a:ext cx="3635023" cy="2044701"/>
+                </a:xfrm>
+                <a:prstGeom prst="rect">
+                  <a:avLst/>
+                </a:prstGeom>
+                <a:noFill/>
+                <a:extLst>
+                  <a:ext uri="{909E8E84-426E-40DD-AFC4-6F175D3DCCD1}">
+                    <a14:hiddenFill xmlns:a14="http://schemas.microsoft.com/office/drawing/2010/main">
+                      <a:solidFill>
+                        <a:srgbClr val="FFFFFF"/>
+                      </a:solidFill>
+                    </a14:hiddenFill>
+                  </a:ext>
+                </a:extLst>
+              </p:spPr>
+            </p:pic>
+            <p:sp>
+              <p:nvSpPr>
+                <p:cNvPr id="3" name="TextBox 2">
+                  <a:extLst>
+                    <a:ext uri="{FF2B5EF4-FFF2-40B4-BE49-F238E27FC236}">
+                      <a16:creationId xmlns:a16="http://schemas.microsoft.com/office/drawing/2014/main" id="{8D6813C9-2B42-495F-AE74-B3961374FEB5}"/>
+                    </a:ext>
+                  </a:extLst>
+                </p:cNvPr>
+                <p:cNvSpPr txBox="1"/>
+                <p:nvPr/>
+              </p:nvSpPr>
+              <p:spPr>
+                <a:xfrm>
+                  <a:off x="6197600" y="3429000"/>
+                  <a:ext cx="1128889" cy="369332"/>
+                </a:xfrm>
+                <a:prstGeom prst="rect">
+                  <a:avLst/>
+                </a:prstGeom>
+                <a:noFill/>
+              </p:spPr>
+              <p:txBody>
+                <a:bodyPr wrap="square" rtlCol="0">
+                  <a:spAutoFit/>
+                </a:bodyPr>
+                <a:lstStyle/>
+                <a:p>
+                  <a:r>
+                    <a:rPr lang="en-US" dirty="0"/>
+                    <a:t>Longline</a:t>
+                  </a:r>
+                </a:p>
+              </p:txBody>
+            </p:sp>
+          </p:grpSp>
+          <p:grpSp>
+            <p:nvGrpSpPr>
+              <p:cNvPr id="7" name="Group 6">
+                <a:extLst>
+                  <a:ext uri="{FF2B5EF4-FFF2-40B4-BE49-F238E27FC236}">
+                    <a16:creationId xmlns:a16="http://schemas.microsoft.com/office/drawing/2014/main" id="{3B8BC6BB-C833-4833-9DEF-8B017BB4DE94}"/>
+                  </a:ext>
+                </a:extLst>
+              </p:cNvPr>
+              <p:cNvGrpSpPr/>
+              <p:nvPr/>
+            </p:nvGrpSpPr>
+            <p:grpSpPr>
+              <a:xfrm>
+                <a:off x="8807386" y="3352800"/>
+                <a:ext cx="3384614" cy="1648052"/>
+                <a:chOff x="8111770" y="3948288"/>
+                <a:chExt cx="3991506" cy="2192868"/>
+              </a:xfrm>
+            </p:grpSpPr>
+            <p:pic>
+              <p:nvPicPr>
+                <p:cNvPr id="1028" name="Picture 4" descr="Pelagic trawls fishing gear - Marine Stewardship Council | Marine  Stewardship Council">
+                  <a:extLst>
+                    <a:ext uri="{FF2B5EF4-FFF2-40B4-BE49-F238E27FC236}">
+                      <a16:creationId xmlns:a16="http://schemas.microsoft.com/office/drawing/2014/main" id="{39862791-3D6E-4AE5-941D-9559C82D02C4}"/>
+                    </a:ext>
+                  </a:extLst>
+                </p:cNvPr>
+                <p:cNvPicPr>
+                  <a:picLocks noChangeAspect="1" noChangeArrowheads="1"/>
+                </p:cNvPicPr>
+                <p:nvPr/>
+              </p:nvPicPr>
+              <p:blipFill>
+                <a:blip r:embed="rId6">
+                  <a:extLst>
+                    <a:ext uri="{28A0092B-C50C-407E-A947-70E740481C1C}">
+                      <a14:useLocalDpi xmlns:a14="http://schemas.microsoft.com/office/drawing/2010/main" val="0"/>
+                    </a:ext>
+                  </a:extLst>
+                </a:blip>
+                <a:srcRect/>
+                <a:stretch>
+                  <a:fillRect/>
+                </a:stretch>
+              </p:blipFill>
+              <p:spPr bwMode="auto">
+                <a:xfrm>
+                  <a:off x="8111770" y="3948288"/>
+                  <a:ext cx="3902783" cy="2192868"/>
+                </a:xfrm>
+                <a:prstGeom prst="rect">
+                  <a:avLst/>
+                </a:prstGeom>
+                <a:noFill/>
+                <a:extLst>
+                  <a:ext uri="{909E8E84-426E-40DD-AFC4-6F175D3DCCD1}">
+                    <a14:hiddenFill xmlns:a14="http://schemas.microsoft.com/office/drawing/2010/main">
+                      <a:solidFill>
+                        <a:srgbClr val="FFFFFF"/>
+                      </a:solidFill>
+                    </a14:hiddenFill>
+                  </a:ext>
+                </a:extLst>
+              </p:spPr>
+            </p:pic>
+            <p:sp>
+              <p:nvSpPr>
+                <p:cNvPr id="10" name="TextBox 9">
+                  <a:extLst>
+                    <a:ext uri="{FF2B5EF4-FFF2-40B4-BE49-F238E27FC236}">
+                      <a16:creationId xmlns:a16="http://schemas.microsoft.com/office/drawing/2014/main" id="{1E168196-1072-4F0E-9D16-97F0712B9267}"/>
+                    </a:ext>
+                  </a:extLst>
+                </p:cNvPr>
+                <p:cNvSpPr txBox="1"/>
+                <p:nvPr/>
+              </p:nvSpPr>
+              <p:spPr>
+                <a:xfrm>
+                  <a:off x="10974387" y="5771824"/>
+                  <a:ext cx="1128889" cy="369332"/>
+                </a:xfrm>
+                <a:prstGeom prst="rect">
+                  <a:avLst/>
+                </a:prstGeom>
+                <a:noFill/>
+              </p:spPr>
+              <p:txBody>
+                <a:bodyPr wrap="square" rtlCol="0">
+                  <a:spAutoFit/>
+                </a:bodyPr>
+                <a:lstStyle/>
+                <a:p>
+                  <a:r>
+                    <a:rPr lang="en-US" dirty="0"/>
+                    <a:t>Trawl</a:t>
+                  </a:r>
+                </a:p>
+              </p:txBody>
+            </p:sp>
+          </p:grpSp>
+          <p:grpSp>
+            <p:nvGrpSpPr>
+              <p:cNvPr id="8" name="Group 7">
+                <a:extLst>
+                  <a:ext uri="{FF2B5EF4-FFF2-40B4-BE49-F238E27FC236}">
+                    <a16:creationId xmlns:a16="http://schemas.microsoft.com/office/drawing/2014/main" id="{E6EC179A-B763-46DA-938B-F1A1C28288B0}"/>
+                  </a:ext>
+                </a:extLst>
+              </p:cNvPr>
+              <p:cNvGrpSpPr/>
+              <p:nvPr/>
+            </p:nvGrpSpPr>
+            <p:grpSpPr>
+              <a:xfrm>
+                <a:off x="8066514" y="5000857"/>
+                <a:ext cx="3348357" cy="1332219"/>
+                <a:chOff x="8066514" y="5000857"/>
+                <a:chExt cx="3348357" cy="1332219"/>
+              </a:xfrm>
+            </p:grpSpPr>
+            <p:grpSp>
+              <p:nvGrpSpPr>
+                <p:cNvPr id="5" name="Group 4">
+                  <a:extLst>
+                    <a:ext uri="{FF2B5EF4-FFF2-40B4-BE49-F238E27FC236}">
+                      <a16:creationId xmlns:a16="http://schemas.microsoft.com/office/drawing/2014/main" id="{5F5D7396-AA77-4843-A1CD-518A50F92718}"/>
+                    </a:ext>
+                  </a:extLst>
+                </p:cNvPr>
+                <p:cNvGrpSpPr/>
+                <p:nvPr/>
+              </p:nvGrpSpPr>
+              <p:grpSpPr>
+                <a:xfrm>
+                  <a:off x="8066514" y="5000857"/>
+                  <a:ext cx="3348357" cy="1332219"/>
+                  <a:chOff x="350269" y="3766432"/>
+                  <a:chExt cx="4221732" cy="2374724"/>
+                </a:xfrm>
+              </p:grpSpPr>
+              <p:pic>
+                <p:nvPicPr>
+                  <p:cNvPr id="1030" name="Picture 6" descr="Dredge fishing gear - Marine Stewardship Council | Marine Stewardship  Council">
+                    <a:extLst>
+                      <a:ext uri="{FF2B5EF4-FFF2-40B4-BE49-F238E27FC236}">
+                        <a16:creationId xmlns:a16="http://schemas.microsoft.com/office/drawing/2014/main" id="{DF355ECD-2ED5-42DB-869C-6B6782A41B3B}"/>
+                      </a:ext>
+                    </a:extLst>
+                  </p:cNvPr>
+                  <p:cNvPicPr>
+                    <a:picLocks noChangeAspect="1" noChangeArrowheads="1"/>
+                  </p:cNvPicPr>
+                  <p:nvPr/>
+                </p:nvPicPr>
+                <p:blipFill>
+                  <a:blip r:embed="rId7">
+                    <a:extLst>
+                      <a:ext uri="{28A0092B-C50C-407E-A947-70E740481C1C}">
+                        <a14:useLocalDpi xmlns:a14="http://schemas.microsoft.com/office/drawing/2010/main" val="0"/>
+                      </a:ext>
+                    </a:extLst>
+                  </a:blip>
+                  <a:srcRect/>
+                  <a:stretch>
+                    <a:fillRect/>
+                  </a:stretch>
+                </p:blipFill>
+                <p:spPr bwMode="auto">
+                  <a:xfrm>
+                    <a:off x="350269" y="3766432"/>
+                    <a:ext cx="4221732" cy="2374724"/>
+                  </a:xfrm>
+                  <a:prstGeom prst="rect">
+                    <a:avLst/>
+                  </a:prstGeom>
+                  <a:noFill/>
+                  <a:extLst>
+                    <a:ext uri="{909E8E84-426E-40DD-AFC4-6F175D3DCCD1}">
+                      <a14:hiddenFill xmlns:a14="http://schemas.microsoft.com/office/drawing/2010/main">
+                        <a:solidFill>
+                          <a:srgbClr val="FFFFFF"/>
+                        </a:solidFill>
+                      </a14:hiddenFill>
+                    </a:ext>
+                  </a:extLst>
+                </p:spPr>
+              </p:pic>
+              <p:sp>
+                <p:nvSpPr>
+                  <p:cNvPr id="9" name="TextBox 8">
+                    <a:extLst>
+                      <a:ext uri="{FF2B5EF4-FFF2-40B4-BE49-F238E27FC236}">
+                        <a16:creationId xmlns:a16="http://schemas.microsoft.com/office/drawing/2014/main" id="{2CA69344-0728-4924-A008-E7C1CD90B74A}"/>
+                      </a:ext>
+                    </a:extLst>
+                  </p:cNvPr>
+                  <p:cNvSpPr txBox="1"/>
+                  <p:nvPr/>
+                </p:nvSpPr>
+                <p:spPr>
+                  <a:xfrm>
+                    <a:off x="3358445" y="5363822"/>
+                    <a:ext cx="1128889" cy="369332"/>
+                  </a:xfrm>
+                  <a:prstGeom prst="rect">
+                    <a:avLst/>
+                  </a:prstGeom>
+                  <a:noFill/>
+                </p:spPr>
+                <p:txBody>
+                  <a:bodyPr wrap="square" rtlCol="0">
+                    <a:spAutoFit/>
+                  </a:bodyPr>
+                  <a:lstStyle/>
+                  <a:p>
+                    <a:r>
+                      <a:rPr lang="en-US" dirty="0"/>
+                      <a:t>Dredge</a:t>
+                    </a:r>
+                  </a:p>
+                </p:txBody>
+              </p:sp>
+            </p:grpSp>
+            <p:pic>
+              <p:nvPicPr>
+                <p:cNvPr id="16" name="Graphic 15" descr="Shell">
+                  <a:extLst>
+                    <a:ext uri="{FF2B5EF4-FFF2-40B4-BE49-F238E27FC236}">
+                      <a16:creationId xmlns:a16="http://schemas.microsoft.com/office/drawing/2014/main" id="{D77BD75B-35AC-418D-A725-7B0C0B8939DB}"/>
+                    </a:ext>
+                  </a:extLst>
+                </p:cNvPr>
+                <p:cNvPicPr>
+                  <a:picLocks noChangeAspect="1"/>
+                </p:cNvPicPr>
+                <p:nvPr/>
+              </p:nvPicPr>
+              <p:blipFill>
+                <a:blip r:embed="rId3">
+                  <a:extLst>
+                    <a:ext uri="{28A0092B-C50C-407E-A947-70E740481C1C}">
+                      <a14:useLocalDpi xmlns:a14="http://schemas.microsoft.com/office/drawing/2010/main" val="0"/>
+                    </a:ext>
+                    <a:ext uri="{96DAC541-7B7A-43D3-8B79-37D633B846F1}">
+                      <asvg:svgBlip xmlns:asvg="http://schemas.microsoft.com/office/drawing/2016/SVG/main" r:embed="rId4"/>
+                    </a:ext>
+                  </a:extLst>
+                </a:blip>
+                <a:stretch>
+                  <a:fillRect/>
+                </a:stretch>
+              </p:blipFill>
+              <p:spPr>
+                <a:xfrm>
+                  <a:off x="9507612" y="6177055"/>
+                  <a:ext cx="54864" cy="54864"/>
+                </a:xfrm>
+                <a:prstGeom prst="rect">
+                  <a:avLst/>
+                </a:prstGeom>
+              </p:spPr>
+            </p:pic>
+            <p:pic>
+              <p:nvPicPr>
+                <p:cNvPr id="17" name="Graphic 16" descr="Shell">
+                  <a:extLst>
+                    <a:ext uri="{FF2B5EF4-FFF2-40B4-BE49-F238E27FC236}">
+                      <a16:creationId xmlns:a16="http://schemas.microsoft.com/office/drawing/2014/main" id="{84A1236A-1C5E-4455-A7C0-43804F4F9D2F}"/>
+                    </a:ext>
+                  </a:extLst>
+                </p:cNvPr>
+                <p:cNvPicPr>
+                  <a:picLocks noChangeAspect="1"/>
+                </p:cNvPicPr>
+                <p:nvPr/>
+              </p:nvPicPr>
+              <p:blipFill>
+                <a:blip r:embed="rId3">
+                  <a:extLst>
+                    <a:ext uri="{28A0092B-C50C-407E-A947-70E740481C1C}">
+                      <a14:useLocalDpi xmlns:a14="http://schemas.microsoft.com/office/drawing/2010/main" val="0"/>
+                    </a:ext>
+                    <a:ext uri="{96DAC541-7B7A-43D3-8B79-37D633B846F1}">
+                      <asvg:svgBlip xmlns:asvg="http://schemas.microsoft.com/office/drawing/2016/SVG/main" r:embed="rId4"/>
+                    </a:ext>
+                  </a:extLst>
+                </a:blip>
+                <a:stretch>
+                  <a:fillRect/>
+                </a:stretch>
+              </p:blipFill>
+              <p:spPr>
+                <a:xfrm>
+                  <a:off x="9410076" y="6079519"/>
+                  <a:ext cx="54864" cy="54864"/>
+                </a:xfrm>
+                <a:prstGeom prst="rect">
+                  <a:avLst/>
+                </a:prstGeom>
+              </p:spPr>
+            </p:pic>
+            <p:pic>
+              <p:nvPicPr>
+                <p:cNvPr id="19" name="Graphic 18" descr="Shell">
+                  <a:extLst>
+                    <a:ext uri="{FF2B5EF4-FFF2-40B4-BE49-F238E27FC236}">
+                      <a16:creationId xmlns:a16="http://schemas.microsoft.com/office/drawing/2014/main" id="{D6585A4B-5133-4A61-83A2-2EE02ED8330E}"/>
+                    </a:ext>
+                  </a:extLst>
+                </p:cNvPr>
+                <p:cNvPicPr>
+                  <a:picLocks noChangeAspect="1"/>
+                </p:cNvPicPr>
+                <p:nvPr/>
+              </p:nvPicPr>
+              <p:blipFill>
+                <a:blip r:embed="rId3">
+                  <a:extLst>
+                    <a:ext uri="{28A0092B-C50C-407E-A947-70E740481C1C}">
+                      <a14:useLocalDpi xmlns:a14="http://schemas.microsoft.com/office/drawing/2010/main" val="0"/>
+                    </a:ext>
+                    <a:ext uri="{96DAC541-7B7A-43D3-8B79-37D633B846F1}">
+                      <asvg:svgBlip xmlns:asvg="http://schemas.microsoft.com/office/drawing/2016/SVG/main" r:embed="rId4"/>
+                    </a:ext>
+                  </a:extLst>
+                </a:blip>
+                <a:stretch>
+                  <a:fillRect/>
+                </a:stretch>
+              </p:blipFill>
+              <p:spPr>
+                <a:xfrm>
+                  <a:off x="9272916" y="6050261"/>
+                  <a:ext cx="54864" cy="54864"/>
+                </a:xfrm>
+                <a:prstGeom prst="rect">
+                  <a:avLst/>
+                </a:prstGeom>
+              </p:spPr>
+            </p:pic>
+            <p:pic>
+              <p:nvPicPr>
+                <p:cNvPr id="20" name="Graphic 19" descr="Shell">
+                  <a:extLst>
+                    <a:ext uri="{FF2B5EF4-FFF2-40B4-BE49-F238E27FC236}">
+                      <a16:creationId xmlns:a16="http://schemas.microsoft.com/office/drawing/2014/main" id="{A687EF74-0412-44C0-B107-562C7CE86032}"/>
+                    </a:ext>
+                  </a:extLst>
+                </p:cNvPr>
+                <p:cNvPicPr>
+                  <a:picLocks noChangeAspect="1"/>
+                </p:cNvPicPr>
+                <p:nvPr/>
+              </p:nvPicPr>
+              <p:blipFill>
+                <a:blip r:embed="rId3">
+                  <a:extLst>
+                    <a:ext uri="{28A0092B-C50C-407E-A947-70E740481C1C}">
+                      <a14:useLocalDpi xmlns:a14="http://schemas.microsoft.com/office/drawing/2010/main" val="0"/>
+                    </a:ext>
+                    <a:ext uri="{96DAC541-7B7A-43D3-8B79-37D633B846F1}">
+                      <asvg:svgBlip xmlns:asvg="http://schemas.microsoft.com/office/drawing/2016/SVG/main" r:embed="rId4"/>
+                    </a:ext>
+                  </a:extLst>
+                </a:blip>
+                <a:stretch>
+                  <a:fillRect/>
+                </a:stretch>
+              </p:blipFill>
+              <p:spPr>
+                <a:xfrm>
+                  <a:off x="9218052" y="6045099"/>
+                  <a:ext cx="54864" cy="54864"/>
+                </a:xfrm>
+                <a:prstGeom prst="rect">
+                  <a:avLst/>
+                </a:prstGeom>
+              </p:spPr>
+            </p:pic>
+            <p:pic>
+              <p:nvPicPr>
+                <p:cNvPr id="21" name="Graphic 20" descr="Shell">
+                  <a:extLst>
+                    <a:ext uri="{FF2B5EF4-FFF2-40B4-BE49-F238E27FC236}">
+                      <a16:creationId xmlns:a16="http://schemas.microsoft.com/office/drawing/2014/main" id="{5FC1D4EC-11AE-4B65-90D8-BE73462CF5DF}"/>
+                    </a:ext>
+                  </a:extLst>
+                </p:cNvPr>
+                <p:cNvPicPr>
+                  <a:picLocks noChangeAspect="1"/>
+                </p:cNvPicPr>
+                <p:nvPr/>
+              </p:nvPicPr>
+              <p:blipFill>
+                <a:blip r:embed="rId3">
+                  <a:extLst>
+                    <a:ext uri="{28A0092B-C50C-407E-A947-70E740481C1C}">
+                      <a14:useLocalDpi xmlns:a14="http://schemas.microsoft.com/office/drawing/2010/main" val="0"/>
+                    </a:ext>
+                    <a:ext uri="{96DAC541-7B7A-43D3-8B79-37D633B846F1}">
+                      <asvg:svgBlip xmlns:asvg="http://schemas.microsoft.com/office/drawing/2016/SVG/main" r:embed="rId4"/>
+                    </a:ext>
+                  </a:extLst>
+                </a:blip>
+                <a:stretch>
+                  <a:fillRect/>
+                </a:stretch>
+              </p:blipFill>
+              <p:spPr>
+                <a:xfrm>
+                  <a:off x="9122040" y="6043273"/>
+                  <a:ext cx="54864" cy="54864"/>
+                </a:xfrm>
+                <a:prstGeom prst="rect">
+                  <a:avLst/>
+                </a:prstGeom>
+              </p:spPr>
+            </p:pic>
+            <p:pic>
+              <p:nvPicPr>
+                <p:cNvPr id="22" name="Graphic 21" descr="Shell">
+                  <a:extLst>
+                    <a:ext uri="{FF2B5EF4-FFF2-40B4-BE49-F238E27FC236}">
+                      <a16:creationId xmlns:a16="http://schemas.microsoft.com/office/drawing/2014/main" id="{4C0E07B3-7887-4FCA-8397-E0432330CA9F}"/>
+                    </a:ext>
+                  </a:extLst>
+                </p:cNvPr>
+                <p:cNvPicPr>
+                  <a:picLocks noChangeAspect="1"/>
+                </p:cNvPicPr>
+                <p:nvPr/>
+              </p:nvPicPr>
+              <p:blipFill>
+                <a:blip r:embed="rId3">
+                  <a:extLst>
+                    <a:ext uri="{28A0092B-C50C-407E-A947-70E740481C1C}">
+                      <a14:useLocalDpi xmlns:a14="http://schemas.microsoft.com/office/drawing/2010/main" val="0"/>
+                    </a:ext>
+                    <a:ext uri="{96DAC541-7B7A-43D3-8B79-37D633B846F1}">
+                      <asvg:svgBlip xmlns:asvg="http://schemas.microsoft.com/office/drawing/2016/SVG/main" r:embed="rId4"/>
+                    </a:ext>
+                  </a:extLst>
+                </a:blip>
+                <a:stretch>
+                  <a:fillRect/>
+                </a:stretch>
+              </p:blipFill>
+              <p:spPr>
+                <a:xfrm>
+                  <a:off x="9067176" y="6038111"/>
+                  <a:ext cx="54864" cy="54864"/>
+                </a:xfrm>
+                <a:prstGeom prst="rect">
+                  <a:avLst/>
+                </a:prstGeom>
+              </p:spPr>
+            </p:pic>
+          </p:grpSp>
+        </p:grpSp>
+        <p:pic>
+          <p:nvPicPr>
+            <p:cNvPr id="27" name="Graphic 26" descr="Shell">
+              <a:extLst>
+                <a:ext uri="{FF2B5EF4-FFF2-40B4-BE49-F238E27FC236}">
+                  <a16:creationId xmlns:a16="http://schemas.microsoft.com/office/drawing/2014/main" id="{0ACC33A2-11D2-4E65-9503-59B71B718F1E}"/>
+                </a:ext>
+              </a:extLst>
+            </p:cNvPr>
+            <p:cNvPicPr>
+              <a:picLocks noChangeAspect="1"/>
+            </p:cNvPicPr>
+            <p:nvPr/>
+          </p:nvPicPr>
+          <p:blipFill>
+            <a:blip r:embed="rId3">
+              <a:extLst>
+                <a:ext uri="{28A0092B-C50C-407E-A947-70E740481C1C}">
+                  <a14:useLocalDpi xmlns:a14="http://schemas.microsoft.com/office/drawing/2010/main" val="0"/>
+                </a:ext>
+                <a:ext uri="{96DAC541-7B7A-43D3-8B79-37D633B846F1}">
+                  <asvg:svgBlip xmlns:asvg="http://schemas.microsoft.com/office/drawing/2016/SVG/main" r:embed="rId4"/>
+                </a:ext>
+              </a:extLst>
+            </a:blip>
+            <a:stretch>
+              <a:fillRect/>
+            </a:stretch>
+          </p:blipFill>
+          <p:spPr>
+            <a:xfrm>
+              <a:off x="10176049" y="3138975"/>
+              <a:ext cx="151431" cy="151431"/>
+            </a:xfrm>
+            <a:prstGeom prst="rect">
+              <a:avLst/>
+            </a:prstGeom>
+          </p:spPr>
+        </p:pic>
+        <p:pic>
+          <p:nvPicPr>
+            <p:cNvPr id="28" name="Graphic 27" descr="Shell">
+              <a:extLst>
+                <a:ext uri="{FF2B5EF4-FFF2-40B4-BE49-F238E27FC236}">
+                  <a16:creationId xmlns:a16="http://schemas.microsoft.com/office/drawing/2014/main" id="{67B2EE51-3178-4863-BD40-0BA19143461A}"/>
+                </a:ext>
+              </a:extLst>
+            </p:cNvPr>
+            <p:cNvPicPr>
+              <a:picLocks noChangeAspect="1"/>
+            </p:cNvPicPr>
+            <p:nvPr/>
+          </p:nvPicPr>
+          <p:blipFill>
+            <a:blip r:embed="rId3">
+              <a:extLst>
+                <a:ext uri="{28A0092B-C50C-407E-A947-70E740481C1C}">
+                  <a14:useLocalDpi xmlns:a14="http://schemas.microsoft.com/office/drawing/2010/main" val="0"/>
+                </a:ext>
+                <a:ext uri="{96DAC541-7B7A-43D3-8B79-37D633B846F1}">
+                  <asvg:svgBlip xmlns:asvg="http://schemas.microsoft.com/office/drawing/2016/SVG/main" r:embed="rId4"/>
+                </a:ext>
+              </a:extLst>
+            </a:blip>
+            <a:stretch>
+              <a:fillRect/>
+            </a:stretch>
+          </p:blipFill>
+          <p:spPr>
+            <a:xfrm>
+              <a:off x="10080037" y="3168229"/>
+              <a:ext cx="111115" cy="111115"/>
+            </a:xfrm>
+            <a:prstGeom prst="rect">
+              <a:avLst/>
+            </a:prstGeom>
+          </p:spPr>
+        </p:pic>
+        <p:pic>
+          <p:nvPicPr>
+            <p:cNvPr id="30" name="Graphic 29" descr="Shell">
+              <a:extLst>
+                <a:ext uri="{FF2B5EF4-FFF2-40B4-BE49-F238E27FC236}">
+                  <a16:creationId xmlns:a16="http://schemas.microsoft.com/office/drawing/2014/main" id="{FB623065-D6E8-4C49-80BF-5BE08E1FE23C}"/>
+                </a:ext>
+              </a:extLst>
+            </p:cNvPr>
+            <p:cNvPicPr>
+              <a:picLocks noChangeAspect="1"/>
+            </p:cNvPicPr>
+            <p:nvPr/>
+          </p:nvPicPr>
+          <p:blipFill>
+            <a:blip r:embed="rId3">
+              <a:extLst>
+                <a:ext uri="{28A0092B-C50C-407E-A947-70E740481C1C}">
+                  <a14:useLocalDpi xmlns:a14="http://schemas.microsoft.com/office/drawing/2010/main" val="0"/>
+                </a:ext>
+                <a:ext uri="{96DAC541-7B7A-43D3-8B79-37D633B846F1}">
+                  <asvg:svgBlip xmlns:asvg="http://schemas.microsoft.com/office/drawing/2016/SVG/main" r:embed="rId4"/>
+                </a:ext>
+              </a:extLst>
+            </a:blip>
+            <a:stretch>
+              <a:fillRect/>
+            </a:stretch>
+          </p:blipFill>
+          <p:spPr>
+            <a:xfrm>
+              <a:off x="9974085" y="3186701"/>
+              <a:ext cx="105953" cy="105953"/>
+            </a:xfrm>
+            <a:prstGeom prst="rect">
+              <a:avLst/>
+            </a:prstGeom>
+          </p:spPr>
+        </p:pic>
+        <p:sp>
+          <p:nvSpPr>
+            <p:cNvPr id="13" name="Rectangle 12">
+              <a:extLst>
+                <a:ext uri="{FF2B5EF4-FFF2-40B4-BE49-F238E27FC236}">
+                  <a16:creationId xmlns:a16="http://schemas.microsoft.com/office/drawing/2014/main" id="{CAF532BF-0431-491E-8C39-05C288AF0AAF}"/>
+                </a:ext>
+              </a:extLst>
+            </p:cNvPr>
+            <p:cNvSpPr/>
+            <p:nvPr/>
+          </p:nvSpPr>
+          <p:spPr>
+            <a:xfrm>
+              <a:off x="8248073" y="3276621"/>
+              <a:ext cx="3384614" cy="69191"/>
+            </a:xfrm>
+            <a:prstGeom prst="rect">
+              <a:avLst/>
+            </a:prstGeom>
+            <a:solidFill>
+              <a:srgbClr val="00B050"/>
+            </a:solidFill>
+          </p:spPr>
+          <p:style>
+            <a:lnRef idx="2">
+              <a:schemeClr val="accent1">
+                <a:shade val="50000"/>
+              </a:schemeClr>
+            </a:lnRef>
+            <a:fillRef idx="1">
+              <a:schemeClr val="accent1"/>
+            </a:fillRef>
+            <a:effectRef idx="0">
+              <a:schemeClr val="accent1"/>
+            </a:effectRef>
+            <a:fontRef idx="minor">
+              <a:schemeClr val="lt1"/>
+            </a:fontRef>
+          </p:style>
+          <p:txBody>
+            <a:bodyPr rtlCol="0" anchor="ctr"/>
+            <a:lstStyle/>
+            <a:p>
+              <a:pPr algn="ctr"/>
+              <a:endParaRPr lang="en-US"/>
+            </a:p>
+          </p:txBody>
+        </p:sp>
+        <p:sp>
+          <p:nvSpPr>
+            <p:cNvPr id="14" name="Speech Bubble: Oval 13">
+              <a:extLst>
+                <a:ext uri="{FF2B5EF4-FFF2-40B4-BE49-F238E27FC236}">
+                  <a16:creationId xmlns:a16="http://schemas.microsoft.com/office/drawing/2014/main" id="{DBB3A11A-ADB2-4C70-9FD4-B145F520E855}"/>
+                </a:ext>
+              </a:extLst>
+            </p:cNvPr>
+            <p:cNvSpPr/>
+            <p:nvPr/>
+          </p:nvSpPr>
+          <p:spPr>
+            <a:xfrm>
+              <a:off x="10080036" y="2873879"/>
+              <a:ext cx="1334835" cy="311128"/>
+            </a:xfrm>
+            <a:prstGeom prst="wedgeEllipseCallout">
+              <a:avLst/>
+            </a:prstGeom>
+          </p:spPr>
+          <p:style>
+            <a:lnRef idx="2">
+              <a:schemeClr val="accent1">
+                <a:shade val="50000"/>
+              </a:schemeClr>
+            </a:lnRef>
+            <a:fillRef idx="1">
+              <a:schemeClr val="accent1"/>
+            </a:fillRef>
+            <a:effectRef idx="0">
+              <a:schemeClr val="accent1"/>
+            </a:effectRef>
+            <a:fontRef idx="minor">
+              <a:schemeClr val="lt1"/>
+            </a:fontRef>
+          </p:style>
+          <p:txBody>
+            <a:bodyPr rtlCol="0" anchor="ctr"/>
+            <a:lstStyle/>
+            <a:p>
+              <a:pPr algn="ctr"/>
+              <a:r>
+                <a:rPr lang="en-US" sz="900" dirty="0"/>
+                <a:t>Hey Hal, look at the stupid fish!</a:t>
+              </a:r>
+            </a:p>
+          </p:txBody>
+        </p:sp>
+      </p:grpSp>
     </p:spTree>
     <p:extLst>
       <p:ext uri="{BB962C8B-B14F-4D97-AF65-F5344CB8AC3E}">
@@ -17256,6 +20352,476 @@
   <p:clrMapOvr>
     <a:masterClrMapping/>
   </p:clrMapOvr>
+  <p:timing>
+    <p:tnLst>
+      <p:par>
+        <p:cTn id="1" dur="indefinite" restart="never" nodeType="tmRoot">
+          <p:childTnLst>
+            <p:seq concurrent="1" nextAc="seek">
+              <p:cTn id="2" dur="indefinite" nodeType="mainSeq">
+                <p:childTnLst>
+                  <p:par>
+                    <p:cTn id="3" fill="hold">
+                      <p:stCondLst>
+                        <p:cond delay="indefinite"/>
+                      </p:stCondLst>
+                      <p:childTnLst>
+                        <p:par>
+                          <p:cTn id="4" fill="hold">
+                            <p:stCondLst>
+                              <p:cond delay="0"/>
+                            </p:stCondLst>
+                            <p:childTnLst>
+                              <p:par>
+                                <p:cTn id="5" presetID="1" presetClass="entr" presetSubtype="0" fill="hold" nodeType="clickEffect">
+                                  <p:stCondLst>
+                                    <p:cond delay="0"/>
+                                  </p:stCondLst>
+                                  <p:childTnLst>
+                                    <p:set>
+                                      <p:cBhvr>
+                                        <p:cTn id="6" dur="1" fill="hold">
+                                          <p:stCondLst>
+                                            <p:cond delay="0"/>
+                                          </p:stCondLst>
+                                        </p:cTn>
+                                        <p:tgtEl>
+                                          <p:spTgt spid="6">
+                                            <p:txEl>
+                                              <p:pRg st="2" end="2"/>
+                                            </p:txEl>
+                                          </p:spTgt>
+                                        </p:tgtEl>
+                                        <p:attrNameLst>
+                                          <p:attrName>style.visibility</p:attrName>
+                                        </p:attrNameLst>
+                                      </p:cBhvr>
+                                      <p:to>
+                                        <p:strVal val="visible"/>
+                                      </p:to>
+                                    </p:set>
+                                  </p:childTnLst>
+                                </p:cTn>
+                              </p:par>
+                              <p:par>
+                                <p:cTn id="7" presetID="1" presetClass="entr" presetSubtype="0" fill="hold" nodeType="withEffect">
+                                  <p:stCondLst>
+                                    <p:cond delay="0"/>
+                                  </p:stCondLst>
+                                  <p:childTnLst>
+                                    <p:set>
+                                      <p:cBhvr>
+                                        <p:cTn id="8" dur="1" fill="hold">
+                                          <p:stCondLst>
+                                            <p:cond delay="0"/>
+                                          </p:stCondLst>
+                                        </p:cTn>
+                                        <p:tgtEl>
+                                          <p:spTgt spid="6">
+                                            <p:txEl>
+                                              <p:pRg st="3" end="3"/>
+                                            </p:txEl>
+                                          </p:spTgt>
+                                        </p:tgtEl>
+                                        <p:attrNameLst>
+                                          <p:attrName>style.visibility</p:attrName>
+                                        </p:attrNameLst>
+                                      </p:cBhvr>
+                                      <p:to>
+                                        <p:strVal val="visible"/>
+                                      </p:to>
+                                    </p:set>
+                                  </p:childTnLst>
+                                </p:cTn>
+                              </p:par>
+                              <p:par>
+                                <p:cTn id="9" presetID="1" presetClass="entr" presetSubtype="0" fill="hold" nodeType="withEffect">
+                                  <p:stCondLst>
+                                    <p:cond delay="0"/>
+                                  </p:stCondLst>
+                                  <p:childTnLst>
+                                    <p:set>
+                                      <p:cBhvr>
+                                        <p:cTn id="10" dur="1" fill="hold">
+                                          <p:stCondLst>
+                                            <p:cond delay="0"/>
+                                          </p:stCondLst>
+                                        </p:cTn>
+                                        <p:tgtEl>
+                                          <p:spTgt spid="6">
+                                            <p:txEl>
+                                              <p:pRg st="4" end="4"/>
+                                            </p:txEl>
+                                          </p:spTgt>
+                                        </p:tgtEl>
+                                        <p:attrNameLst>
+                                          <p:attrName>style.visibility</p:attrName>
+                                        </p:attrNameLst>
+                                      </p:cBhvr>
+                                      <p:to>
+                                        <p:strVal val="visible"/>
+                                      </p:to>
+                                    </p:set>
+                                  </p:childTnLst>
+                                </p:cTn>
+                              </p:par>
+                            </p:childTnLst>
+                          </p:cTn>
+                        </p:par>
+                      </p:childTnLst>
+                    </p:cTn>
+                  </p:par>
+                  <p:par>
+                    <p:cTn id="11" fill="hold">
+                      <p:stCondLst>
+                        <p:cond delay="indefinite"/>
+                      </p:stCondLst>
+                      <p:childTnLst>
+                        <p:par>
+                          <p:cTn id="12" fill="hold">
+                            <p:stCondLst>
+                              <p:cond delay="0"/>
+                            </p:stCondLst>
+                            <p:childTnLst>
+                              <p:par>
+                                <p:cTn id="13" presetID="1" presetClass="entr" presetSubtype="0" fill="hold" nodeType="clickEffect">
+                                  <p:stCondLst>
+                                    <p:cond delay="0"/>
+                                  </p:stCondLst>
+                                  <p:childTnLst>
+                                    <p:set>
+                                      <p:cBhvr>
+                                        <p:cTn id="14" dur="1" fill="hold">
+                                          <p:stCondLst>
+                                            <p:cond delay="0"/>
+                                          </p:stCondLst>
+                                        </p:cTn>
+                                        <p:tgtEl>
+                                          <p:spTgt spid="6">
+                                            <p:txEl>
+                                              <p:pRg st="5" end="5"/>
+                                            </p:txEl>
+                                          </p:spTgt>
+                                        </p:tgtEl>
+                                        <p:attrNameLst>
+                                          <p:attrName>style.visibility</p:attrName>
+                                        </p:attrNameLst>
+                                      </p:cBhvr>
+                                      <p:to>
+                                        <p:strVal val="visible"/>
+                                      </p:to>
+                                    </p:set>
+                                  </p:childTnLst>
+                                </p:cTn>
+                              </p:par>
+                              <p:par>
+                                <p:cTn id="15" presetID="1" presetClass="entr" presetSubtype="0" fill="hold" nodeType="withEffect">
+                                  <p:stCondLst>
+                                    <p:cond delay="0"/>
+                                  </p:stCondLst>
+                                  <p:childTnLst>
+                                    <p:set>
+                                      <p:cBhvr>
+                                        <p:cTn id="16" dur="1" fill="hold">
+                                          <p:stCondLst>
+                                            <p:cond delay="0"/>
+                                          </p:stCondLst>
+                                        </p:cTn>
+                                        <p:tgtEl>
+                                          <p:spTgt spid="23"/>
+                                        </p:tgtEl>
+                                        <p:attrNameLst>
+                                          <p:attrName>style.visibility</p:attrName>
+                                        </p:attrNameLst>
+                                      </p:cBhvr>
+                                      <p:to>
+                                        <p:strVal val="visible"/>
+                                      </p:to>
+                                    </p:set>
+                                  </p:childTnLst>
+                                </p:cTn>
+                              </p:par>
+                            </p:childTnLst>
+                          </p:cTn>
+                        </p:par>
+                      </p:childTnLst>
+                    </p:cTn>
+                  </p:par>
+                  <p:par>
+                    <p:cTn id="17" fill="hold">
+                      <p:stCondLst>
+                        <p:cond delay="indefinite"/>
+                      </p:stCondLst>
+                      <p:childTnLst>
+                        <p:par>
+                          <p:cTn id="18" fill="hold">
+                            <p:stCondLst>
+                              <p:cond delay="0"/>
+                            </p:stCondLst>
+                            <p:childTnLst>
+                              <p:par>
+                                <p:cTn id="19" presetID="1" presetClass="entr" presetSubtype="0" fill="hold" nodeType="clickEffect">
+                                  <p:stCondLst>
+                                    <p:cond delay="0"/>
+                                  </p:stCondLst>
+                                  <p:childTnLst>
+                                    <p:set>
+                                      <p:cBhvr>
+                                        <p:cTn id="20" dur="1" fill="hold">
+                                          <p:stCondLst>
+                                            <p:cond delay="0"/>
+                                          </p:stCondLst>
+                                        </p:cTn>
+                                        <p:tgtEl>
+                                          <p:spTgt spid="6">
+                                            <p:txEl>
+                                              <p:pRg st="6" end="6"/>
+                                            </p:txEl>
+                                          </p:spTgt>
+                                        </p:tgtEl>
+                                        <p:attrNameLst>
+                                          <p:attrName>style.visibility</p:attrName>
+                                        </p:attrNameLst>
+                                      </p:cBhvr>
+                                      <p:to>
+                                        <p:strVal val="visible"/>
+                                      </p:to>
+                                    </p:set>
+                                  </p:childTnLst>
+                                </p:cTn>
+                              </p:par>
+                              <p:par>
+                                <p:cTn id="21" presetID="1" presetClass="entr" presetSubtype="0" fill="hold" nodeType="withEffect">
+                                  <p:stCondLst>
+                                    <p:cond delay="0"/>
+                                  </p:stCondLst>
+                                  <p:childTnLst>
+                                    <p:set>
+                                      <p:cBhvr>
+                                        <p:cTn id="22" dur="1" fill="hold">
+                                          <p:stCondLst>
+                                            <p:cond delay="0"/>
+                                          </p:stCondLst>
+                                        </p:cTn>
+                                        <p:tgtEl>
+                                          <p:spTgt spid="6">
+                                            <p:txEl>
+                                              <p:pRg st="7" end="7"/>
+                                            </p:txEl>
+                                          </p:spTgt>
+                                        </p:tgtEl>
+                                        <p:attrNameLst>
+                                          <p:attrName>style.visibility</p:attrName>
+                                        </p:attrNameLst>
+                                      </p:cBhvr>
+                                      <p:to>
+                                        <p:strVal val="visible"/>
+                                      </p:to>
+                                    </p:set>
+                                  </p:childTnLst>
+                                </p:cTn>
+                              </p:par>
+                              <p:par>
+                                <p:cTn id="23" presetID="1" presetClass="entr" presetSubtype="0" fill="hold" nodeType="withEffect">
+                                  <p:stCondLst>
+                                    <p:cond delay="0"/>
+                                  </p:stCondLst>
+                                  <p:childTnLst>
+                                    <p:set>
+                                      <p:cBhvr>
+                                        <p:cTn id="24" dur="1" fill="hold">
+                                          <p:stCondLst>
+                                            <p:cond delay="0"/>
+                                          </p:stCondLst>
+                                        </p:cTn>
+                                        <p:tgtEl>
+                                          <p:spTgt spid="6">
+                                            <p:txEl>
+                                              <p:pRg st="8" end="8"/>
+                                            </p:txEl>
+                                          </p:spTgt>
+                                        </p:tgtEl>
+                                        <p:attrNameLst>
+                                          <p:attrName>style.visibility</p:attrName>
+                                        </p:attrNameLst>
+                                      </p:cBhvr>
+                                      <p:to>
+                                        <p:strVal val="visible"/>
+                                      </p:to>
+                                    </p:set>
+                                  </p:childTnLst>
+                                </p:cTn>
+                              </p:par>
+                            </p:childTnLst>
+                          </p:cTn>
+                        </p:par>
+                      </p:childTnLst>
+                    </p:cTn>
+                  </p:par>
+                  <p:par>
+                    <p:cTn id="25" fill="hold">
+                      <p:stCondLst>
+                        <p:cond delay="indefinite"/>
+                      </p:stCondLst>
+                      <p:childTnLst>
+                        <p:par>
+                          <p:cTn id="26" fill="hold">
+                            <p:stCondLst>
+                              <p:cond delay="0"/>
+                            </p:stCondLst>
+                            <p:childTnLst>
+                              <p:par>
+                                <p:cTn id="27" presetID="1" presetClass="entr" presetSubtype="0" fill="hold" nodeType="clickEffect">
+                                  <p:stCondLst>
+                                    <p:cond delay="0"/>
+                                  </p:stCondLst>
+                                  <p:childTnLst>
+                                    <p:set>
+                                      <p:cBhvr>
+                                        <p:cTn id="28" dur="1" fill="hold">
+                                          <p:stCondLst>
+                                            <p:cond delay="0"/>
+                                          </p:stCondLst>
+                                        </p:cTn>
+                                        <p:tgtEl>
+                                          <p:spTgt spid="6">
+                                            <p:txEl>
+                                              <p:pRg st="9" end="9"/>
+                                            </p:txEl>
+                                          </p:spTgt>
+                                        </p:tgtEl>
+                                        <p:attrNameLst>
+                                          <p:attrName>style.visibility</p:attrName>
+                                        </p:attrNameLst>
+                                      </p:cBhvr>
+                                      <p:to>
+                                        <p:strVal val="visible"/>
+                                      </p:to>
+                                    </p:set>
+                                  </p:childTnLst>
+                                </p:cTn>
+                              </p:par>
+                              <p:par>
+                                <p:cTn id="29" presetID="1" presetClass="entr" presetSubtype="0" fill="hold" nodeType="withEffect">
+                                  <p:stCondLst>
+                                    <p:cond delay="0"/>
+                                  </p:stCondLst>
+                                  <p:childTnLst>
+                                    <p:set>
+                                      <p:cBhvr>
+                                        <p:cTn id="30" dur="1" fill="hold">
+                                          <p:stCondLst>
+                                            <p:cond delay="0"/>
+                                          </p:stCondLst>
+                                        </p:cTn>
+                                        <p:tgtEl>
+                                          <p:spTgt spid="6">
+                                            <p:txEl>
+                                              <p:pRg st="10" end="10"/>
+                                            </p:txEl>
+                                          </p:spTgt>
+                                        </p:tgtEl>
+                                        <p:attrNameLst>
+                                          <p:attrName>style.visibility</p:attrName>
+                                        </p:attrNameLst>
+                                      </p:cBhvr>
+                                      <p:to>
+                                        <p:strVal val="visible"/>
+                                      </p:to>
+                                    </p:set>
+                                  </p:childTnLst>
+                                </p:cTn>
+                              </p:par>
+                              <p:par>
+                                <p:cTn id="31" presetID="1" presetClass="entr" presetSubtype="0" fill="hold" nodeType="withEffect">
+                                  <p:stCondLst>
+                                    <p:cond delay="0"/>
+                                  </p:stCondLst>
+                                  <p:childTnLst>
+                                    <p:set>
+                                      <p:cBhvr>
+                                        <p:cTn id="32" dur="1" fill="hold">
+                                          <p:stCondLst>
+                                            <p:cond delay="0"/>
+                                          </p:stCondLst>
+                                        </p:cTn>
+                                        <p:tgtEl>
+                                          <p:spTgt spid="6">
+                                            <p:txEl>
+                                              <p:pRg st="11" end="11"/>
+                                            </p:txEl>
+                                          </p:spTgt>
+                                        </p:tgtEl>
+                                        <p:attrNameLst>
+                                          <p:attrName>style.visibility</p:attrName>
+                                        </p:attrNameLst>
+                                      </p:cBhvr>
+                                      <p:to>
+                                        <p:strVal val="visible"/>
+                                      </p:to>
+                                    </p:set>
+                                  </p:childTnLst>
+                                </p:cTn>
+                              </p:par>
+                              <p:par>
+                                <p:cTn id="33" presetID="1" presetClass="entr" presetSubtype="0" fill="hold" nodeType="withEffect">
+                                  <p:stCondLst>
+                                    <p:cond delay="0"/>
+                                  </p:stCondLst>
+                                  <p:childTnLst>
+                                    <p:set>
+                                      <p:cBhvr>
+                                        <p:cTn id="34" dur="1" fill="hold">
+                                          <p:stCondLst>
+                                            <p:cond delay="0"/>
+                                          </p:stCondLst>
+                                        </p:cTn>
+                                        <p:tgtEl>
+                                          <p:spTgt spid="6">
+                                            <p:txEl>
+                                              <p:pRg st="12" end="12"/>
+                                            </p:txEl>
+                                          </p:spTgt>
+                                        </p:tgtEl>
+                                        <p:attrNameLst>
+                                          <p:attrName>style.visibility</p:attrName>
+                                        </p:attrNameLst>
+                                      </p:cBhvr>
+                                      <p:to>
+                                        <p:strVal val="visible"/>
+                                      </p:to>
+                                    </p:set>
+                                  </p:childTnLst>
+                                </p:cTn>
+                              </p:par>
+                            </p:childTnLst>
+                          </p:cTn>
+                        </p:par>
+                      </p:childTnLst>
+                    </p:cTn>
+                  </p:par>
+                </p:childTnLst>
+              </p:cTn>
+              <p:prevCondLst>
+                <p:cond evt="onPrev" delay="0">
+                  <p:tgtEl>
+                    <p:sldTgt/>
+                  </p:tgtEl>
+                </p:cond>
+              </p:prevCondLst>
+              <p:nextCondLst>
+                <p:cond evt="onNext" delay="0">
+                  <p:tgtEl>
+                    <p:sldTgt/>
+                  </p:tgtEl>
+                </p:cond>
+              </p:nextCondLst>
+            </p:seq>
+          </p:childTnLst>
+        </p:cTn>
+      </p:par>
+    </p:tnLst>
+  </p:timing>
 </p:sld>
 </file>
 
